--- a/Preparation rencontre respo gestion/Powerpoint final/ANIMATION 3D EN CRISTALLOGRAPHIE.pptx
+++ b/Preparation rencontre respo gestion/Powerpoint final/ANIMATION 3D EN CRISTALLOGRAPHIE.pptx
@@ -6,12 +6,17 @@
   </p:sldMasterIdLst>
   <p:sldIdLst>
     <p:sldId id="256" r:id="rId2"/>
-    <p:sldId id="259" r:id="rId3"/>
-    <p:sldId id="260" r:id="rId4"/>
-    <p:sldId id="257" r:id="rId5"/>
-    <p:sldId id="258" r:id="rId6"/>
-    <p:sldId id="261" r:id="rId7"/>
-    <p:sldId id="262" r:id="rId8"/>
+    <p:sldId id="264" r:id="rId3"/>
+    <p:sldId id="265" r:id="rId4"/>
+    <p:sldId id="259" r:id="rId5"/>
+    <p:sldId id="260" r:id="rId6"/>
+    <p:sldId id="257" r:id="rId7"/>
+    <p:sldId id="258" r:id="rId8"/>
+    <p:sldId id="261" r:id="rId9"/>
+    <p:sldId id="262" r:id="rId10"/>
+    <p:sldId id="266" r:id="rId11"/>
+    <p:sldId id="267" r:id="rId12"/>
+    <p:sldId id="268" r:id="rId13"/>
   </p:sldIdLst>
   <p:sldSz cx="9144000" cy="6858000" type="screen4x3"/>
   <p:notesSz cx="6858000" cy="9144000"/>
@@ -739,7 +744,7 @@
             <a:fld id="{8F451908-225C-4D50-AA3C-E607F97A2161}" type="datetimeFigureOut">
               <a:rPr lang="fr-FR" smtClean="0"/>
               <a:pPr/>
-              <a:t>27/03/2011</a:t>
+              <a:t>28/03/2011</a:t>
             </a:fld>
             <a:endParaRPr lang="fr-FR"/>
           </a:p>
@@ -937,7 +942,7 @@
             <a:fld id="{8F451908-225C-4D50-AA3C-E607F97A2161}" type="datetimeFigureOut">
               <a:rPr lang="fr-FR" smtClean="0"/>
               <a:pPr/>
-              <a:t>27/03/2011</a:t>
+              <a:t>28/03/2011</a:t>
             </a:fld>
             <a:endParaRPr lang="fr-FR"/>
           </a:p>
@@ -1124,7 +1129,7 @@
             <a:fld id="{8F451908-225C-4D50-AA3C-E607F97A2161}" type="datetimeFigureOut">
               <a:rPr lang="fr-FR" smtClean="0"/>
               <a:pPr/>
-              <a:t>27/03/2011</a:t>
+              <a:t>28/03/2011</a:t>
             </a:fld>
             <a:endParaRPr lang="fr-FR"/>
           </a:p>
@@ -1276,7 +1281,7 @@
             <a:fld id="{8F451908-225C-4D50-AA3C-E607F97A2161}" type="datetimeFigureOut">
               <a:rPr lang="fr-FR" smtClean="0"/>
               <a:pPr/>
-              <a:t>27/03/2011</a:t>
+              <a:t>28/03/2011</a:t>
             </a:fld>
             <a:endParaRPr lang="fr-FR"/>
           </a:p>
@@ -1533,7 +1538,7 @@
             <a:fld id="{8F451908-225C-4D50-AA3C-E607F97A2161}" type="datetimeFigureOut">
               <a:rPr lang="fr-FR" smtClean="0"/>
               <a:pPr/>
-              <a:t>27/03/2011</a:t>
+              <a:t>28/03/2011</a:t>
             </a:fld>
             <a:endParaRPr lang="fr-FR"/>
           </a:p>
@@ -1944,7 +1949,7 @@
             <a:fld id="{8F451908-225C-4D50-AA3C-E607F97A2161}" type="datetimeFigureOut">
               <a:rPr lang="fr-FR" smtClean="0"/>
               <a:pPr/>
-              <a:t>27/03/2011</a:t>
+              <a:t>28/03/2011</a:t>
             </a:fld>
             <a:endParaRPr lang="fr-FR"/>
           </a:p>
@@ -2392,7 +2397,7 @@
             <a:fld id="{8F451908-225C-4D50-AA3C-E607F97A2161}" type="datetimeFigureOut">
               <a:rPr lang="fr-FR" smtClean="0"/>
               <a:pPr/>
-              <a:t>27/03/2011</a:t>
+              <a:t>28/03/2011</a:t>
             </a:fld>
             <a:endParaRPr lang="fr-FR"/>
           </a:p>
@@ -2495,7 +2500,7 @@
             <a:fld id="{8F451908-225C-4D50-AA3C-E607F97A2161}" type="datetimeFigureOut">
               <a:rPr lang="fr-FR" smtClean="0"/>
               <a:pPr/>
-              <a:t>27/03/2011</a:t>
+              <a:t>28/03/2011</a:t>
             </a:fld>
             <a:endParaRPr lang="fr-FR"/>
           </a:p>
@@ -2618,7 +2623,7 @@
             <a:fld id="{8F451908-225C-4D50-AA3C-E607F97A2161}" type="datetimeFigureOut">
               <a:rPr lang="fr-FR" smtClean="0"/>
               <a:pPr/>
-              <a:t>27/03/2011</a:t>
+              <a:t>28/03/2011</a:t>
             </a:fld>
             <a:endParaRPr lang="fr-FR"/>
           </a:p>
@@ -2894,7 +2899,7 @@
             <a:fld id="{8F451908-225C-4D50-AA3C-E607F97A2161}" type="datetimeFigureOut">
               <a:rPr lang="fr-FR" smtClean="0"/>
               <a:pPr/>
-              <a:t>27/03/2011</a:t>
+              <a:t>28/03/2011</a:t>
             </a:fld>
             <a:endParaRPr lang="fr-FR"/>
           </a:p>
@@ -3101,7 +3106,7 @@
             <a:fld id="{8F451908-225C-4D50-AA3C-E607F97A2161}" type="datetimeFigureOut">
               <a:rPr lang="fr-FR" smtClean="0"/>
               <a:pPr/>
-              <a:t>27/03/2011</a:t>
+              <a:t>28/03/2011</a:t>
             </a:fld>
             <a:endParaRPr lang="fr-FR"/>
           </a:p>
@@ -4212,7 +4217,7 @@
             <a:fld id="{8F451908-225C-4D50-AA3C-E607F97A2161}" type="datetimeFigureOut">
               <a:rPr lang="fr-FR" smtClean="0"/>
               <a:pPr/>
-              <a:t>27/03/2011</a:t>
+              <a:t>28/03/2011</a:t>
             </a:fld>
             <a:endParaRPr lang="fr-FR"/>
           </a:p>
@@ -4876,6 +4881,410 @@
 </p:sld>
 </file>
 
+<file path=ppt/slides/slide10.xml><?xml version="1.0" encoding="utf-8"?>
+<p:sld xmlns:a="http://schemas.openxmlformats.org/drawingml/2006/main" xmlns:r="http://schemas.openxmlformats.org/officeDocument/2006/relationships" xmlns:p="http://schemas.openxmlformats.org/presentationml/2006/main">
+  <p:cSld>
+    <p:spTree>
+      <p:nvGrpSpPr>
+        <p:cNvPr id="1" name=""/>
+        <p:cNvGrpSpPr/>
+        <p:nvPr/>
+      </p:nvGrpSpPr>
+      <p:grpSpPr>
+        <a:xfrm>
+          <a:off x="0" y="0"/>
+          <a:ext cx="0" cy="0"/>
+          <a:chOff x="0" y="0"/>
+          <a:chExt cx="0" cy="0"/>
+        </a:xfrm>
+      </p:grpSpPr>
+      <p:sp>
+        <p:nvSpPr>
+          <p:cNvPr id="2" name="Titre 1"/>
+          <p:cNvSpPr>
+            <a:spLocks noGrp="1"/>
+          </p:cNvSpPr>
+          <p:nvPr>
+            <p:ph type="title"/>
+          </p:nvPr>
+        </p:nvSpPr>
+        <p:spPr/>
+        <p:txBody>
+          <a:bodyPr/>
+          <a:lstStyle/>
+          <a:p>
+            <a:r>
+              <a:rPr lang="fr-FR" dirty="0" smtClean="0"/>
+              <a:t>II. </a:t>
+            </a:r>
+            <a:r>
+              <a:rPr lang="fr-FR" dirty="0" smtClean="0"/>
+              <a:t>Avancement du projet</a:t>
+            </a:r>
+            <a:endParaRPr lang="fr-FR" dirty="0"/>
+          </a:p>
+        </p:txBody>
+      </p:sp>
+      <p:sp>
+        <p:nvSpPr>
+          <p:cNvPr id="3" name="Espace réservé du contenu 2"/>
+          <p:cNvSpPr>
+            <a:spLocks noGrp="1"/>
+          </p:cNvSpPr>
+          <p:nvPr>
+            <p:ph idx="1"/>
+          </p:nvPr>
+        </p:nvSpPr>
+        <p:spPr/>
+        <p:txBody>
+          <a:bodyPr/>
+          <a:lstStyle/>
+          <a:p>
+            <a:endParaRPr lang="fr-FR"/>
+          </a:p>
+        </p:txBody>
+      </p:sp>
+      <p:pic>
+        <p:nvPicPr>
+          <p:cNvPr id="2050" name="Picture 2" descr="C:\Users\Arnaud\Documents\Projet de groupe\svn\Preparation rencontre respo gestion\Documents Utiles\Gantt Avancement au jour de la rencontre.png"/>
+          <p:cNvPicPr>
+            <a:picLocks noChangeAspect="1" noChangeArrowheads="1"/>
+          </p:cNvPicPr>
+          <p:nvPr/>
+        </p:nvPicPr>
+        <p:blipFill>
+          <a:blip r:embed="rId2" cstate="print">
+            <a:extLst>
+              <a:ext uri="{28A0092B-C50C-407E-A947-70E740481C1C}">
+                <a14:useLocalDpi xmlns:a14="http://schemas.microsoft.com/office/drawing/2010/main" xmlns="" val="0"/>
+              </a:ext>
+            </a:extLst>
+          </a:blip>
+          <a:srcRect/>
+          <a:stretch>
+            <a:fillRect/>
+          </a:stretch>
+        </p:blipFill>
+        <p:spPr bwMode="auto">
+          <a:xfrm>
+            <a:off x="73617" y="1340768"/>
+            <a:ext cx="9199155" cy="5517232"/>
+          </a:xfrm>
+          <a:prstGeom prst="rect">
+            <a:avLst/>
+          </a:prstGeom>
+          <a:noFill/>
+          <a:extLst>
+            <a:ext uri="{909E8E84-426E-40DD-AFC4-6F175D3DCCD1}">
+              <a14:hiddenFill xmlns:a14="http://schemas.microsoft.com/office/drawing/2010/main" xmlns="">
+                <a:solidFill>
+                  <a:srgbClr val="FFFFFF"/>
+                </a:solidFill>
+              </a14:hiddenFill>
+            </a:ext>
+          </a:extLst>
+        </p:spPr>
+      </p:pic>
+    </p:spTree>
+    <p:extLst>
+      <p:ext uri="{BB962C8B-B14F-4D97-AF65-F5344CB8AC3E}">
+        <p14:creationId xmlns:p14="http://schemas.microsoft.com/office/powerpoint/2010/main" xmlns="" val="533561883"/>
+      </p:ext>
+    </p:extLst>
+  </p:cSld>
+  <p:clrMapOvr>
+    <a:masterClrMapping/>
+  </p:clrMapOvr>
+  <p:timing>
+    <p:tnLst>
+      <p:par>
+        <p:cTn id="1" dur="indefinite" restart="never" nodeType="tmRoot"/>
+      </p:par>
+    </p:tnLst>
+  </p:timing>
+</p:sld>
+</file>
+
+<file path=ppt/slides/slide11.xml><?xml version="1.0" encoding="utf-8"?>
+<p:sld xmlns:a="http://schemas.openxmlformats.org/drawingml/2006/main" xmlns:r="http://schemas.openxmlformats.org/officeDocument/2006/relationships" xmlns:p="http://schemas.openxmlformats.org/presentationml/2006/main">
+  <p:cSld>
+    <p:spTree>
+      <p:nvGrpSpPr>
+        <p:cNvPr id="1" name=""/>
+        <p:cNvGrpSpPr/>
+        <p:nvPr/>
+      </p:nvGrpSpPr>
+      <p:grpSpPr>
+        <a:xfrm>
+          <a:off x="0" y="0"/>
+          <a:ext cx="0" cy="0"/>
+          <a:chOff x="0" y="0"/>
+          <a:chExt cx="0" cy="0"/>
+        </a:xfrm>
+      </p:grpSpPr>
+      <p:sp>
+        <p:nvSpPr>
+          <p:cNvPr id="2" name="Titre 1"/>
+          <p:cNvSpPr>
+            <a:spLocks noGrp="1"/>
+          </p:cNvSpPr>
+          <p:nvPr>
+            <p:ph type="title"/>
+          </p:nvPr>
+        </p:nvSpPr>
+        <p:spPr/>
+        <p:txBody>
+          <a:bodyPr>
+            <a:normAutofit/>
+          </a:bodyPr>
+          <a:lstStyle/>
+          <a:p>
+            <a:r>
+              <a:rPr lang="fr-FR" sz="2400" b="0" dirty="0" smtClean="0">
+                <a:solidFill>
+                  <a:schemeClr val="tx1">
+                    <a:lumMod val="95000"/>
+                    <a:lumOff val="5000"/>
+                  </a:schemeClr>
+                </a:solidFill>
+                <a:effectLst/>
+              </a:rPr>
+              <a:t>Etat actuel de l’interface logicielle</a:t>
+            </a:r>
+            <a:endParaRPr lang="fr-FR" sz="2400" b="0" dirty="0">
+              <a:solidFill>
+                <a:schemeClr val="tx1">
+                  <a:lumMod val="95000"/>
+                  <a:lumOff val="5000"/>
+                </a:schemeClr>
+              </a:solidFill>
+              <a:effectLst/>
+            </a:endParaRPr>
+          </a:p>
+        </p:txBody>
+      </p:sp>
+      <p:sp>
+        <p:nvSpPr>
+          <p:cNvPr id="3" name="Espace réservé du contenu 2"/>
+          <p:cNvSpPr>
+            <a:spLocks noGrp="1"/>
+          </p:cNvSpPr>
+          <p:nvPr>
+            <p:ph idx="1"/>
+          </p:nvPr>
+        </p:nvSpPr>
+        <p:spPr/>
+        <p:txBody>
+          <a:bodyPr/>
+          <a:lstStyle/>
+          <a:p>
+            <a:endParaRPr lang="fr-FR"/>
+          </a:p>
+        </p:txBody>
+      </p:sp>
+      <p:pic>
+        <p:nvPicPr>
+          <p:cNvPr id="3074" name="Picture 2" descr="C:\Users\Arnaud\Documents\Projet de groupe\svn\Preparation rencontre respo gestion\Documents Utiles\etat_fenetre.bmp"/>
+          <p:cNvPicPr>
+            <a:picLocks noChangeAspect="1" noChangeArrowheads="1"/>
+          </p:cNvPicPr>
+          <p:nvPr/>
+        </p:nvPicPr>
+        <p:blipFill>
+          <a:blip r:embed="rId2" cstate="print">
+            <a:extLst>
+              <a:ext uri="{28A0092B-C50C-407E-A947-70E740481C1C}">
+                <a14:useLocalDpi xmlns:a14="http://schemas.microsoft.com/office/drawing/2010/main" xmlns="" val="0"/>
+              </a:ext>
+            </a:extLst>
+          </a:blip>
+          <a:srcRect/>
+          <a:stretch>
+            <a:fillRect/>
+          </a:stretch>
+        </p:blipFill>
+        <p:spPr bwMode="auto">
+          <a:xfrm>
+            <a:off x="0" y="1340768"/>
+            <a:ext cx="9143999" cy="5517232"/>
+          </a:xfrm>
+          <a:prstGeom prst="rect">
+            <a:avLst/>
+          </a:prstGeom>
+          <a:noFill/>
+          <a:extLst>
+            <a:ext uri="{909E8E84-426E-40DD-AFC4-6F175D3DCCD1}">
+              <a14:hiddenFill xmlns:a14="http://schemas.microsoft.com/office/drawing/2010/main" xmlns="">
+                <a:solidFill>
+                  <a:srgbClr val="FFFFFF"/>
+                </a:solidFill>
+              </a14:hiddenFill>
+            </a:ext>
+          </a:extLst>
+        </p:spPr>
+      </p:pic>
+    </p:spTree>
+    <p:extLst>
+      <p:ext uri="{BB962C8B-B14F-4D97-AF65-F5344CB8AC3E}">
+        <p14:creationId xmlns:p14="http://schemas.microsoft.com/office/powerpoint/2010/main" xmlns="" val="3672389709"/>
+      </p:ext>
+    </p:extLst>
+  </p:cSld>
+  <p:clrMapOvr>
+    <a:masterClrMapping/>
+  </p:clrMapOvr>
+  <p:timing>
+    <p:tnLst>
+      <p:par>
+        <p:cTn id="1" dur="indefinite" restart="never" nodeType="tmRoot"/>
+      </p:par>
+    </p:tnLst>
+  </p:timing>
+</p:sld>
+</file>
+
+<file path=ppt/slides/slide12.xml><?xml version="1.0" encoding="utf-8"?>
+<p:sld xmlns:a="http://schemas.openxmlformats.org/drawingml/2006/main" xmlns:r="http://schemas.openxmlformats.org/officeDocument/2006/relationships" xmlns:p="http://schemas.openxmlformats.org/presentationml/2006/main">
+  <p:cSld>
+    <p:spTree>
+      <p:nvGrpSpPr>
+        <p:cNvPr id="1" name=""/>
+        <p:cNvGrpSpPr/>
+        <p:nvPr/>
+      </p:nvGrpSpPr>
+      <p:grpSpPr>
+        <a:xfrm>
+          <a:off x="0" y="0"/>
+          <a:ext cx="0" cy="0"/>
+          <a:chOff x="0" y="0"/>
+          <a:chExt cx="0" cy="0"/>
+        </a:xfrm>
+      </p:grpSpPr>
+      <p:sp>
+        <p:nvSpPr>
+          <p:cNvPr id="2" name="Titre 1"/>
+          <p:cNvSpPr>
+            <a:spLocks noGrp="1"/>
+          </p:cNvSpPr>
+          <p:nvPr>
+            <p:ph type="title"/>
+          </p:nvPr>
+        </p:nvSpPr>
+        <p:spPr/>
+        <p:txBody>
+          <a:bodyPr/>
+          <a:lstStyle/>
+          <a:p>
+            <a:r>
+              <a:rPr lang="fr-FR" dirty="0" smtClean="0"/>
+              <a:t>II. </a:t>
+            </a:r>
+            <a:r>
+              <a:rPr lang="fr-FR" dirty="0" smtClean="0"/>
+              <a:t>Avancement du projet</a:t>
+            </a:r>
+            <a:endParaRPr lang="fr-FR" dirty="0"/>
+          </a:p>
+        </p:txBody>
+      </p:sp>
+      <p:sp>
+        <p:nvSpPr>
+          <p:cNvPr id="3" name="Espace réservé du contenu 2"/>
+          <p:cNvSpPr>
+            <a:spLocks noGrp="1"/>
+          </p:cNvSpPr>
+          <p:nvPr>
+            <p:ph idx="1"/>
+          </p:nvPr>
+        </p:nvSpPr>
+        <p:spPr/>
+        <p:txBody>
+          <a:bodyPr>
+            <a:normAutofit/>
+          </a:bodyPr>
+          <a:lstStyle/>
+          <a:p>
+            <a:r>
+              <a:rPr lang="fr-FR" dirty="0" smtClean="0"/>
+              <a:t>Difficultés rencontrées :</a:t>
+            </a:r>
+          </a:p>
+          <a:p>
+            <a:pPr lvl="1"/>
+            <a:r>
+              <a:rPr lang="fr-FR" dirty="0" smtClean="0"/>
+              <a:t>Sujet très complexe et très nouveau</a:t>
+            </a:r>
+          </a:p>
+          <a:p>
+            <a:pPr lvl="1"/>
+            <a:r>
+              <a:rPr lang="fr-FR" dirty="0" smtClean="0"/>
+              <a:t>Faibles connaissances en informatique</a:t>
+            </a:r>
+          </a:p>
+          <a:p>
+            <a:pPr lvl="1"/>
+            <a:endParaRPr lang="fr-FR" dirty="0"/>
+          </a:p>
+          <a:p>
+            <a:r>
+              <a:rPr lang="fr-FR" dirty="0" smtClean="0"/>
+              <a:t>Ce qui nécessite :</a:t>
+            </a:r>
+          </a:p>
+          <a:p>
+            <a:pPr lvl="1"/>
+            <a:r>
+              <a:rPr lang="fr-FR" dirty="0" smtClean="0"/>
+              <a:t>Une bonne organisation</a:t>
+            </a:r>
+          </a:p>
+          <a:p>
+            <a:pPr lvl="1"/>
+            <a:r>
+              <a:rPr lang="fr-FR" dirty="0" smtClean="0"/>
+              <a:t>Lecture de cours sur internet</a:t>
+            </a:r>
+          </a:p>
+          <a:p>
+            <a:pPr lvl="1"/>
+            <a:r>
+              <a:rPr lang="fr-FR" dirty="0" smtClean="0"/>
+              <a:t>Anthony apporte ses connaissances au reste du groupe</a:t>
+            </a:r>
+            <a:endParaRPr lang="fr-FR" dirty="0"/>
+          </a:p>
+          <a:p>
+            <a:pPr lvl="1"/>
+            <a:endParaRPr lang="fr-FR" dirty="0"/>
+          </a:p>
+          <a:p>
+            <a:pPr lvl="1"/>
+            <a:endParaRPr lang="fr-FR" dirty="0" smtClean="0"/>
+          </a:p>
+        </p:txBody>
+      </p:sp>
+    </p:spTree>
+    <p:extLst>
+      <p:ext uri="{BB962C8B-B14F-4D97-AF65-F5344CB8AC3E}">
+        <p14:creationId xmlns:p14="http://schemas.microsoft.com/office/powerpoint/2010/main" xmlns="" val="1899753069"/>
+      </p:ext>
+    </p:extLst>
+  </p:cSld>
+  <p:clrMapOvr>
+    <a:masterClrMapping/>
+  </p:clrMapOvr>
+  <p:timing>
+    <p:tnLst>
+      <p:par>
+        <p:cTn id="1" dur="indefinite" restart="never" nodeType="tmRoot"/>
+      </p:par>
+    </p:tnLst>
+  </p:timing>
+</p:sld>
+</file>
+
 <file path=ppt/slides/slide2.xml><?xml version="1.0" encoding="utf-8"?>
 <p:sld xmlns:a="http://schemas.openxmlformats.org/drawingml/2006/main" xmlns:r="http://schemas.openxmlformats.org/officeDocument/2006/relationships" xmlns:p="http://schemas.openxmlformats.org/presentationml/2006/main">
   <p:cSld>
@@ -4901,8 +5310,8 @@
         </p:nvSpPr>
         <p:spPr>
           <a:xfrm>
-            <a:off x="827584" y="1582341"/>
-            <a:ext cx="8064896" cy="2585323"/>
+            <a:off x="1475656" y="2272129"/>
+            <a:ext cx="7920880" cy="5940088"/>
           </a:xfrm>
           <a:prstGeom prst="rect">
             <a:avLst/>
@@ -4914,73 +5323,173 @@
           </a:bodyPr>
           <a:lstStyle/>
           <a:p>
-            <a:pPr>
-              <a:buFontTx/>
-              <a:buChar char="-"/>
-            </a:pPr>
-            <a:r>
-              <a:rPr lang="fr-FR" dirty="0" smtClean="0"/>
-              <a:t> Rencontre avec le tuteur pour l'élaboration du cahier des charges</a:t>
-            </a:r>
-          </a:p>
-          <a:p>
-            <a:pPr>
-              <a:buFontTx/>
-              <a:buChar char="-"/>
-            </a:pPr>
-            <a:endParaRPr lang="fr-FR" dirty="0" smtClean="0"/>
-          </a:p>
-          <a:p>
-            <a:pPr>
-              <a:buFontTx/>
-              <a:buChar char="-"/>
-            </a:pPr>
-            <a:endParaRPr lang="fr-FR" dirty="0" smtClean="0"/>
-          </a:p>
-          <a:p>
-            <a:r>
-              <a:rPr lang="fr-FR" dirty="0"/>
-              <a:t>-</a:t>
-            </a:r>
-            <a:r>
-              <a:rPr lang="fr-FR" dirty="0" smtClean="0"/>
-              <a:t> Plusieurs contraintes sont apparues : temps, budget, réalisation ; </a:t>
-            </a:r>
-          </a:p>
-          <a:p>
-            <a:r>
-              <a:rPr lang="fr-FR" dirty="0"/>
-              <a:t>	</a:t>
-            </a:r>
-            <a:r>
-              <a:rPr lang="fr-FR" dirty="0" smtClean="0"/>
-              <a:t>Choix d'une méthode peu abrasive, peu coûteuse et facile à       	réaliser</a:t>
-            </a:r>
-          </a:p>
-          <a:p>
-            <a:endParaRPr lang="fr-FR" dirty="0" smtClean="0"/>
-          </a:p>
-          <a:p>
-            <a:endParaRPr lang="fr-FR" dirty="0" smtClean="0"/>
-          </a:p>
-          <a:p>
-            <a:r>
-              <a:rPr lang="fr-FR" dirty="0" smtClean="0"/>
-              <a:t>- Listing et organisation des tâches à réaliser pour le projet:</a:t>
-            </a:r>
-          </a:p>
-        </p:txBody>
-      </p:sp>
-      <p:sp>
-        <p:nvSpPr>
-          <p:cNvPr id="5" name="ZoneTexte 4"/>
+            <a:pPr lvl="0"/>
+            <a:r>
+              <a:rPr lang="fr-FR" sz="2400" b="1" dirty="0" smtClean="0"/>
+              <a:t/>
+            </a:r>
+            <a:br>
+              <a:rPr lang="fr-FR" sz="2400" b="1" dirty="0" smtClean="0"/>
+            </a:br>
+            <a:r>
+              <a:rPr lang="fr-FR" sz="2400" dirty="0" smtClean="0"/>
+              <a:t>- Afficher des cristaux en 3D</a:t>
+            </a:r>
+            <a:br>
+              <a:rPr lang="fr-FR" sz="2400" dirty="0" smtClean="0"/>
+            </a:br>
+            <a:r>
+              <a:rPr lang="fr-FR" sz="2400" dirty="0" smtClean="0"/>
+              <a:t/>
+            </a:r>
+            <a:br>
+              <a:rPr lang="fr-FR" sz="2400" dirty="0" smtClean="0"/>
+            </a:br>
+            <a:r>
+              <a:rPr lang="fr-FR" sz="2400" dirty="0" smtClean="0"/>
+              <a:t>- Adapter au matériel (rétroprojecteurs)</a:t>
+            </a:r>
+            <a:br>
+              <a:rPr lang="fr-FR" sz="2400" dirty="0" smtClean="0"/>
+            </a:br>
+            <a:r>
+              <a:rPr lang="fr-FR" sz="2400" dirty="0" smtClean="0"/>
+              <a:t/>
+            </a:r>
+            <a:br>
+              <a:rPr lang="fr-FR" sz="2400" dirty="0" smtClean="0"/>
+            </a:br>
+            <a:r>
+              <a:rPr lang="fr-FR" sz="2400" dirty="0" smtClean="0"/>
+              <a:t> - Permettre aux étudiants de </a:t>
+            </a:r>
+            <a:r>
+              <a:rPr lang="fr-FR" sz="2400" dirty="0" err="1" smtClean="0"/>
+              <a:t>Phelma</a:t>
+            </a:r>
+            <a:r>
+              <a:rPr lang="fr-FR" sz="2400" dirty="0" smtClean="0"/>
+              <a:t/>
+            </a:r>
+            <a:br>
+              <a:rPr lang="fr-FR" sz="2400" dirty="0" smtClean="0"/>
+            </a:br>
+            <a:r>
+              <a:rPr lang="fr-FR" sz="2400" dirty="0" smtClean="0"/>
+              <a:t>des années suivantes d'utiliser l'outil </a:t>
+            </a:r>
+            <a:br>
+              <a:rPr lang="fr-FR" sz="2400" dirty="0" smtClean="0"/>
+            </a:br>
+            <a:r>
+              <a:rPr lang="fr-FR" sz="2400" dirty="0" smtClean="0"/>
+              <a:t/>
+            </a:r>
+            <a:br>
+              <a:rPr lang="fr-FR" sz="2400" dirty="0" smtClean="0"/>
+            </a:br>
+            <a:r>
+              <a:rPr lang="fr-FR" sz="2400" dirty="0" smtClean="0"/>
+              <a:t>- Terminer le projet dans le délai imparti</a:t>
+            </a:r>
+            <a:br>
+              <a:rPr lang="fr-FR" sz="2400" dirty="0" smtClean="0"/>
+            </a:br>
+            <a:r>
+              <a:rPr lang="fr-FR" sz="2400" dirty="0" smtClean="0"/>
+              <a:t/>
+            </a:r>
+            <a:br>
+              <a:rPr lang="fr-FR" sz="2400" dirty="0" smtClean="0"/>
+            </a:br>
+            <a:r>
+              <a:rPr lang="fr-FR" sz="2000" dirty="0" smtClean="0"/>
+              <a:t/>
+            </a:r>
+            <a:br>
+              <a:rPr lang="fr-FR" sz="2000" dirty="0" smtClean="0"/>
+            </a:br>
+            <a:r>
+              <a:rPr lang="fr-FR" sz="2000" dirty="0" smtClean="0"/>
+              <a:t/>
+            </a:r>
+            <a:br>
+              <a:rPr lang="fr-FR" sz="2000" dirty="0" smtClean="0"/>
+            </a:br>
+            <a:r>
+              <a:rPr lang="fr-FR" sz="2000" dirty="0" smtClean="0"/>
+              <a:t/>
+            </a:r>
+            <a:br>
+              <a:rPr lang="fr-FR" sz="2000" dirty="0" smtClean="0"/>
+            </a:br>
+            <a:r>
+              <a:rPr lang="fr-FR" sz="2000" dirty="0" smtClean="0"/>
+              <a:t/>
+            </a:r>
+            <a:br>
+              <a:rPr lang="fr-FR" sz="2000" dirty="0" smtClean="0"/>
+            </a:br>
+            <a:r>
+              <a:rPr lang="fr-FR" sz="2000" dirty="0" smtClean="0"/>
+              <a:t/>
+            </a:r>
+            <a:br>
+              <a:rPr lang="fr-FR" sz="2000" dirty="0" smtClean="0"/>
+            </a:br>
+            <a:r>
+              <a:rPr lang="fr-FR" sz="2000" dirty="0" smtClean="0"/>
+              <a:t/>
+            </a:r>
+            <a:br>
+              <a:rPr lang="fr-FR" sz="2000" dirty="0" smtClean="0"/>
+            </a:br>
+            <a:endParaRPr lang="fr-FR" sz="2000" dirty="0"/>
+          </a:p>
+        </p:txBody>
+      </p:sp>
+      <p:pic>
+        <p:nvPicPr>
+          <p:cNvPr id="5" name="Image 4"/>
+          <p:cNvPicPr>
+            <a:picLocks noChangeAspect="1"/>
+          </p:cNvPicPr>
+          <p:nvPr/>
+        </p:nvPicPr>
+        <p:blipFill>
+          <a:blip r:embed="rId2" cstate="print">
+            <a:alphaModFix/>
+            <a:lum/>
+          </a:blip>
+          <a:srcRect/>
+          <a:stretch>
+            <a:fillRect/>
+          </a:stretch>
+        </p:blipFill>
+        <p:spPr>
+          <a:xfrm>
+            <a:off x="6372200" y="1268760"/>
+            <a:ext cx="1980000" cy="1800000"/>
+          </a:xfrm>
+          <a:prstGeom prst="rect">
+            <a:avLst/>
+          </a:prstGeom>
+          <a:noFill/>
+          <a:ln>
+            <a:noFill/>
+          </a:ln>
+        </p:spPr>
+      </p:pic>
+      <p:sp>
+        <p:nvSpPr>
+          <p:cNvPr id="6" name="ZoneTexte 5"/>
           <p:cNvSpPr txBox="1"/>
           <p:nvPr/>
         </p:nvSpPr>
         <p:spPr>
           <a:xfrm>
-            <a:off x="1763688" y="332656"/>
-            <a:ext cx="5904656" cy="584775"/>
+            <a:off x="2267744" y="476672"/>
+            <a:ext cx="3744416" cy="646331"/>
           </a:xfrm>
           <a:prstGeom prst="rect">
             <a:avLst/>
@@ -4994,7 +5503,7 @@
           <a:lstStyle/>
           <a:p>
             <a:r>
-              <a:rPr lang="fr-FR" sz="3200" dirty="0" smtClean="0">
+              <a:rPr lang="fr-FR" sz="3600" dirty="0" smtClean="0">
                 <a:solidFill>
                   <a:schemeClr val="bg2">
                     <a:lumMod val="25000"/>
@@ -5008,7 +5517,7 @@
                   </a:outerShdw>
                 </a:effectLst>
               </a:rPr>
-              <a:t>I. Mise en place du projet</a:t>
+              <a:t>Introduction</a:t>
             </a:r>
             <a:endParaRPr lang="fr-FR" sz="3200" dirty="0">
               <a:solidFill>
@@ -5016,6 +5525,52 @@
                   <a:lumMod val="25000"/>
                 </a:schemeClr>
               </a:solidFill>
+              <a:effectLst>
+                <a:outerShdw blurRad="38100" dist="38100" dir="2700000" algn="tl">
+                  <a:srgbClr val="000000">
+                    <a:alpha val="43137"/>
+                  </a:srgbClr>
+                </a:outerShdw>
+              </a:effectLst>
+            </a:endParaRPr>
+          </a:p>
+        </p:txBody>
+      </p:sp>
+      <p:sp>
+        <p:nvSpPr>
+          <p:cNvPr id="7" name="ZoneTexte 6"/>
+          <p:cNvSpPr txBox="1"/>
+          <p:nvPr/>
+        </p:nvSpPr>
+        <p:spPr>
+          <a:xfrm>
+            <a:off x="827584" y="1772816"/>
+            <a:ext cx="5544616" cy="523220"/>
+          </a:xfrm>
+          <a:prstGeom prst="rect">
+            <a:avLst/>
+          </a:prstGeom>
+          <a:noFill/>
+        </p:spPr>
+        <p:txBody>
+          <a:bodyPr wrap="square" rtlCol="0">
+            <a:spAutoFit/>
+          </a:bodyPr>
+          <a:lstStyle/>
+          <a:p>
+            <a:r>
+              <a:rPr lang="fr-FR" sz="2800" b="1" dirty="0" smtClean="0">
+                <a:effectLst>
+                  <a:outerShdw blurRad="38100" dist="38100" dir="2700000" algn="tl">
+                    <a:srgbClr val="000000">
+                      <a:alpha val="43137"/>
+                    </a:srgbClr>
+                  </a:outerShdw>
+                </a:effectLst>
+              </a:rPr>
+              <a:t>Objectifs et contraintes:</a:t>
+            </a:r>
+            <a:endParaRPr lang="fr-FR" sz="2800" b="1" dirty="0">
               <a:effectLst>
                 <a:outerShdw blurRad="38100" dist="38100" dir="2700000" algn="tl">
                   <a:srgbClr val="000000">
@@ -5043,6 +5598,660 @@
 </file>
 
 <file path=ppt/slides/slide3.xml><?xml version="1.0" encoding="utf-8"?>
+<p:sld xmlns:a="http://schemas.openxmlformats.org/drawingml/2006/main" xmlns:r="http://schemas.openxmlformats.org/officeDocument/2006/relationships" xmlns:p="http://schemas.openxmlformats.org/presentationml/2006/main">
+  <p:cSld>
+    <p:spTree>
+      <p:nvGrpSpPr>
+        <p:cNvPr id="1" name=""/>
+        <p:cNvGrpSpPr/>
+        <p:nvPr/>
+      </p:nvGrpSpPr>
+      <p:grpSpPr>
+        <a:xfrm>
+          <a:off x="0" y="0"/>
+          <a:ext cx="0" cy="0"/>
+          <a:chOff x="0" y="0"/>
+          <a:chExt cx="0" cy="0"/>
+        </a:xfrm>
+      </p:grpSpPr>
+      <p:sp>
+        <p:nvSpPr>
+          <p:cNvPr id="5" name="Sous-titre 2"/>
+          <p:cNvSpPr txBox="1">
+            <a:spLocks/>
+          </p:cNvSpPr>
+          <p:nvPr/>
+        </p:nvSpPr>
+        <p:spPr>
+          <a:xfrm>
+            <a:off x="611560" y="548680"/>
+            <a:ext cx="9071640" cy="4899240"/>
+          </a:xfrm>
+          <a:prstGeom prst="rect">
+            <a:avLst/>
+          </a:prstGeom>
+        </p:spPr>
+        <p:txBody>
+          <a:bodyPr vert="horz" anchor="ctr">
+            <a:normAutofit/>
+          </a:bodyPr>
+          <a:lstStyle>
+            <a:defPPr lvl="0">
+              <a:buSzPct val="45000"/>
+              <a:buFont typeface="StarSymbol"/>
+              <a:buNone/>
+            </a:defPPr>
+            <a:lvl1pPr lvl="0">
+              <a:buSzPct val="45000"/>
+              <a:buFont typeface="StarSymbol"/>
+              <a:buChar char="●"/>
+            </a:lvl1pPr>
+            <a:lvl2pPr lvl="1">
+              <a:buSzPct val="45000"/>
+              <a:buFont typeface="StarSymbol"/>
+              <a:buChar char="●"/>
+            </a:lvl2pPr>
+            <a:lvl3pPr lvl="2">
+              <a:buSzPct val="45000"/>
+              <a:buFont typeface="StarSymbol"/>
+              <a:buChar char="●"/>
+            </a:lvl3pPr>
+            <a:lvl4pPr lvl="3">
+              <a:buSzPct val="45000"/>
+              <a:buFont typeface="StarSymbol"/>
+              <a:buChar char="●"/>
+            </a:lvl4pPr>
+            <a:lvl5pPr lvl="4">
+              <a:buSzPct val="45000"/>
+              <a:buFont typeface="StarSymbol"/>
+              <a:buChar char="●"/>
+            </a:lvl5pPr>
+            <a:lvl6pPr lvl="5">
+              <a:buSzPct val="45000"/>
+              <a:buFont typeface="StarSymbol"/>
+              <a:buChar char="●"/>
+            </a:lvl6pPr>
+            <a:lvl7pPr lvl="6">
+              <a:buSzPct val="45000"/>
+              <a:buFont typeface="StarSymbol"/>
+              <a:buChar char="●"/>
+            </a:lvl7pPr>
+            <a:lvl8pPr lvl="7">
+              <a:buSzPct val="45000"/>
+              <a:buFont typeface="StarSymbol"/>
+              <a:buChar char="●"/>
+            </a:lvl8pPr>
+            <a:lvl9pPr lvl="8">
+              <a:buSzPct val="45000"/>
+              <a:buFont typeface="StarSymbol"/>
+              <a:buChar char="●"/>
+            </a:lvl9pPr>
+          </a:lstStyle>
+          <a:p>
+            <a:pPr marL="0" marR="0" lvl="0" indent="0" algn="l" defTabSz="914400" rtl="0" eaLnBrk="1" fontAlgn="auto" latinLnBrk="0" hangingPunct="1">
+              <a:lnSpc>
+                <a:spcPct val="100000"/>
+              </a:lnSpc>
+              <a:spcBef>
+                <a:spcPts val="400"/>
+              </a:spcBef>
+              <a:spcAft>
+                <a:spcPts val="0"/>
+              </a:spcAft>
+              <a:buClr>
+                <a:schemeClr val="accent1"/>
+              </a:buClr>
+              <a:buSzPct val="45000"/>
+              <a:buFont typeface="StarSymbol"/>
+              <a:buNone/>
+              <a:tabLst/>
+              <a:defRPr/>
+            </a:pPr>
+            <a:r>
+              <a:rPr kumimoji="0" lang="fr-FR" sz="2800" b="1" i="0" strike="noStrike" kern="1200" cap="none" spc="0" normalizeH="0" baseline="0" noProof="0" dirty="0" smtClean="0">
+                <a:ln>
+                  <a:noFill/>
+                </a:ln>
+                <a:solidFill>
+                  <a:schemeClr val="tx1"/>
+                </a:solidFill>
+                <a:effectLst>
+                  <a:outerShdw blurRad="38100" dist="38100" dir="2700000" algn="tl">
+                    <a:srgbClr val="000000">
+                      <a:alpha val="43137"/>
+                    </a:srgbClr>
+                  </a:outerShdw>
+                </a:effectLst>
+                <a:uLnTx/>
+                <a:uFillTx/>
+                <a:latin typeface="+mn-lt"/>
+                <a:ea typeface="+mn-ea"/>
+                <a:cs typeface="+mn-cs"/>
+              </a:rPr>
+              <a:t>Moyens :</a:t>
+            </a:r>
+            <a:r>
+              <a:rPr kumimoji="0" lang="fr-FR" sz="2700" b="1" i="0" u="sng" strike="noStrike" kern="1200" cap="none" spc="0" normalizeH="0" baseline="0" noProof="0" dirty="0" smtClean="0">
+                <a:ln>
+                  <a:noFill/>
+                </a:ln>
+                <a:solidFill>
+                  <a:schemeClr val="tx1"/>
+                </a:solidFill>
+                <a:effectLst/>
+                <a:uLnTx/>
+                <a:uFillTx/>
+                <a:latin typeface="+mn-lt"/>
+                <a:ea typeface="+mn-ea"/>
+                <a:cs typeface="+mn-cs"/>
+              </a:rPr>
+              <a:t/>
+            </a:r>
+            <a:br>
+              <a:rPr kumimoji="0" lang="fr-FR" sz="2700" b="1" i="0" u="sng" strike="noStrike" kern="1200" cap="none" spc="0" normalizeH="0" baseline="0" noProof="0" dirty="0" smtClean="0">
+                <a:ln>
+                  <a:noFill/>
+                </a:ln>
+                <a:solidFill>
+                  <a:schemeClr val="tx1"/>
+                </a:solidFill>
+                <a:effectLst/>
+                <a:uLnTx/>
+                <a:uFillTx/>
+                <a:latin typeface="+mn-lt"/>
+                <a:ea typeface="+mn-ea"/>
+                <a:cs typeface="+mn-cs"/>
+              </a:rPr>
+            </a:br>
+            <a:r>
+              <a:rPr kumimoji="0" lang="fr-FR" sz="2700" b="1" i="0" u="sng" strike="noStrike" kern="1200" cap="none" spc="0" normalizeH="0" baseline="0" noProof="0" dirty="0" smtClean="0">
+                <a:ln>
+                  <a:noFill/>
+                </a:ln>
+                <a:solidFill>
+                  <a:schemeClr val="tx1"/>
+                </a:solidFill>
+                <a:effectLst/>
+                <a:uLnTx/>
+                <a:uFillTx/>
+                <a:latin typeface="+mn-lt"/>
+                <a:ea typeface="+mn-ea"/>
+                <a:cs typeface="+mn-cs"/>
+              </a:rPr>
+              <a:t/>
+            </a:r>
+            <a:br>
+              <a:rPr kumimoji="0" lang="fr-FR" sz="2700" b="1" i="0" u="sng" strike="noStrike" kern="1200" cap="none" spc="0" normalizeH="0" baseline="0" noProof="0" dirty="0" smtClean="0">
+                <a:ln>
+                  <a:noFill/>
+                </a:ln>
+                <a:solidFill>
+                  <a:schemeClr val="tx1"/>
+                </a:solidFill>
+                <a:effectLst/>
+                <a:uLnTx/>
+                <a:uFillTx/>
+                <a:latin typeface="+mn-lt"/>
+                <a:ea typeface="+mn-ea"/>
+                <a:cs typeface="+mn-cs"/>
+              </a:rPr>
+            </a:br>
+            <a:r>
+              <a:rPr kumimoji="0" lang="fr-FR" sz="2700" b="0" i="0" u="none" strike="noStrike" kern="1200" cap="none" spc="0" normalizeH="0" baseline="0" noProof="0" dirty="0" smtClean="0">
+                <a:ln>
+                  <a:noFill/>
+                </a:ln>
+                <a:solidFill>
+                  <a:schemeClr val="tx1"/>
+                </a:solidFill>
+                <a:effectLst/>
+                <a:uLnTx/>
+                <a:uFillTx/>
+                <a:latin typeface="+mn-lt"/>
+                <a:ea typeface="+mn-ea"/>
+                <a:cs typeface="+mn-cs"/>
+              </a:rPr>
+              <a:t>- Programme en langage C, utilisation de la bibliothèque de données </a:t>
+            </a:r>
+            <a:r>
+              <a:rPr kumimoji="0" lang="fr-FR" sz="2700" b="0" i="0" u="none" strike="noStrike" kern="1200" cap="none" spc="0" normalizeH="0" baseline="0" noProof="0" dirty="0" err="1" smtClean="0">
+                <a:ln>
+                  <a:noFill/>
+                </a:ln>
+                <a:solidFill>
+                  <a:schemeClr val="tx1"/>
+                </a:solidFill>
+                <a:effectLst/>
+                <a:uLnTx/>
+                <a:uFillTx/>
+                <a:latin typeface="+mn-lt"/>
+                <a:ea typeface="+mn-ea"/>
+                <a:cs typeface="+mn-cs"/>
+              </a:rPr>
+              <a:t>OpenGL</a:t>
+            </a:r>
+            <a:r>
+              <a:rPr kumimoji="0" lang="fr-FR" sz="2700" b="0" i="0" u="none" strike="noStrike" kern="1200" cap="none" spc="0" normalizeH="0" baseline="0" noProof="0" dirty="0" smtClean="0">
+                <a:ln>
+                  <a:noFill/>
+                </a:ln>
+                <a:solidFill>
+                  <a:schemeClr val="tx1"/>
+                </a:solidFill>
+                <a:effectLst/>
+                <a:uLnTx/>
+                <a:uFillTx/>
+                <a:latin typeface="+mn-lt"/>
+                <a:ea typeface="+mn-ea"/>
+                <a:cs typeface="+mn-cs"/>
+              </a:rPr>
+              <a:t>.</a:t>
+            </a:r>
+            <a:br>
+              <a:rPr kumimoji="0" lang="fr-FR" sz="2700" b="0" i="0" u="none" strike="noStrike" kern="1200" cap="none" spc="0" normalizeH="0" baseline="0" noProof="0" dirty="0" smtClean="0">
+                <a:ln>
+                  <a:noFill/>
+                </a:ln>
+                <a:solidFill>
+                  <a:schemeClr val="tx1"/>
+                </a:solidFill>
+                <a:effectLst/>
+                <a:uLnTx/>
+                <a:uFillTx/>
+                <a:latin typeface="+mn-lt"/>
+                <a:ea typeface="+mn-ea"/>
+                <a:cs typeface="+mn-cs"/>
+              </a:rPr>
+            </a:br>
+            <a:r>
+              <a:rPr kumimoji="0" lang="fr-FR" sz="2700" b="0" i="0" u="none" strike="noStrike" kern="1200" cap="none" spc="0" normalizeH="0" baseline="0" noProof="0" dirty="0" smtClean="0">
+                <a:ln>
+                  <a:noFill/>
+                </a:ln>
+                <a:solidFill>
+                  <a:schemeClr val="tx1"/>
+                </a:solidFill>
+                <a:effectLst/>
+                <a:uLnTx/>
+                <a:uFillTx/>
+                <a:latin typeface="+mn-lt"/>
+                <a:ea typeface="+mn-ea"/>
+                <a:cs typeface="+mn-cs"/>
+              </a:rPr>
+              <a:t/>
+            </a:r>
+            <a:br>
+              <a:rPr kumimoji="0" lang="fr-FR" sz="2700" b="0" i="0" u="none" strike="noStrike" kern="1200" cap="none" spc="0" normalizeH="0" baseline="0" noProof="0" dirty="0" smtClean="0">
+                <a:ln>
+                  <a:noFill/>
+                </a:ln>
+                <a:solidFill>
+                  <a:schemeClr val="tx1"/>
+                </a:solidFill>
+                <a:effectLst/>
+                <a:uLnTx/>
+                <a:uFillTx/>
+                <a:latin typeface="+mn-lt"/>
+                <a:ea typeface="+mn-ea"/>
+                <a:cs typeface="+mn-cs"/>
+              </a:rPr>
+            </a:br>
+            <a:r>
+              <a:rPr kumimoji="0" lang="fr-FR" sz="2700" b="0" i="0" u="none" strike="noStrike" kern="1200" cap="none" spc="0" normalizeH="0" baseline="0" noProof="0" dirty="0" smtClean="0">
+                <a:ln>
+                  <a:noFill/>
+                </a:ln>
+                <a:solidFill>
+                  <a:schemeClr val="tx1"/>
+                </a:solidFill>
+                <a:effectLst/>
+                <a:uLnTx/>
+                <a:uFillTx/>
+                <a:latin typeface="+mn-lt"/>
+                <a:ea typeface="+mn-ea"/>
+                <a:cs typeface="+mn-cs"/>
+              </a:rPr>
+              <a:t>- Données cristallographiques : fichiers .</a:t>
+            </a:r>
+            <a:r>
+              <a:rPr kumimoji="0" lang="fr-FR" sz="2700" b="0" i="0" u="none" strike="noStrike" kern="1200" cap="none" spc="0" normalizeH="0" baseline="0" noProof="0" dirty="0" err="1" smtClean="0">
+                <a:ln>
+                  <a:noFill/>
+                </a:ln>
+                <a:solidFill>
+                  <a:schemeClr val="tx1"/>
+                </a:solidFill>
+                <a:effectLst/>
+                <a:uLnTx/>
+                <a:uFillTx/>
+                <a:latin typeface="+mn-lt"/>
+                <a:ea typeface="+mn-ea"/>
+                <a:cs typeface="+mn-cs"/>
+              </a:rPr>
+              <a:t>cif</a:t>
+            </a:r>
+            <a:r>
+              <a:rPr kumimoji="0" lang="fr-FR" sz="2700" b="0" i="0" u="none" strike="noStrike" kern="1200" cap="none" spc="0" normalizeH="0" baseline="0" noProof="0" dirty="0" smtClean="0">
+                <a:ln>
+                  <a:noFill/>
+                </a:ln>
+                <a:solidFill>
+                  <a:schemeClr val="tx1"/>
+                </a:solidFill>
+                <a:effectLst/>
+                <a:uLnTx/>
+                <a:uFillTx/>
+                <a:latin typeface="+mn-lt"/>
+                <a:ea typeface="+mn-ea"/>
+                <a:cs typeface="+mn-cs"/>
+              </a:rPr>
+              <a:t/>
+            </a:r>
+            <a:br>
+              <a:rPr kumimoji="0" lang="fr-FR" sz="2700" b="0" i="0" u="none" strike="noStrike" kern="1200" cap="none" spc="0" normalizeH="0" baseline="0" noProof="0" dirty="0" smtClean="0">
+                <a:ln>
+                  <a:noFill/>
+                </a:ln>
+                <a:solidFill>
+                  <a:schemeClr val="tx1"/>
+                </a:solidFill>
+                <a:effectLst/>
+                <a:uLnTx/>
+                <a:uFillTx/>
+                <a:latin typeface="+mn-lt"/>
+                <a:ea typeface="+mn-ea"/>
+                <a:cs typeface="+mn-cs"/>
+              </a:rPr>
+            </a:br>
+            <a:r>
+              <a:rPr kumimoji="0" lang="fr-FR" sz="2700" b="0" i="0" u="none" strike="noStrike" kern="1200" cap="none" spc="0" normalizeH="0" baseline="0" noProof="0" dirty="0" smtClean="0">
+                <a:ln>
+                  <a:noFill/>
+                </a:ln>
+                <a:solidFill>
+                  <a:schemeClr val="tx1"/>
+                </a:solidFill>
+                <a:effectLst/>
+                <a:uLnTx/>
+                <a:uFillTx/>
+                <a:latin typeface="+mn-lt"/>
+                <a:ea typeface="+mn-ea"/>
+                <a:cs typeface="+mn-cs"/>
+              </a:rPr>
+              <a:t/>
+            </a:r>
+            <a:br>
+              <a:rPr kumimoji="0" lang="fr-FR" sz="2700" b="0" i="0" u="none" strike="noStrike" kern="1200" cap="none" spc="0" normalizeH="0" baseline="0" noProof="0" dirty="0" smtClean="0">
+                <a:ln>
+                  <a:noFill/>
+                </a:ln>
+                <a:solidFill>
+                  <a:schemeClr val="tx1"/>
+                </a:solidFill>
+                <a:effectLst/>
+                <a:uLnTx/>
+                <a:uFillTx/>
+                <a:latin typeface="+mn-lt"/>
+                <a:ea typeface="+mn-ea"/>
+                <a:cs typeface="+mn-cs"/>
+              </a:rPr>
+            </a:br>
+            <a:r>
+              <a:rPr kumimoji="0" lang="fr-FR" sz="2700" b="0" i="0" u="none" strike="noStrike" kern="1200" cap="none" spc="0" normalizeH="0" baseline="0" noProof="0" dirty="0" smtClean="0">
+                <a:ln>
+                  <a:noFill/>
+                </a:ln>
+                <a:solidFill>
+                  <a:schemeClr val="tx1"/>
+                </a:solidFill>
+                <a:effectLst/>
+                <a:uLnTx/>
+                <a:uFillTx/>
+                <a:latin typeface="+mn-lt"/>
+                <a:ea typeface="+mn-ea"/>
+                <a:cs typeface="+mn-cs"/>
+              </a:rPr>
+              <a:t>- Budget (achat de lunettes)</a:t>
+            </a:r>
+            <a:endParaRPr kumimoji="0" lang="fr-FR" sz="2700" b="0" i="0" u="none" strike="noStrike" kern="1200" cap="none" spc="0" normalizeH="0" baseline="0" noProof="0" dirty="0">
+              <a:ln>
+                <a:noFill/>
+              </a:ln>
+              <a:solidFill>
+                <a:schemeClr val="tx1"/>
+              </a:solidFill>
+              <a:effectLst/>
+              <a:uLnTx/>
+              <a:uFillTx/>
+              <a:latin typeface="+mn-lt"/>
+              <a:ea typeface="+mn-ea"/>
+              <a:cs typeface="+mn-cs"/>
+            </a:endParaRPr>
+          </a:p>
+        </p:txBody>
+      </p:sp>
+      <p:pic>
+        <p:nvPicPr>
+          <p:cNvPr id="6" name="Image 5"/>
+          <p:cNvPicPr>
+            <a:picLocks noChangeAspect="1"/>
+          </p:cNvPicPr>
+          <p:nvPr/>
+        </p:nvPicPr>
+        <p:blipFill>
+          <a:blip r:embed="rId2" cstate="print">
+            <a:alphaModFix/>
+            <a:lum/>
+          </a:blip>
+          <a:srcRect/>
+          <a:stretch>
+            <a:fillRect/>
+          </a:stretch>
+        </p:blipFill>
+        <p:spPr>
+          <a:xfrm>
+            <a:off x="7092280" y="5013176"/>
+            <a:ext cx="1800000" cy="1495079"/>
+          </a:xfrm>
+          <a:prstGeom prst="rect">
+            <a:avLst/>
+          </a:prstGeom>
+          <a:noFill/>
+          <a:ln>
+            <a:noFill/>
+          </a:ln>
+        </p:spPr>
+      </p:pic>
+    </p:spTree>
+  </p:cSld>
+  <p:clrMapOvr>
+    <a:masterClrMapping/>
+  </p:clrMapOvr>
+  <p:timing>
+    <p:tnLst>
+      <p:par>
+        <p:cTn id="1" dur="indefinite" restart="never" nodeType="tmRoot"/>
+      </p:par>
+    </p:tnLst>
+  </p:timing>
+</p:sld>
+</file>
+
+<file path=ppt/slides/slide4.xml><?xml version="1.0" encoding="utf-8"?>
+<p:sld xmlns:a="http://schemas.openxmlformats.org/drawingml/2006/main" xmlns:r="http://schemas.openxmlformats.org/officeDocument/2006/relationships" xmlns:p="http://schemas.openxmlformats.org/presentationml/2006/main">
+  <p:cSld>
+    <p:spTree>
+      <p:nvGrpSpPr>
+        <p:cNvPr id="1" name=""/>
+        <p:cNvGrpSpPr/>
+        <p:nvPr/>
+      </p:nvGrpSpPr>
+      <p:grpSpPr>
+        <a:xfrm>
+          <a:off x="0" y="0"/>
+          <a:ext cx="0" cy="0"/>
+          <a:chOff x="0" y="0"/>
+          <a:chExt cx="0" cy="0"/>
+        </a:xfrm>
+      </p:grpSpPr>
+      <p:sp>
+        <p:nvSpPr>
+          <p:cNvPr id="4" name="Rectangle 3"/>
+          <p:cNvSpPr/>
+          <p:nvPr/>
+        </p:nvSpPr>
+        <p:spPr>
+          <a:xfrm>
+            <a:off x="827584" y="1582341"/>
+            <a:ext cx="8064896" cy="2862322"/>
+          </a:xfrm>
+          <a:prstGeom prst="rect">
+            <a:avLst/>
+          </a:prstGeom>
+        </p:spPr>
+        <p:txBody>
+          <a:bodyPr wrap="square">
+            <a:spAutoFit/>
+          </a:bodyPr>
+          <a:lstStyle/>
+          <a:p>
+            <a:pPr>
+              <a:buFontTx/>
+              <a:buChar char="-"/>
+            </a:pPr>
+            <a:r>
+              <a:rPr lang="fr-FR" dirty="0" smtClean="0"/>
+              <a:t> Rencontre avec le tuteur (M. Thierry </a:t>
+            </a:r>
+            <a:r>
+              <a:rPr lang="fr-FR" dirty="0" err="1" smtClean="0"/>
+              <a:t>Duffar</a:t>
+            </a:r>
+            <a:r>
+              <a:rPr lang="fr-FR" dirty="0" smtClean="0"/>
+              <a:t>) pour l'élaboration du cahier des charges</a:t>
+            </a:r>
+          </a:p>
+          <a:p>
+            <a:pPr>
+              <a:buFontTx/>
+              <a:buChar char="-"/>
+            </a:pPr>
+            <a:endParaRPr lang="fr-FR" dirty="0" smtClean="0"/>
+          </a:p>
+          <a:p>
+            <a:pPr>
+              <a:buFontTx/>
+              <a:buChar char="-"/>
+            </a:pPr>
+            <a:endParaRPr lang="fr-FR" dirty="0" smtClean="0"/>
+          </a:p>
+          <a:p>
+            <a:r>
+              <a:rPr lang="fr-FR" dirty="0"/>
+              <a:t>-</a:t>
+            </a:r>
+            <a:r>
+              <a:rPr lang="fr-FR" dirty="0" smtClean="0"/>
+              <a:t> Plusieurs contraintes sont apparues : temps, budget, réalisation ; </a:t>
+            </a:r>
+          </a:p>
+          <a:p>
+            <a:r>
+              <a:rPr lang="fr-FR" dirty="0"/>
+              <a:t>	</a:t>
+            </a:r>
+            <a:r>
+              <a:rPr lang="fr-FR" dirty="0" smtClean="0"/>
+              <a:t>Choix d'une méthode peu abrasive, peu coûteuse et facile à       	réaliser</a:t>
+            </a:r>
+          </a:p>
+          <a:p>
+            <a:endParaRPr lang="fr-FR" dirty="0" smtClean="0"/>
+          </a:p>
+          <a:p>
+            <a:endParaRPr lang="fr-FR" dirty="0" smtClean="0"/>
+          </a:p>
+          <a:p>
+            <a:r>
+              <a:rPr lang="fr-FR" dirty="0" smtClean="0"/>
+              <a:t>- Listing et organisation des tâches à réaliser pour le projet:</a:t>
+            </a:r>
+          </a:p>
+        </p:txBody>
+      </p:sp>
+      <p:sp>
+        <p:nvSpPr>
+          <p:cNvPr id="5" name="ZoneTexte 4"/>
+          <p:cNvSpPr txBox="1"/>
+          <p:nvPr/>
+        </p:nvSpPr>
+        <p:spPr>
+          <a:xfrm>
+            <a:off x="1763688" y="332656"/>
+            <a:ext cx="5904656" cy="584775"/>
+          </a:xfrm>
+          <a:prstGeom prst="rect">
+            <a:avLst/>
+          </a:prstGeom>
+          <a:noFill/>
+        </p:spPr>
+        <p:txBody>
+          <a:bodyPr wrap="square" rtlCol="0">
+            <a:spAutoFit/>
+          </a:bodyPr>
+          <a:lstStyle/>
+          <a:p>
+            <a:r>
+              <a:rPr lang="fr-FR" sz="3200" dirty="0" smtClean="0">
+                <a:solidFill>
+                  <a:schemeClr val="bg2">
+                    <a:lumMod val="25000"/>
+                  </a:schemeClr>
+                </a:solidFill>
+                <a:effectLst>
+                  <a:outerShdw blurRad="38100" dist="38100" dir="2700000" algn="tl">
+                    <a:srgbClr val="000000">
+                      <a:alpha val="43137"/>
+                    </a:srgbClr>
+                  </a:outerShdw>
+                </a:effectLst>
+              </a:rPr>
+              <a:t>I. Mise en place du projet</a:t>
+            </a:r>
+            <a:endParaRPr lang="fr-FR" sz="3200" dirty="0">
+              <a:solidFill>
+                <a:schemeClr val="bg2">
+                  <a:lumMod val="25000"/>
+                </a:schemeClr>
+              </a:solidFill>
+              <a:effectLst>
+                <a:outerShdw blurRad="38100" dist="38100" dir="2700000" algn="tl">
+                  <a:srgbClr val="000000">
+                    <a:alpha val="43137"/>
+                  </a:srgbClr>
+                </a:outerShdw>
+              </a:effectLst>
+            </a:endParaRPr>
+          </a:p>
+        </p:txBody>
+      </p:sp>
+    </p:spTree>
+  </p:cSld>
+  <p:clrMapOvr>
+    <a:masterClrMapping/>
+  </p:clrMapOvr>
+  <p:timing>
+    <p:tnLst>
+      <p:par>
+        <p:cTn id="1" dur="indefinite" restart="never" nodeType="tmRoot"/>
+      </p:par>
+    </p:tnLst>
+  </p:timing>
+</p:sld>
+</file>
+
+<file path=ppt/slides/slide5.xml><?xml version="1.0" encoding="utf-8"?>
 <p:sld xmlns:a="http://schemas.openxmlformats.org/drawingml/2006/main" xmlns:r="http://schemas.openxmlformats.org/officeDocument/2006/relationships" xmlns:p="http://schemas.openxmlformats.org/presentationml/2006/main">
   <p:cSld>
     <p:spTree>
@@ -5128,574 +6337,6 @@
 </p:sld>
 </file>
 
-<file path=ppt/slides/slide4.xml><?xml version="1.0" encoding="utf-8"?>
-<p:sld xmlns:a="http://schemas.openxmlformats.org/drawingml/2006/main" xmlns:r="http://schemas.openxmlformats.org/officeDocument/2006/relationships" xmlns:p="http://schemas.openxmlformats.org/presentationml/2006/main">
-  <p:cSld>
-    <p:spTree>
-      <p:nvGrpSpPr>
-        <p:cNvPr id="1" name=""/>
-        <p:cNvGrpSpPr/>
-        <p:nvPr/>
-      </p:nvGrpSpPr>
-      <p:grpSpPr>
-        <a:xfrm>
-          <a:off x="0" y="0"/>
-          <a:ext cx="0" cy="0"/>
-          <a:chOff x="0" y="0"/>
-          <a:chExt cx="0" cy="0"/>
-        </a:xfrm>
-      </p:grpSpPr>
-      <p:sp>
-        <p:nvSpPr>
-          <p:cNvPr id="4" name="ZoneTexte 3"/>
-          <p:cNvSpPr txBox="1"/>
-          <p:nvPr/>
-        </p:nvSpPr>
-        <p:spPr>
-          <a:xfrm>
-            <a:off x="2483768" y="332656"/>
-            <a:ext cx="4032448" cy="461665"/>
-          </a:xfrm>
-          <a:prstGeom prst="rect">
-            <a:avLst/>
-          </a:prstGeom>
-          <a:noFill/>
-        </p:spPr>
-        <p:txBody>
-          <a:bodyPr wrap="square" rtlCol="0">
-            <a:spAutoFit/>
-          </a:bodyPr>
-          <a:lstStyle/>
-          <a:p>
-            <a:r>
-              <a:rPr lang="fr-FR" sz="2400" dirty="0" smtClean="0">
-                <a:solidFill>
-                  <a:schemeClr val="tx1">
-                    <a:lumMod val="65000"/>
-                    <a:lumOff val="35000"/>
-                  </a:schemeClr>
-                </a:solidFill>
-                <a:effectLst>
-                  <a:outerShdw blurRad="38100" dist="38100" dir="2700000" algn="tl">
-                    <a:srgbClr val="000000">
-                      <a:alpha val="43137"/>
-                    </a:srgbClr>
-                  </a:outerShdw>
-                </a:effectLst>
-              </a:rPr>
-              <a:t>DÉSIGNATION DES RÔLES</a:t>
-            </a:r>
-            <a:endParaRPr lang="fr-FR" sz="2400" dirty="0">
-              <a:solidFill>
-                <a:schemeClr val="tx1">
-                  <a:lumMod val="65000"/>
-                  <a:lumOff val="35000"/>
-                </a:schemeClr>
-              </a:solidFill>
-              <a:effectLst>
-                <a:outerShdw blurRad="38100" dist="38100" dir="2700000" algn="tl">
-                  <a:srgbClr val="000000">
-                    <a:alpha val="43137"/>
-                  </a:srgbClr>
-                </a:outerShdw>
-              </a:effectLst>
-            </a:endParaRPr>
-          </a:p>
-        </p:txBody>
-      </p:sp>
-      <p:sp>
-        <p:nvSpPr>
-          <p:cNvPr id="5" name="ZoneTexte 4"/>
-          <p:cNvSpPr txBox="1"/>
-          <p:nvPr/>
-        </p:nvSpPr>
-        <p:spPr>
-          <a:xfrm>
-            <a:off x="539552" y="908720"/>
-            <a:ext cx="6264696" cy="369332"/>
-          </a:xfrm>
-          <a:prstGeom prst="rect">
-            <a:avLst/>
-          </a:prstGeom>
-          <a:noFill/>
-        </p:spPr>
-        <p:txBody>
-          <a:bodyPr wrap="square" rtlCol="0">
-            <a:spAutoFit/>
-          </a:bodyPr>
-          <a:lstStyle/>
-          <a:p>
-            <a:r>
-              <a:rPr lang="fr-FR" dirty="0" smtClean="0"/>
-              <a:t>- en fonction des facilités et affinités de chacun</a:t>
-            </a:r>
-            <a:endParaRPr lang="fr-FR" dirty="0"/>
-          </a:p>
-        </p:txBody>
-      </p:sp>
-      <p:sp>
-        <p:nvSpPr>
-          <p:cNvPr id="6" name="ZoneTexte 5"/>
-          <p:cNvSpPr txBox="1"/>
-          <p:nvPr/>
-        </p:nvSpPr>
-        <p:spPr>
-          <a:xfrm>
-            <a:off x="467544" y="1916832"/>
-            <a:ext cx="8424936" cy="1200329"/>
-          </a:xfrm>
-          <a:prstGeom prst="rect">
-            <a:avLst/>
-          </a:prstGeom>
-          <a:noFill/>
-        </p:spPr>
-        <p:txBody>
-          <a:bodyPr wrap="square" rtlCol="0">
-            <a:spAutoFit/>
-          </a:bodyPr>
-          <a:lstStyle/>
-          <a:p>
-            <a:r>
-              <a:rPr lang="fr-FR" b="1" dirty="0" smtClean="0">
-                <a:effectLst>
-                  <a:outerShdw blurRad="38100" dist="38100" dir="2700000" algn="tl">
-                    <a:srgbClr val="000000">
-                      <a:alpha val="43137"/>
-                    </a:srgbClr>
-                  </a:outerShdw>
-                </a:effectLst>
-              </a:rPr>
-              <a:t>Anthony </a:t>
-            </a:r>
-            <a:r>
-              <a:rPr lang="fr-FR" b="1" dirty="0" err="1" smtClean="0">
-                <a:effectLst>
-                  <a:outerShdw blurRad="38100" dist="38100" dir="2700000" algn="tl">
-                    <a:srgbClr val="000000">
-                      <a:alpha val="43137"/>
-                    </a:srgbClr>
-                  </a:outerShdw>
-                </a:effectLst>
-              </a:rPr>
-              <a:t>Bucquet</a:t>
-            </a:r>
-            <a:r>
-              <a:rPr lang="fr-FR" b="1" dirty="0" smtClean="0">
-                <a:effectLst>
-                  <a:outerShdw blurRad="38100" dist="38100" dir="2700000" algn="tl">
-                    <a:srgbClr val="000000">
-                      <a:alpha val="43137"/>
-                    </a:srgbClr>
-                  </a:outerShdw>
-                </a:effectLst>
-              </a:rPr>
-              <a:t>: </a:t>
-            </a:r>
-          </a:p>
-          <a:p>
-            <a:r>
-              <a:rPr lang="fr-FR" dirty="0"/>
-              <a:t>C</a:t>
-            </a:r>
-            <a:r>
-              <a:rPr lang="fr-FR" dirty="0" smtClean="0"/>
-              <a:t>hef du projet, connaissance préalable de la bibliothèque </a:t>
-            </a:r>
-            <a:r>
-              <a:rPr lang="fr-FR" dirty="0" err="1" smtClean="0"/>
-              <a:t>OpenGL</a:t>
-            </a:r>
-            <a:r>
-              <a:rPr lang="fr-FR" dirty="0" smtClean="0"/>
-              <a:t>, expérience de programmation en environnement 3D, correction/amélioration des codes de chacun, interface globale</a:t>
-            </a:r>
-            <a:endParaRPr lang="fr-FR" dirty="0"/>
-          </a:p>
-        </p:txBody>
-      </p:sp>
-      <p:sp>
-        <p:nvSpPr>
-          <p:cNvPr id="7" name="ZoneTexte 6"/>
-          <p:cNvSpPr txBox="1"/>
-          <p:nvPr/>
-        </p:nvSpPr>
-        <p:spPr>
-          <a:xfrm>
-            <a:off x="467544" y="3717032"/>
-            <a:ext cx="7992888" cy="1200329"/>
-          </a:xfrm>
-          <a:prstGeom prst="rect">
-            <a:avLst/>
-          </a:prstGeom>
-          <a:noFill/>
-        </p:spPr>
-        <p:txBody>
-          <a:bodyPr wrap="square" rtlCol="0">
-            <a:spAutoFit/>
-          </a:bodyPr>
-          <a:lstStyle/>
-          <a:p>
-            <a:r>
-              <a:rPr lang="fr-FR" b="1" dirty="0" smtClean="0">
-                <a:effectLst>
-                  <a:outerShdw blurRad="38100" dist="38100" dir="2700000" algn="tl">
-                    <a:srgbClr val="000000">
-                      <a:alpha val="43137"/>
-                    </a:srgbClr>
-                  </a:outerShdw>
-                </a:effectLst>
-              </a:rPr>
-              <a:t>Gwénaëlle Hamon:</a:t>
-            </a:r>
-          </a:p>
-          <a:p>
-            <a:r>
-              <a:rPr lang="fr-FR" dirty="0" smtClean="0"/>
-              <a:t>Responsable partie cristallographie, meilleures notions de chimie que les autres membres du groupe (Prépa PC), création de la structure maille</a:t>
-            </a:r>
-            <a:endParaRPr lang="fr-FR" dirty="0"/>
-          </a:p>
-        </p:txBody>
-      </p:sp>
-    </p:spTree>
-  </p:cSld>
-  <p:clrMapOvr>
-    <a:masterClrMapping/>
-  </p:clrMapOvr>
-  <p:timing>
-    <p:tnLst>
-      <p:par>
-        <p:cTn id="1" dur="indefinite" restart="never" nodeType="tmRoot"/>
-      </p:par>
-    </p:tnLst>
-  </p:timing>
-</p:sld>
-</file>
-
-<file path=ppt/slides/slide5.xml><?xml version="1.0" encoding="utf-8"?>
-<p:sld xmlns:a="http://schemas.openxmlformats.org/drawingml/2006/main" xmlns:r="http://schemas.openxmlformats.org/officeDocument/2006/relationships" xmlns:p="http://schemas.openxmlformats.org/presentationml/2006/main">
-  <p:cSld>
-    <p:spTree>
-      <p:nvGrpSpPr>
-        <p:cNvPr id="1" name=""/>
-        <p:cNvGrpSpPr/>
-        <p:nvPr/>
-      </p:nvGrpSpPr>
-      <p:grpSpPr>
-        <a:xfrm>
-          <a:off x="0" y="0"/>
-          <a:ext cx="0" cy="0"/>
-          <a:chOff x="0" y="0"/>
-          <a:chExt cx="0" cy="0"/>
-        </a:xfrm>
-      </p:grpSpPr>
-      <p:sp>
-        <p:nvSpPr>
-          <p:cNvPr id="4" name="ZoneTexte 3"/>
-          <p:cNvSpPr txBox="1"/>
-          <p:nvPr/>
-        </p:nvSpPr>
-        <p:spPr>
-          <a:xfrm>
-            <a:off x="2483768" y="332656"/>
-            <a:ext cx="4032448" cy="461665"/>
-          </a:xfrm>
-          <a:prstGeom prst="rect">
-            <a:avLst/>
-          </a:prstGeom>
-          <a:noFill/>
-        </p:spPr>
-        <p:txBody>
-          <a:bodyPr wrap="square" rtlCol="0">
-            <a:spAutoFit/>
-          </a:bodyPr>
-          <a:lstStyle/>
-          <a:p>
-            <a:r>
-              <a:rPr lang="fr-FR" sz="2400" dirty="0" smtClean="0">
-                <a:solidFill>
-                  <a:schemeClr val="tx1">
-                    <a:lumMod val="65000"/>
-                    <a:lumOff val="35000"/>
-                  </a:schemeClr>
-                </a:solidFill>
-                <a:effectLst>
-                  <a:outerShdw blurRad="38100" dist="38100" dir="2700000" algn="tl">
-                    <a:srgbClr val="000000">
-                      <a:alpha val="43137"/>
-                    </a:srgbClr>
-                  </a:outerShdw>
-                </a:effectLst>
-              </a:rPr>
-              <a:t>DÉSIGNATION DES RÔLES</a:t>
-            </a:r>
-            <a:endParaRPr lang="fr-FR" sz="2400" dirty="0">
-              <a:solidFill>
-                <a:schemeClr val="tx1">
-                  <a:lumMod val="65000"/>
-                  <a:lumOff val="35000"/>
-                </a:schemeClr>
-              </a:solidFill>
-              <a:effectLst>
-                <a:outerShdw blurRad="38100" dist="38100" dir="2700000" algn="tl">
-                  <a:srgbClr val="000000">
-                    <a:alpha val="43137"/>
-                  </a:srgbClr>
-                </a:outerShdw>
-              </a:effectLst>
-            </a:endParaRPr>
-          </a:p>
-        </p:txBody>
-      </p:sp>
-      <p:sp>
-        <p:nvSpPr>
-          <p:cNvPr id="5" name="ZoneTexte 4"/>
-          <p:cNvSpPr txBox="1"/>
-          <p:nvPr/>
-        </p:nvSpPr>
-        <p:spPr>
-          <a:xfrm>
-            <a:off x="539552" y="908720"/>
-            <a:ext cx="6264696" cy="369332"/>
-          </a:xfrm>
-          <a:prstGeom prst="rect">
-            <a:avLst/>
-          </a:prstGeom>
-          <a:noFill/>
-        </p:spPr>
-        <p:txBody>
-          <a:bodyPr wrap="square" rtlCol="0">
-            <a:spAutoFit/>
-          </a:bodyPr>
-          <a:lstStyle/>
-          <a:p>
-            <a:r>
-              <a:rPr lang="fr-FR" dirty="0" smtClean="0"/>
-              <a:t>- en fonction des facilités et affinités de chacun</a:t>
-            </a:r>
-            <a:endParaRPr lang="fr-FR" dirty="0"/>
-          </a:p>
-        </p:txBody>
-      </p:sp>
-      <p:sp>
-        <p:nvSpPr>
-          <p:cNvPr id="9" name="ZoneTexte 8"/>
-          <p:cNvSpPr txBox="1"/>
-          <p:nvPr/>
-        </p:nvSpPr>
-        <p:spPr>
-          <a:xfrm>
-            <a:off x="539552" y="3068960"/>
-            <a:ext cx="8352928" cy="1200329"/>
-          </a:xfrm>
-          <a:prstGeom prst="rect">
-            <a:avLst/>
-          </a:prstGeom>
-          <a:noFill/>
-        </p:spPr>
-        <p:txBody>
-          <a:bodyPr wrap="square" rtlCol="0">
-            <a:spAutoFit/>
-          </a:bodyPr>
-          <a:lstStyle/>
-          <a:p>
-            <a:r>
-              <a:rPr lang="fr-FR" b="1" dirty="0" smtClean="0">
-                <a:effectLst>
-                  <a:outerShdw blurRad="38100" dist="38100" dir="2700000" algn="tl">
-                    <a:srgbClr val="000000">
-                      <a:alpha val="43137"/>
-                    </a:srgbClr>
-                  </a:outerShdw>
-                </a:effectLst>
-              </a:rPr>
-              <a:t>Quentin </a:t>
-            </a:r>
-            <a:r>
-              <a:rPr lang="fr-FR" b="1" dirty="0" err="1" smtClean="0">
-                <a:effectLst>
-                  <a:outerShdw blurRad="38100" dist="38100" dir="2700000" algn="tl">
-                    <a:srgbClr val="000000">
-                      <a:alpha val="43137"/>
-                    </a:srgbClr>
-                  </a:outerShdw>
-                </a:effectLst>
-              </a:rPr>
-              <a:t>Lataud</a:t>
-            </a:r>
-            <a:r>
-              <a:rPr lang="fr-FR" b="1" dirty="0" smtClean="0">
-                <a:effectLst>
-                  <a:outerShdw blurRad="38100" dist="38100" dir="2700000" algn="tl">
-                    <a:srgbClr val="000000">
-                      <a:alpha val="43137"/>
-                    </a:srgbClr>
-                  </a:outerShdw>
-                </a:effectLst>
-              </a:rPr>
-              <a:t>:</a:t>
-            </a:r>
-          </a:p>
-          <a:p>
-            <a:r>
-              <a:rPr lang="fr-FR" dirty="0" smtClean="0"/>
-              <a:t>Responsable communication (film de présentation du logiciel finalisé)</a:t>
-            </a:r>
-          </a:p>
-          <a:p>
-            <a:r>
-              <a:rPr lang="fr-FR" dirty="0" smtClean="0"/>
-              <a:t>+ écriture de l’algorithme de lecture des fichiers .</a:t>
-            </a:r>
-            <a:r>
-              <a:rPr lang="fr-FR" dirty="0" err="1" smtClean="0"/>
-              <a:t>cif</a:t>
-            </a:r>
-            <a:r>
-              <a:rPr lang="fr-FR" dirty="0" smtClean="0"/>
-              <a:t> (</a:t>
-            </a:r>
-            <a:r>
-              <a:rPr lang="fr-FR" dirty="0" err="1" smtClean="0"/>
-              <a:t>crystallography</a:t>
-            </a:r>
-            <a:r>
-              <a:rPr lang="fr-FR" dirty="0" smtClean="0"/>
-              <a:t> international file)</a:t>
-            </a:r>
-            <a:endParaRPr lang="fr-FR" dirty="0"/>
-          </a:p>
-        </p:txBody>
-      </p:sp>
-      <p:sp>
-        <p:nvSpPr>
-          <p:cNvPr id="10" name="ZoneTexte 9"/>
-          <p:cNvSpPr txBox="1"/>
-          <p:nvPr/>
-        </p:nvSpPr>
-        <p:spPr>
-          <a:xfrm>
-            <a:off x="539552" y="4725144"/>
-            <a:ext cx="7056784" cy="923330"/>
-          </a:xfrm>
-          <a:prstGeom prst="rect">
-            <a:avLst/>
-          </a:prstGeom>
-          <a:noFill/>
-        </p:spPr>
-        <p:txBody>
-          <a:bodyPr wrap="square" rtlCol="0">
-            <a:spAutoFit/>
-          </a:bodyPr>
-          <a:lstStyle/>
-          <a:p>
-            <a:r>
-              <a:rPr lang="fr-FR" b="1" dirty="0" smtClean="0">
-                <a:effectLst>
-                  <a:outerShdw blurRad="38100" dist="38100" dir="2700000" algn="tl">
-                    <a:srgbClr val="000000">
-                      <a:alpha val="43137"/>
-                    </a:srgbClr>
-                  </a:outerShdw>
-                </a:effectLst>
-              </a:rPr>
-              <a:t>Arnaud Turin:</a:t>
-            </a:r>
-          </a:p>
-          <a:p>
-            <a:r>
-              <a:rPr lang="fr-FR" dirty="0" smtClean="0"/>
-              <a:t>Responsable gestion caméra logicielle + élaboration budget</a:t>
-            </a:r>
-          </a:p>
-          <a:p>
-            <a:endParaRPr lang="fr-FR" dirty="0"/>
-          </a:p>
-        </p:txBody>
-      </p:sp>
-      <p:sp>
-        <p:nvSpPr>
-          <p:cNvPr id="11" name="ZoneTexte 10"/>
-          <p:cNvSpPr txBox="1"/>
-          <p:nvPr/>
-        </p:nvSpPr>
-        <p:spPr>
-          <a:xfrm>
-            <a:off x="539552" y="1700808"/>
-            <a:ext cx="7704856" cy="923330"/>
-          </a:xfrm>
-          <a:prstGeom prst="rect">
-            <a:avLst/>
-          </a:prstGeom>
-          <a:noFill/>
-        </p:spPr>
-        <p:txBody>
-          <a:bodyPr wrap="square" rtlCol="0">
-            <a:spAutoFit/>
-          </a:bodyPr>
-          <a:lstStyle/>
-          <a:p>
-            <a:r>
-              <a:rPr lang="fr-FR" b="1" dirty="0" smtClean="0">
-                <a:effectLst>
-                  <a:outerShdw blurRad="38100" dist="38100" dir="2700000" algn="tl">
-                    <a:srgbClr val="000000">
-                      <a:alpha val="43137"/>
-                    </a:srgbClr>
-                  </a:outerShdw>
-                </a:effectLst>
-              </a:rPr>
-              <a:t>Guillaume </a:t>
-            </a:r>
-            <a:r>
-              <a:rPr lang="fr-FR" b="1" dirty="0" err="1" smtClean="0">
-                <a:effectLst>
-                  <a:outerShdw blurRad="38100" dist="38100" dir="2700000" algn="tl">
-                    <a:srgbClr val="000000">
-                      <a:alpha val="43137"/>
-                    </a:srgbClr>
-                  </a:outerShdw>
-                </a:effectLst>
-              </a:rPr>
-              <a:t>Grippari</a:t>
-            </a:r>
-            <a:r>
-              <a:rPr lang="fr-FR" b="1" dirty="0" smtClean="0">
-                <a:effectLst>
-                  <a:outerShdw blurRad="38100" dist="38100" dir="2700000" algn="tl">
-                    <a:srgbClr val="000000">
-                      <a:alpha val="43137"/>
-                    </a:srgbClr>
-                  </a:outerShdw>
-                </a:effectLst>
-              </a:rPr>
-              <a:t>:</a:t>
-            </a:r>
-          </a:p>
-          <a:p>
-            <a:r>
-              <a:rPr lang="fr-FR" dirty="0" smtClean="0"/>
-              <a:t>Responsable environnement 3D désir de poursuivre dans ce domaine</a:t>
-            </a:r>
-            <a:endParaRPr lang="fr-FR" dirty="0"/>
-          </a:p>
-        </p:txBody>
-      </p:sp>
-    </p:spTree>
-  </p:cSld>
-  <p:clrMapOvr>
-    <a:masterClrMapping/>
-  </p:clrMapOvr>
-  <p:timing>
-    <p:tnLst>
-      <p:par>
-        <p:cTn id="1" dur="indefinite" restart="never" nodeType="tmRoot"/>
-      </p:par>
-    </p:tnLst>
-  </p:timing>
-</p:sld>
-</file>
-
 <file path=ppt/slides/slide6.xml><?xml version="1.0" encoding="utf-8"?>
 <p:sld xmlns:a="http://schemas.openxmlformats.org/drawingml/2006/main" xmlns:r="http://schemas.openxmlformats.org/officeDocument/2006/relationships" xmlns:p="http://schemas.openxmlformats.org/presentationml/2006/main">
   <p:cSld>
@@ -5715,6 +6356,574 @@
       </p:grpSpPr>
       <p:sp>
         <p:nvSpPr>
+          <p:cNvPr id="4" name="ZoneTexte 3"/>
+          <p:cNvSpPr txBox="1"/>
+          <p:nvPr/>
+        </p:nvSpPr>
+        <p:spPr>
+          <a:xfrm>
+            <a:off x="2483768" y="332656"/>
+            <a:ext cx="4032448" cy="461665"/>
+          </a:xfrm>
+          <a:prstGeom prst="rect">
+            <a:avLst/>
+          </a:prstGeom>
+          <a:noFill/>
+        </p:spPr>
+        <p:txBody>
+          <a:bodyPr wrap="square" rtlCol="0">
+            <a:spAutoFit/>
+          </a:bodyPr>
+          <a:lstStyle/>
+          <a:p>
+            <a:r>
+              <a:rPr lang="fr-FR" sz="2400" dirty="0" smtClean="0">
+                <a:solidFill>
+                  <a:schemeClr val="tx1">
+                    <a:lumMod val="65000"/>
+                    <a:lumOff val="35000"/>
+                  </a:schemeClr>
+                </a:solidFill>
+                <a:effectLst>
+                  <a:outerShdw blurRad="38100" dist="38100" dir="2700000" algn="tl">
+                    <a:srgbClr val="000000">
+                      <a:alpha val="43137"/>
+                    </a:srgbClr>
+                  </a:outerShdw>
+                </a:effectLst>
+              </a:rPr>
+              <a:t>DÉSIGNATION DES RÔLES</a:t>
+            </a:r>
+            <a:endParaRPr lang="fr-FR" sz="2400" dirty="0">
+              <a:solidFill>
+                <a:schemeClr val="tx1">
+                  <a:lumMod val="65000"/>
+                  <a:lumOff val="35000"/>
+                </a:schemeClr>
+              </a:solidFill>
+              <a:effectLst>
+                <a:outerShdw blurRad="38100" dist="38100" dir="2700000" algn="tl">
+                  <a:srgbClr val="000000">
+                    <a:alpha val="43137"/>
+                  </a:srgbClr>
+                </a:outerShdw>
+              </a:effectLst>
+            </a:endParaRPr>
+          </a:p>
+        </p:txBody>
+      </p:sp>
+      <p:sp>
+        <p:nvSpPr>
+          <p:cNvPr id="5" name="ZoneTexte 4"/>
+          <p:cNvSpPr txBox="1"/>
+          <p:nvPr/>
+        </p:nvSpPr>
+        <p:spPr>
+          <a:xfrm>
+            <a:off x="539552" y="908720"/>
+            <a:ext cx="6264696" cy="369332"/>
+          </a:xfrm>
+          <a:prstGeom prst="rect">
+            <a:avLst/>
+          </a:prstGeom>
+          <a:noFill/>
+        </p:spPr>
+        <p:txBody>
+          <a:bodyPr wrap="square" rtlCol="0">
+            <a:spAutoFit/>
+          </a:bodyPr>
+          <a:lstStyle/>
+          <a:p>
+            <a:r>
+              <a:rPr lang="fr-FR" dirty="0" smtClean="0"/>
+              <a:t>- en fonction des facilités et affinités de chacun</a:t>
+            </a:r>
+            <a:endParaRPr lang="fr-FR" dirty="0"/>
+          </a:p>
+        </p:txBody>
+      </p:sp>
+      <p:sp>
+        <p:nvSpPr>
+          <p:cNvPr id="6" name="ZoneTexte 5"/>
+          <p:cNvSpPr txBox="1"/>
+          <p:nvPr/>
+        </p:nvSpPr>
+        <p:spPr>
+          <a:xfrm>
+            <a:off x="467544" y="1916832"/>
+            <a:ext cx="8424936" cy="1200329"/>
+          </a:xfrm>
+          <a:prstGeom prst="rect">
+            <a:avLst/>
+          </a:prstGeom>
+          <a:noFill/>
+        </p:spPr>
+        <p:txBody>
+          <a:bodyPr wrap="square" rtlCol="0">
+            <a:spAutoFit/>
+          </a:bodyPr>
+          <a:lstStyle/>
+          <a:p>
+            <a:r>
+              <a:rPr lang="fr-FR" b="1" dirty="0" smtClean="0">
+                <a:effectLst>
+                  <a:outerShdw blurRad="38100" dist="38100" dir="2700000" algn="tl">
+                    <a:srgbClr val="000000">
+                      <a:alpha val="43137"/>
+                    </a:srgbClr>
+                  </a:outerShdw>
+                </a:effectLst>
+              </a:rPr>
+              <a:t>Anthony </a:t>
+            </a:r>
+            <a:r>
+              <a:rPr lang="fr-FR" b="1" dirty="0" err="1" smtClean="0">
+                <a:effectLst>
+                  <a:outerShdw blurRad="38100" dist="38100" dir="2700000" algn="tl">
+                    <a:srgbClr val="000000">
+                      <a:alpha val="43137"/>
+                    </a:srgbClr>
+                  </a:outerShdw>
+                </a:effectLst>
+              </a:rPr>
+              <a:t>Bucquet</a:t>
+            </a:r>
+            <a:r>
+              <a:rPr lang="fr-FR" b="1" dirty="0" smtClean="0">
+                <a:effectLst>
+                  <a:outerShdw blurRad="38100" dist="38100" dir="2700000" algn="tl">
+                    <a:srgbClr val="000000">
+                      <a:alpha val="43137"/>
+                    </a:srgbClr>
+                  </a:outerShdw>
+                </a:effectLst>
+              </a:rPr>
+              <a:t>: </a:t>
+            </a:r>
+          </a:p>
+          <a:p>
+            <a:r>
+              <a:rPr lang="fr-FR" dirty="0"/>
+              <a:t>C</a:t>
+            </a:r>
+            <a:r>
+              <a:rPr lang="fr-FR" dirty="0" smtClean="0"/>
+              <a:t>hef du projet, connaissance préalable de la bibliothèque </a:t>
+            </a:r>
+            <a:r>
+              <a:rPr lang="fr-FR" dirty="0" err="1" smtClean="0"/>
+              <a:t>OpenGL</a:t>
+            </a:r>
+            <a:r>
+              <a:rPr lang="fr-FR" dirty="0" smtClean="0"/>
+              <a:t>, expérience de programmation en environnement 3D, correction/amélioration des codes de chacun, interface globale</a:t>
+            </a:r>
+            <a:endParaRPr lang="fr-FR" dirty="0"/>
+          </a:p>
+        </p:txBody>
+      </p:sp>
+      <p:sp>
+        <p:nvSpPr>
+          <p:cNvPr id="7" name="ZoneTexte 6"/>
+          <p:cNvSpPr txBox="1"/>
+          <p:nvPr/>
+        </p:nvSpPr>
+        <p:spPr>
+          <a:xfrm>
+            <a:off x="467544" y="3717032"/>
+            <a:ext cx="7992888" cy="1200329"/>
+          </a:xfrm>
+          <a:prstGeom prst="rect">
+            <a:avLst/>
+          </a:prstGeom>
+          <a:noFill/>
+        </p:spPr>
+        <p:txBody>
+          <a:bodyPr wrap="square" rtlCol="0">
+            <a:spAutoFit/>
+          </a:bodyPr>
+          <a:lstStyle/>
+          <a:p>
+            <a:r>
+              <a:rPr lang="fr-FR" b="1" dirty="0" smtClean="0">
+                <a:effectLst>
+                  <a:outerShdw blurRad="38100" dist="38100" dir="2700000" algn="tl">
+                    <a:srgbClr val="000000">
+                      <a:alpha val="43137"/>
+                    </a:srgbClr>
+                  </a:outerShdw>
+                </a:effectLst>
+              </a:rPr>
+              <a:t>Gwénaëlle Hamon:</a:t>
+            </a:r>
+          </a:p>
+          <a:p>
+            <a:r>
+              <a:rPr lang="fr-FR" dirty="0" smtClean="0"/>
+              <a:t>Responsable partie cristallographie, meilleures notions de chimie que les autres membres du groupe (Prépa PC), création de la structure maille</a:t>
+            </a:r>
+            <a:endParaRPr lang="fr-FR" dirty="0"/>
+          </a:p>
+        </p:txBody>
+      </p:sp>
+    </p:spTree>
+  </p:cSld>
+  <p:clrMapOvr>
+    <a:masterClrMapping/>
+  </p:clrMapOvr>
+  <p:timing>
+    <p:tnLst>
+      <p:par>
+        <p:cTn id="1" dur="indefinite" restart="never" nodeType="tmRoot"/>
+      </p:par>
+    </p:tnLst>
+  </p:timing>
+</p:sld>
+</file>
+
+<file path=ppt/slides/slide7.xml><?xml version="1.0" encoding="utf-8"?>
+<p:sld xmlns:a="http://schemas.openxmlformats.org/drawingml/2006/main" xmlns:r="http://schemas.openxmlformats.org/officeDocument/2006/relationships" xmlns:p="http://schemas.openxmlformats.org/presentationml/2006/main">
+  <p:cSld>
+    <p:spTree>
+      <p:nvGrpSpPr>
+        <p:cNvPr id="1" name=""/>
+        <p:cNvGrpSpPr/>
+        <p:nvPr/>
+      </p:nvGrpSpPr>
+      <p:grpSpPr>
+        <a:xfrm>
+          <a:off x="0" y="0"/>
+          <a:ext cx="0" cy="0"/>
+          <a:chOff x="0" y="0"/>
+          <a:chExt cx="0" cy="0"/>
+        </a:xfrm>
+      </p:grpSpPr>
+      <p:sp>
+        <p:nvSpPr>
+          <p:cNvPr id="4" name="ZoneTexte 3"/>
+          <p:cNvSpPr txBox="1"/>
+          <p:nvPr/>
+        </p:nvSpPr>
+        <p:spPr>
+          <a:xfrm>
+            <a:off x="2483768" y="332656"/>
+            <a:ext cx="4032448" cy="461665"/>
+          </a:xfrm>
+          <a:prstGeom prst="rect">
+            <a:avLst/>
+          </a:prstGeom>
+          <a:noFill/>
+        </p:spPr>
+        <p:txBody>
+          <a:bodyPr wrap="square" rtlCol="0">
+            <a:spAutoFit/>
+          </a:bodyPr>
+          <a:lstStyle/>
+          <a:p>
+            <a:r>
+              <a:rPr lang="fr-FR" sz="2400" dirty="0" smtClean="0">
+                <a:solidFill>
+                  <a:schemeClr val="tx1">
+                    <a:lumMod val="65000"/>
+                    <a:lumOff val="35000"/>
+                  </a:schemeClr>
+                </a:solidFill>
+                <a:effectLst>
+                  <a:outerShdw blurRad="38100" dist="38100" dir="2700000" algn="tl">
+                    <a:srgbClr val="000000">
+                      <a:alpha val="43137"/>
+                    </a:srgbClr>
+                  </a:outerShdw>
+                </a:effectLst>
+              </a:rPr>
+              <a:t>DÉSIGNATION DES RÔLES</a:t>
+            </a:r>
+            <a:endParaRPr lang="fr-FR" sz="2400" dirty="0">
+              <a:solidFill>
+                <a:schemeClr val="tx1">
+                  <a:lumMod val="65000"/>
+                  <a:lumOff val="35000"/>
+                </a:schemeClr>
+              </a:solidFill>
+              <a:effectLst>
+                <a:outerShdw blurRad="38100" dist="38100" dir="2700000" algn="tl">
+                  <a:srgbClr val="000000">
+                    <a:alpha val="43137"/>
+                  </a:srgbClr>
+                </a:outerShdw>
+              </a:effectLst>
+            </a:endParaRPr>
+          </a:p>
+        </p:txBody>
+      </p:sp>
+      <p:sp>
+        <p:nvSpPr>
+          <p:cNvPr id="5" name="ZoneTexte 4"/>
+          <p:cNvSpPr txBox="1"/>
+          <p:nvPr/>
+        </p:nvSpPr>
+        <p:spPr>
+          <a:xfrm>
+            <a:off x="539552" y="908720"/>
+            <a:ext cx="6264696" cy="369332"/>
+          </a:xfrm>
+          <a:prstGeom prst="rect">
+            <a:avLst/>
+          </a:prstGeom>
+          <a:noFill/>
+        </p:spPr>
+        <p:txBody>
+          <a:bodyPr wrap="square" rtlCol="0">
+            <a:spAutoFit/>
+          </a:bodyPr>
+          <a:lstStyle/>
+          <a:p>
+            <a:r>
+              <a:rPr lang="fr-FR" dirty="0" smtClean="0"/>
+              <a:t>- en fonction des facilités et affinités de chacun</a:t>
+            </a:r>
+            <a:endParaRPr lang="fr-FR" dirty="0"/>
+          </a:p>
+        </p:txBody>
+      </p:sp>
+      <p:sp>
+        <p:nvSpPr>
+          <p:cNvPr id="9" name="ZoneTexte 8"/>
+          <p:cNvSpPr txBox="1"/>
+          <p:nvPr/>
+        </p:nvSpPr>
+        <p:spPr>
+          <a:xfrm>
+            <a:off x="539552" y="3068960"/>
+            <a:ext cx="8352928" cy="1200329"/>
+          </a:xfrm>
+          <a:prstGeom prst="rect">
+            <a:avLst/>
+          </a:prstGeom>
+          <a:noFill/>
+        </p:spPr>
+        <p:txBody>
+          <a:bodyPr wrap="square" rtlCol="0">
+            <a:spAutoFit/>
+          </a:bodyPr>
+          <a:lstStyle/>
+          <a:p>
+            <a:r>
+              <a:rPr lang="fr-FR" b="1" dirty="0" smtClean="0">
+                <a:effectLst>
+                  <a:outerShdw blurRad="38100" dist="38100" dir="2700000" algn="tl">
+                    <a:srgbClr val="000000">
+                      <a:alpha val="43137"/>
+                    </a:srgbClr>
+                  </a:outerShdw>
+                </a:effectLst>
+              </a:rPr>
+              <a:t>Quentin </a:t>
+            </a:r>
+            <a:r>
+              <a:rPr lang="fr-FR" b="1" dirty="0" err="1" smtClean="0">
+                <a:effectLst>
+                  <a:outerShdw blurRad="38100" dist="38100" dir="2700000" algn="tl">
+                    <a:srgbClr val="000000">
+                      <a:alpha val="43137"/>
+                    </a:srgbClr>
+                  </a:outerShdw>
+                </a:effectLst>
+              </a:rPr>
+              <a:t>Lataud</a:t>
+            </a:r>
+            <a:r>
+              <a:rPr lang="fr-FR" b="1" dirty="0" smtClean="0">
+                <a:effectLst>
+                  <a:outerShdw blurRad="38100" dist="38100" dir="2700000" algn="tl">
+                    <a:srgbClr val="000000">
+                      <a:alpha val="43137"/>
+                    </a:srgbClr>
+                  </a:outerShdw>
+                </a:effectLst>
+              </a:rPr>
+              <a:t>:</a:t>
+            </a:r>
+          </a:p>
+          <a:p>
+            <a:r>
+              <a:rPr lang="fr-FR" dirty="0" smtClean="0"/>
+              <a:t>Responsable communication (film de présentation du logiciel finalisé)</a:t>
+            </a:r>
+          </a:p>
+          <a:p>
+            <a:r>
+              <a:rPr lang="fr-FR" dirty="0" smtClean="0"/>
+              <a:t>+ écriture de l’algorithme de lecture des fichiers .</a:t>
+            </a:r>
+            <a:r>
+              <a:rPr lang="fr-FR" dirty="0" err="1" smtClean="0"/>
+              <a:t>cif</a:t>
+            </a:r>
+            <a:r>
+              <a:rPr lang="fr-FR" dirty="0" smtClean="0"/>
+              <a:t> (</a:t>
+            </a:r>
+            <a:r>
+              <a:rPr lang="fr-FR" dirty="0" err="1" smtClean="0"/>
+              <a:t>crystallography</a:t>
+            </a:r>
+            <a:r>
+              <a:rPr lang="fr-FR" dirty="0" smtClean="0"/>
+              <a:t> international file)</a:t>
+            </a:r>
+            <a:endParaRPr lang="fr-FR" dirty="0"/>
+          </a:p>
+        </p:txBody>
+      </p:sp>
+      <p:sp>
+        <p:nvSpPr>
+          <p:cNvPr id="10" name="ZoneTexte 9"/>
+          <p:cNvSpPr txBox="1"/>
+          <p:nvPr/>
+        </p:nvSpPr>
+        <p:spPr>
+          <a:xfrm>
+            <a:off x="539552" y="4725144"/>
+            <a:ext cx="7056784" cy="923330"/>
+          </a:xfrm>
+          <a:prstGeom prst="rect">
+            <a:avLst/>
+          </a:prstGeom>
+          <a:noFill/>
+        </p:spPr>
+        <p:txBody>
+          <a:bodyPr wrap="square" rtlCol="0">
+            <a:spAutoFit/>
+          </a:bodyPr>
+          <a:lstStyle/>
+          <a:p>
+            <a:r>
+              <a:rPr lang="fr-FR" b="1" dirty="0" smtClean="0">
+                <a:effectLst>
+                  <a:outerShdw blurRad="38100" dist="38100" dir="2700000" algn="tl">
+                    <a:srgbClr val="000000">
+                      <a:alpha val="43137"/>
+                    </a:srgbClr>
+                  </a:outerShdw>
+                </a:effectLst>
+              </a:rPr>
+              <a:t>Arnaud Turin:</a:t>
+            </a:r>
+          </a:p>
+          <a:p>
+            <a:r>
+              <a:rPr lang="fr-FR" dirty="0" smtClean="0"/>
+              <a:t>Responsable gestion caméra logicielle + élaboration budget</a:t>
+            </a:r>
+          </a:p>
+          <a:p>
+            <a:endParaRPr lang="fr-FR" dirty="0"/>
+          </a:p>
+        </p:txBody>
+      </p:sp>
+      <p:sp>
+        <p:nvSpPr>
+          <p:cNvPr id="11" name="ZoneTexte 10"/>
+          <p:cNvSpPr txBox="1"/>
+          <p:nvPr/>
+        </p:nvSpPr>
+        <p:spPr>
+          <a:xfrm>
+            <a:off x="539552" y="1700808"/>
+            <a:ext cx="7704856" cy="923330"/>
+          </a:xfrm>
+          <a:prstGeom prst="rect">
+            <a:avLst/>
+          </a:prstGeom>
+          <a:noFill/>
+        </p:spPr>
+        <p:txBody>
+          <a:bodyPr wrap="square" rtlCol="0">
+            <a:spAutoFit/>
+          </a:bodyPr>
+          <a:lstStyle/>
+          <a:p>
+            <a:r>
+              <a:rPr lang="fr-FR" b="1" dirty="0" smtClean="0">
+                <a:effectLst>
+                  <a:outerShdw blurRad="38100" dist="38100" dir="2700000" algn="tl">
+                    <a:srgbClr val="000000">
+                      <a:alpha val="43137"/>
+                    </a:srgbClr>
+                  </a:outerShdw>
+                </a:effectLst>
+              </a:rPr>
+              <a:t>Guillaume </a:t>
+            </a:r>
+            <a:r>
+              <a:rPr lang="fr-FR" b="1" dirty="0" err="1" smtClean="0">
+                <a:effectLst>
+                  <a:outerShdw blurRad="38100" dist="38100" dir="2700000" algn="tl">
+                    <a:srgbClr val="000000">
+                      <a:alpha val="43137"/>
+                    </a:srgbClr>
+                  </a:outerShdw>
+                </a:effectLst>
+              </a:rPr>
+              <a:t>Grippari</a:t>
+            </a:r>
+            <a:r>
+              <a:rPr lang="fr-FR" b="1" dirty="0" smtClean="0">
+                <a:effectLst>
+                  <a:outerShdw blurRad="38100" dist="38100" dir="2700000" algn="tl">
+                    <a:srgbClr val="000000">
+                      <a:alpha val="43137"/>
+                    </a:srgbClr>
+                  </a:outerShdw>
+                </a:effectLst>
+              </a:rPr>
+              <a:t>:</a:t>
+            </a:r>
+          </a:p>
+          <a:p>
+            <a:r>
+              <a:rPr lang="fr-FR" dirty="0" smtClean="0"/>
+              <a:t>Responsable environnement 3D désir de poursuivre dans ce domaine</a:t>
+            </a:r>
+            <a:endParaRPr lang="fr-FR" dirty="0"/>
+          </a:p>
+        </p:txBody>
+      </p:sp>
+    </p:spTree>
+  </p:cSld>
+  <p:clrMapOvr>
+    <a:masterClrMapping/>
+  </p:clrMapOvr>
+  <p:timing>
+    <p:tnLst>
+      <p:par>
+        <p:cTn id="1" dur="indefinite" restart="never" nodeType="tmRoot"/>
+      </p:par>
+    </p:tnLst>
+  </p:timing>
+</p:sld>
+</file>
+
+<file path=ppt/slides/slide8.xml><?xml version="1.0" encoding="utf-8"?>
+<p:sld xmlns:a="http://schemas.openxmlformats.org/drawingml/2006/main" xmlns:r="http://schemas.openxmlformats.org/officeDocument/2006/relationships" xmlns:p="http://schemas.openxmlformats.org/presentationml/2006/main">
+  <p:cSld>
+    <p:spTree>
+      <p:nvGrpSpPr>
+        <p:cNvPr id="1" name=""/>
+        <p:cNvGrpSpPr/>
+        <p:nvPr/>
+      </p:nvGrpSpPr>
+      <p:grpSpPr>
+        <a:xfrm>
+          <a:off x="0" y="0"/>
+          <a:ext cx="0" cy="0"/>
+          <a:chOff x="0" y="0"/>
+          <a:chExt cx="0" cy="0"/>
+        </a:xfrm>
+      </p:grpSpPr>
+      <p:sp>
+        <p:nvSpPr>
           <p:cNvPr id="2" name="Rectangle 1"/>
           <p:cNvSpPr/>
           <p:nvPr/>
@@ -5738,7 +6947,6 @@
               <a:rPr lang="fr-FR" dirty="0" smtClean="0"/>
               <a:t>- Un diagramme de GANTT nous aidant à respecter les délais de réalisation </a:t>
             </a:r>
-            <a:endParaRPr lang="fr-FR" dirty="0" smtClean="0"/>
           </a:p>
         </p:txBody>
       </p:sp>
@@ -5839,7 +7047,7 @@
 </p:sld>
 </file>
 
-<file path=ppt/slides/slide7.xml><?xml version="1.0" encoding="utf-8"?>
+<file path=ppt/slides/slide9.xml><?xml version="1.0" encoding="utf-8"?>
 <p:sld xmlns:a="http://schemas.openxmlformats.org/drawingml/2006/main" xmlns:r="http://schemas.openxmlformats.org/officeDocument/2006/relationships" xmlns:p="http://schemas.openxmlformats.org/presentationml/2006/main">
   <p:cSld>
     <p:spTree>
@@ -5937,102 +7145,54 @@
           <a:p>
             <a:r>
               <a:rPr lang="fr-FR" dirty="0" smtClean="0"/>
-              <a:t>- </a:t>
-            </a:r>
+              <a:t>- Ouverture d’un forum (http://cristallo3d.forumsactifs.com/)</a:t>
+            </a:r>
+          </a:p>
+          <a:p>
             <a:r>
               <a:rPr lang="fr-FR" dirty="0" smtClean="0"/>
-              <a:t>Ouverture d’un </a:t>
-            </a:r>
+              <a:t> contenant :  - ce qu'il y a à faire pour la prochain séance</a:t>
+            </a:r>
+          </a:p>
+          <a:p>
             <a:r>
               <a:rPr lang="fr-FR" dirty="0" smtClean="0"/>
-              <a:t>forum (http://cristallo3d.forumsactifs.com/)</a:t>
-            </a:r>
-          </a:p>
-          <a:p>
+              <a:t>	       - ce </a:t>
+            </a:r>
             <a:r>
               <a:rPr lang="fr-FR" dirty="0" smtClean="0"/>
-              <a:t> </a:t>
+              <a:t>qui </a:t>
             </a:r>
             <a:r>
               <a:rPr lang="fr-FR" dirty="0" smtClean="0"/>
-              <a:t>contenant :  - </a:t>
-            </a:r>
+              <a:t>a été fait au cours de chacune des séances</a:t>
+            </a:r>
+          </a:p>
+          <a:p>
             <a:r>
               <a:rPr lang="fr-FR" dirty="0" smtClean="0"/>
-              <a:t>ce qu'il y a à faire pour la prochain </a:t>
-            </a:r>
+              <a:t>	       - des listes de recherches déjà effectuées</a:t>
+            </a:r>
+          </a:p>
+          <a:p>
             <a:r>
               <a:rPr lang="fr-FR" dirty="0" smtClean="0"/>
-              <a:t>séance</a:t>
-            </a:r>
+              <a:t>	       - des aides pour la programmation</a:t>
+            </a:r>
+          </a:p>
+          <a:p>
+            <a:endParaRPr lang="fr-FR" dirty="0" smtClean="0"/>
+          </a:p>
+          <a:p>
+            <a:endParaRPr lang="fr-FR" dirty="0" smtClean="0"/>
+          </a:p>
+          <a:p>
+            <a:endParaRPr lang="fr-FR" dirty="0" smtClean="0"/>
           </a:p>
           <a:p>
             <a:r>
               <a:rPr lang="fr-FR" dirty="0" smtClean="0"/>
-              <a:t>	 </a:t>
-            </a:r>
-            <a:r>
-              <a:rPr lang="fr-FR" dirty="0" smtClean="0"/>
-              <a:t>      - </a:t>
-            </a:r>
-            <a:r>
-              <a:rPr lang="fr-FR" dirty="0" smtClean="0"/>
-              <a:t>ce qu'il a été fait au cours de chacune des séances</a:t>
-            </a:r>
-          </a:p>
-          <a:p>
-            <a:r>
-              <a:rPr lang="fr-FR" dirty="0" smtClean="0"/>
-              <a:t>	 </a:t>
-            </a:r>
-            <a:r>
-              <a:rPr lang="fr-FR" dirty="0" smtClean="0"/>
-              <a:t>      </a:t>
-            </a:r>
-            <a:r>
-              <a:rPr lang="fr-FR" dirty="0" smtClean="0"/>
-              <a:t>- des listes de recherches déjà effectuées</a:t>
-            </a:r>
-          </a:p>
-          <a:p>
-            <a:r>
-              <a:rPr lang="fr-FR" dirty="0" smtClean="0"/>
-              <a:t>	  </a:t>
-            </a:r>
-            <a:r>
-              <a:rPr lang="fr-FR" dirty="0" smtClean="0"/>
-              <a:t>     </a:t>
-            </a:r>
-            <a:r>
-              <a:rPr lang="fr-FR" dirty="0" smtClean="0"/>
-              <a:t>- des aides pour la programmation</a:t>
-            </a:r>
-          </a:p>
-          <a:p>
-            <a:endParaRPr lang="fr-FR" dirty="0" smtClean="0"/>
-          </a:p>
-          <a:p>
-            <a:endParaRPr lang="fr-FR" dirty="0" smtClean="0"/>
-          </a:p>
-          <a:p>
-            <a:endParaRPr lang="fr-FR" dirty="0" smtClean="0"/>
-          </a:p>
-          <a:p>
-            <a:r>
-              <a:rPr lang="fr-FR" dirty="0" smtClean="0"/>
-              <a:t>- Création d’un </a:t>
-            </a:r>
-            <a:r>
-              <a:rPr lang="fr-FR" dirty="0" smtClean="0"/>
-              <a:t>serveur (SVN) en ligne </a:t>
-            </a:r>
-            <a:r>
-              <a:rPr lang="fr-FR" dirty="0" smtClean="0"/>
-              <a:t>pour le partage et le stockage des parties de code et des </a:t>
-            </a:r>
-            <a:r>
-              <a:rPr lang="fr-FR" dirty="0" smtClean="0"/>
-              <a:t>documents</a:t>
+              <a:t>- Création d’un serveur (SVN) en ligne pour le partage et le stockage des parties de code et des documents</a:t>
             </a:r>
             <a:endParaRPr lang="fr-FR" dirty="0"/>
           </a:p>
@@ -6043,6 +7203,13 @@
   <p:clrMapOvr>
     <a:masterClrMapping/>
   </p:clrMapOvr>
+  <p:timing>
+    <p:tnLst>
+      <p:par>
+        <p:cTn id="1" dur="indefinite" restart="never" nodeType="tmRoot"/>
+      </p:par>
+    </p:tnLst>
+  </p:timing>
 </p:sld>
 </file>
 

--- a/Preparation rencontre respo gestion/Powerpoint final/ANIMATION 3D EN CRISTALLOGRAPHIE.pptx
+++ b/Preparation rencontre respo gestion/Powerpoint final/ANIMATION 3D EN CRISTALLOGRAPHIE.pptx
@@ -8,15 +8,19 @@
     <p:sldId id="256" r:id="rId2"/>
     <p:sldId id="264" r:id="rId3"/>
     <p:sldId id="265" r:id="rId4"/>
-    <p:sldId id="259" r:id="rId5"/>
-    <p:sldId id="260" r:id="rId6"/>
-    <p:sldId id="257" r:id="rId7"/>
-    <p:sldId id="258" r:id="rId8"/>
-    <p:sldId id="261" r:id="rId9"/>
-    <p:sldId id="262" r:id="rId10"/>
-    <p:sldId id="266" r:id="rId11"/>
-    <p:sldId id="267" r:id="rId12"/>
-    <p:sldId id="268" r:id="rId13"/>
+    <p:sldId id="271" r:id="rId5"/>
+    <p:sldId id="269" r:id="rId6"/>
+    <p:sldId id="259" r:id="rId7"/>
+    <p:sldId id="260" r:id="rId8"/>
+    <p:sldId id="257" r:id="rId9"/>
+    <p:sldId id="258" r:id="rId10"/>
+    <p:sldId id="261" r:id="rId11"/>
+    <p:sldId id="262" r:id="rId12"/>
+    <p:sldId id="266" r:id="rId13"/>
+    <p:sldId id="272" r:id="rId14"/>
+    <p:sldId id="267" r:id="rId15"/>
+    <p:sldId id="268" r:id="rId16"/>
+    <p:sldId id="270" r:id="rId17"/>
   </p:sldIdLst>
   <p:sldSz cx="9144000" cy="6858000" type="screen4x3"/>
   <p:notesSz cx="6858000" cy="9144000"/>
@@ -4866,6 +4870,48 @@
           </a:prstGeom>
         </p:spPr>
       </p:pic>
+      <p:sp>
+        <p:nvSpPr>
+          <p:cNvPr id="7" name="ZoneTexte 6"/>
+          <p:cNvSpPr txBox="1"/>
+          <p:nvPr/>
+        </p:nvSpPr>
+        <p:spPr>
+          <a:xfrm>
+            <a:off x="4139952" y="3861048"/>
+            <a:ext cx="4176464" cy="369332"/>
+          </a:xfrm>
+          <a:prstGeom prst="rect">
+            <a:avLst/>
+          </a:prstGeom>
+          <a:noFill/>
+        </p:spPr>
+        <p:txBody>
+          <a:bodyPr wrap="square" rtlCol="0">
+            <a:spAutoFit/>
+          </a:bodyPr>
+          <a:lstStyle/>
+          <a:p>
+            <a:r>
+              <a:rPr lang="fr-FR" i="1" dirty="0" smtClean="0">
+                <a:solidFill>
+                  <a:schemeClr val="bg1">
+                    <a:lumMod val="50000"/>
+                  </a:schemeClr>
+                </a:solidFill>
+              </a:rPr>
+              <a:t>Lundi 28 Mars 2011</a:t>
+            </a:r>
+            <a:endParaRPr lang="fr-FR" i="1" dirty="0">
+              <a:solidFill>
+                <a:schemeClr val="bg1">
+                  <a:lumMod val="50000"/>
+                </a:schemeClr>
+              </a:solidFill>
+            </a:endParaRPr>
+          </a:p>
+        </p:txBody>
+      </p:sp>
     </p:spTree>
   </p:cSld>
   <p:clrMapOvr>
@@ -4900,97 +4946,115 @@
       </p:grpSpPr>
       <p:sp>
         <p:nvSpPr>
-          <p:cNvPr id="2" name="Titre 1"/>
-          <p:cNvSpPr>
-            <a:spLocks noGrp="1"/>
-          </p:cNvSpPr>
-          <p:nvPr>
-            <p:ph type="title"/>
-          </p:nvPr>
-        </p:nvSpPr>
-        <p:spPr/>
-        <p:txBody>
-          <a:bodyPr/>
+          <p:cNvPr id="2" name="Rectangle 1"/>
+          <p:cNvSpPr/>
+          <p:nvPr/>
+        </p:nvSpPr>
+        <p:spPr>
+          <a:xfrm>
+            <a:off x="323528" y="1028343"/>
+            <a:ext cx="8640960" cy="369332"/>
+          </a:xfrm>
+          <a:prstGeom prst="rect">
+            <a:avLst/>
+          </a:prstGeom>
+        </p:spPr>
+        <p:txBody>
+          <a:bodyPr wrap="square">
+            <a:spAutoFit/>
+          </a:bodyPr>
           <a:lstStyle/>
           <a:p>
             <a:r>
               <a:rPr lang="fr-FR" dirty="0" smtClean="0"/>
-              <a:t>II. </a:t>
-            </a:r>
-            <a:r>
-              <a:rPr lang="fr-FR" dirty="0" smtClean="0"/>
-              <a:t>Avancement du projet</a:t>
-            </a:r>
-            <a:endParaRPr lang="fr-FR" dirty="0"/>
-          </a:p>
-        </p:txBody>
-      </p:sp>
-      <p:sp>
-        <p:nvSpPr>
-          <p:cNvPr id="3" name="Espace réservé du contenu 2"/>
-          <p:cNvSpPr>
-            <a:spLocks noGrp="1"/>
-          </p:cNvSpPr>
-          <p:nvPr>
-            <p:ph idx="1"/>
-          </p:nvPr>
-        </p:nvSpPr>
-        <p:spPr/>
-        <p:txBody>
-          <a:bodyPr/>
-          <a:lstStyle/>
-          <a:p>
-            <a:endParaRPr lang="fr-FR"/>
-          </a:p>
-        </p:txBody>
-      </p:sp>
-      <p:pic>
-        <p:nvPicPr>
-          <p:cNvPr id="2050" name="Picture 2" descr="C:\Users\Arnaud\Documents\Projet de groupe\svn\Preparation rencontre respo gestion\Documents Utiles\Gantt Avancement au jour de la rencontre.png"/>
-          <p:cNvPicPr>
-            <a:picLocks noChangeAspect="1" noChangeArrowheads="1"/>
-          </p:cNvPicPr>
+              <a:t>- Un diagramme de GANTT nous aidant à respecter les délais de réalisation </a:t>
+            </a:r>
+          </a:p>
+        </p:txBody>
+      </p:sp>
+      <p:sp>
+        <p:nvSpPr>
+          <p:cNvPr id="3" name="ZoneTexte 2"/>
+          <p:cNvSpPr txBox="1"/>
           <p:nvPr/>
-        </p:nvPicPr>
-        <p:blipFill>
-          <a:blip r:embed="rId2" cstate="print">
-            <a:extLst>
-              <a:ext uri="{28A0092B-C50C-407E-A947-70E740481C1C}">
-                <a14:useLocalDpi xmlns:a14="http://schemas.microsoft.com/office/drawing/2010/main" xmlns="" val="0"/>
-              </a:ext>
-            </a:extLst>
-          </a:blip>
-          <a:srcRect/>
-          <a:stretch>
-            <a:fillRect/>
-          </a:stretch>
-        </p:blipFill>
-        <p:spPr bwMode="auto">
+        </p:nvSpPr>
+        <p:spPr>
           <a:xfrm>
-            <a:off x="73617" y="1340768"/>
-            <a:ext cx="9199155" cy="5517232"/>
+            <a:off x="2483768" y="332656"/>
+            <a:ext cx="4032448" cy="461665"/>
           </a:xfrm>
           <a:prstGeom prst="rect">
             <a:avLst/>
           </a:prstGeom>
           <a:noFill/>
-          <a:extLst>
-            <a:ext uri="{909E8E84-426E-40DD-AFC4-6F175D3DCCD1}">
-              <a14:hiddenFill xmlns:a14="http://schemas.microsoft.com/office/drawing/2010/main" xmlns="">
+        </p:spPr>
+        <p:txBody>
+          <a:bodyPr wrap="square" rtlCol="0">
+            <a:spAutoFit/>
+          </a:bodyPr>
+          <a:lstStyle/>
+          <a:p>
+            <a:r>
+              <a:rPr lang="fr-FR" sz="2400" dirty="0" smtClean="0">
                 <a:solidFill>
-                  <a:srgbClr val="FFFFFF"/>
+                  <a:schemeClr val="tx1">
+                    <a:lumMod val="65000"/>
+                    <a:lumOff val="35000"/>
+                  </a:schemeClr>
                 </a:solidFill>
-              </a14:hiddenFill>
-            </a:ext>
-          </a:extLst>
+                <a:effectLst>
+                  <a:outerShdw blurRad="38100" dist="38100" dir="2700000" algn="tl">
+                    <a:srgbClr val="000000">
+                      <a:alpha val="43137"/>
+                    </a:srgbClr>
+                  </a:outerShdw>
+                </a:effectLst>
+              </a:rPr>
+              <a:t>OUTILS MIS EN PLACE</a:t>
+            </a:r>
+            <a:endParaRPr lang="fr-FR" sz="2400" dirty="0">
+              <a:solidFill>
+                <a:schemeClr val="tx1">
+                  <a:lumMod val="65000"/>
+                  <a:lumOff val="35000"/>
+                </a:schemeClr>
+              </a:solidFill>
+              <a:effectLst>
+                <a:outerShdw blurRad="38100" dist="38100" dir="2700000" algn="tl">
+                  <a:srgbClr val="000000">
+                    <a:alpha val="43137"/>
+                  </a:srgbClr>
+                </a:outerShdw>
+              </a:effectLst>
+            </a:endParaRPr>
+          </a:p>
+        </p:txBody>
+      </p:sp>
+      <p:pic>
+        <p:nvPicPr>
+          <p:cNvPr id="4" name="Image 3" descr="Gantt.png"/>
+          <p:cNvPicPr>
+            <a:picLocks noChangeAspect="1"/>
+          </p:cNvPicPr>
+          <p:nvPr/>
+        </p:nvPicPr>
+        <p:blipFill>
+          <a:blip r:embed="rId2" cstate="print"/>
+          <a:stretch>
+            <a:fillRect/>
+          </a:stretch>
+        </p:blipFill>
+        <p:spPr>
+          <a:xfrm>
+            <a:off x="0" y="1768466"/>
+            <a:ext cx="9144000" cy="3532741"/>
+          </a:xfrm>
+          <a:prstGeom prst="rect">
+            <a:avLst/>
+          </a:prstGeom>
         </p:spPr>
       </p:pic>
     </p:spTree>
-    <p:extLst>
-      <p:ext uri="{BB962C8B-B14F-4D97-AF65-F5344CB8AC3E}">
-        <p14:creationId xmlns:p14="http://schemas.microsoft.com/office/powerpoint/2010/main" xmlns="" val="533561883"/>
-      </p:ext>
-    </p:extLst>
   </p:cSld>
   <p:clrMapOvr>
     <a:masterClrMapping/>
@@ -5024,111 +5088,131 @@
       </p:grpSpPr>
       <p:sp>
         <p:nvSpPr>
-          <p:cNvPr id="2" name="Titre 1"/>
-          <p:cNvSpPr>
-            <a:spLocks noGrp="1"/>
-          </p:cNvSpPr>
-          <p:nvPr>
-            <p:ph type="title"/>
-          </p:nvPr>
-        </p:nvSpPr>
-        <p:spPr/>
-        <p:txBody>
-          <a:bodyPr>
-            <a:normAutofit/>
-          </a:bodyPr>
-          <a:lstStyle/>
-          <a:p>
-            <a:r>
-              <a:rPr lang="fr-FR" sz="2400" b="0" dirty="0" smtClean="0">
-                <a:solidFill>
-                  <a:schemeClr val="tx1">
-                    <a:lumMod val="95000"/>
-                    <a:lumOff val="5000"/>
-                  </a:schemeClr>
-                </a:solidFill>
-                <a:effectLst/>
-              </a:rPr>
-              <a:t>Etat actuel de l’interface logicielle</a:t>
-            </a:r>
-            <a:endParaRPr lang="fr-FR" sz="2400" b="0" dirty="0">
-              <a:solidFill>
-                <a:schemeClr val="tx1">
-                  <a:lumMod val="95000"/>
-                  <a:lumOff val="5000"/>
-                </a:schemeClr>
-              </a:solidFill>
-              <a:effectLst/>
-            </a:endParaRPr>
-          </a:p>
-        </p:txBody>
-      </p:sp>
-      <p:sp>
-        <p:nvSpPr>
-          <p:cNvPr id="3" name="Espace réservé du contenu 2"/>
-          <p:cNvSpPr>
-            <a:spLocks noGrp="1"/>
-          </p:cNvSpPr>
-          <p:nvPr>
-            <p:ph idx="1"/>
-          </p:nvPr>
-        </p:nvSpPr>
-        <p:spPr/>
-        <p:txBody>
-          <a:bodyPr/>
-          <a:lstStyle/>
-          <a:p>
-            <a:endParaRPr lang="fr-FR"/>
-          </a:p>
-        </p:txBody>
-      </p:sp>
-      <p:pic>
-        <p:nvPicPr>
-          <p:cNvPr id="3074" name="Picture 2" descr="C:\Users\Arnaud\Documents\Projet de groupe\svn\Preparation rencontre respo gestion\Documents Utiles\etat_fenetre.bmp"/>
-          <p:cNvPicPr>
-            <a:picLocks noChangeAspect="1" noChangeArrowheads="1"/>
-          </p:cNvPicPr>
+          <p:cNvPr id="2" name="ZoneTexte 1"/>
+          <p:cNvSpPr txBox="1"/>
           <p:nvPr/>
-        </p:nvPicPr>
-        <p:blipFill>
-          <a:blip r:embed="rId2" cstate="print">
-            <a:extLst>
-              <a:ext uri="{28A0092B-C50C-407E-A947-70E740481C1C}">
-                <a14:useLocalDpi xmlns:a14="http://schemas.microsoft.com/office/drawing/2010/main" xmlns="" val="0"/>
-              </a:ext>
-            </a:extLst>
-          </a:blip>
-          <a:srcRect/>
-          <a:stretch>
-            <a:fillRect/>
-          </a:stretch>
-        </p:blipFill>
-        <p:spPr bwMode="auto">
+        </p:nvSpPr>
+        <p:spPr>
           <a:xfrm>
-            <a:off x="0" y="1340768"/>
-            <a:ext cx="9143999" cy="5517232"/>
+            <a:off x="2483768" y="332656"/>
+            <a:ext cx="4032448" cy="461665"/>
           </a:xfrm>
           <a:prstGeom prst="rect">
             <a:avLst/>
           </a:prstGeom>
           <a:noFill/>
-          <a:extLst>
-            <a:ext uri="{909E8E84-426E-40DD-AFC4-6F175D3DCCD1}">
-              <a14:hiddenFill xmlns:a14="http://schemas.microsoft.com/office/drawing/2010/main" xmlns="">
+        </p:spPr>
+        <p:txBody>
+          <a:bodyPr wrap="square" rtlCol="0">
+            <a:spAutoFit/>
+          </a:bodyPr>
+          <a:lstStyle/>
+          <a:p>
+            <a:r>
+              <a:rPr lang="fr-FR" sz="2400" dirty="0" smtClean="0">
                 <a:solidFill>
-                  <a:srgbClr val="FFFFFF"/>
+                  <a:schemeClr val="tx1">
+                    <a:lumMod val="65000"/>
+                    <a:lumOff val="35000"/>
+                  </a:schemeClr>
                 </a:solidFill>
-              </a14:hiddenFill>
-            </a:ext>
-          </a:extLst>
+                <a:effectLst>
+                  <a:outerShdw blurRad="38100" dist="38100" dir="2700000" algn="tl">
+                    <a:srgbClr val="000000">
+                      <a:alpha val="43137"/>
+                    </a:srgbClr>
+                  </a:outerShdw>
+                </a:effectLst>
+              </a:rPr>
+              <a:t>OUTILS MIS EN PLACE</a:t>
+            </a:r>
+            <a:endParaRPr lang="fr-FR" sz="2400" dirty="0">
+              <a:solidFill>
+                <a:schemeClr val="tx1">
+                  <a:lumMod val="65000"/>
+                  <a:lumOff val="35000"/>
+                </a:schemeClr>
+              </a:solidFill>
+              <a:effectLst>
+                <a:outerShdw blurRad="38100" dist="38100" dir="2700000" algn="tl">
+                  <a:srgbClr val="000000">
+                    <a:alpha val="43137"/>
+                  </a:srgbClr>
+                </a:outerShdw>
+              </a:effectLst>
+            </a:endParaRPr>
+          </a:p>
+        </p:txBody>
+      </p:sp>
+      <p:sp>
+        <p:nvSpPr>
+          <p:cNvPr id="4" name="Rectangle 3"/>
+          <p:cNvSpPr/>
+          <p:nvPr/>
+        </p:nvSpPr>
+        <p:spPr>
+          <a:xfrm>
+            <a:off x="395536" y="1844824"/>
+            <a:ext cx="8352928" cy="2862322"/>
+          </a:xfrm>
+          <a:prstGeom prst="rect">
+            <a:avLst/>
+          </a:prstGeom>
         </p:spPr>
-      </p:pic>
+        <p:txBody>
+          <a:bodyPr wrap="square">
+            <a:spAutoFit/>
+          </a:bodyPr>
+          <a:lstStyle/>
+          <a:p>
+            <a:r>
+              <a:rPr lang="fr-FR" dirty="0" smtClean="0"/>
+              <a:t>- Ouverture d’un forum (http://cristallo3d.forumsactifs.com/)</a:t>
+            </a:r>
+          </a:p>
+          <a:p>
+            <a:r>
+              <a:rPr lang="fr-FR" dirty="0" smtClean="0"/>
+              <a:t> contenant :  - ce qu'il y a à faire pour la prochain séance</a:t>
+            </a:r>
+          </a:p>
+          <a:p>
+            <a:r>
+              <a:rPr lang="fr-FR" dirty="0" smtClean="0"/>
+              <a:t>	       - ce qui a été fait au cours de chacune des séances</a:t>
+            </a:r>
+          </a:p>
+          <a:p>
+            <a:r>
+              <a:rPr lang="fr-FR" dirty="0" smtClean="0"/>
+              <a:t>	       - des listes de recherches déjà effectuées</a:t>
+            </a:r>
+          </a:p>
+          <a:p>
+            <a:r>
+              <a:rPr lang="fr-FR" dirty="0" smtClean="0"/>
+              <a:t>	       - des aides pour la programmation</a:t>
+            </a:r>
+          </a:p>
+          <a:p>
+            <a:endParaRPr lang="fr-FR" dirty="0" smtClean="0"/>
+          </a:p>
+          <a:p>
+            <a:endParaRPr lang="fr-FR" dirty="0" smtClean="0"/>
+          </a:p>
+          <a:p>
+            <a:endParaRPr lang="fr-FR" dirty="0" smtClean="0"/>
+          </a:p>
+          <a:p>
+            <a:r>
+              <a:rPr lang="fr-FR" dirty="0" smtClean="0"/>
+              <a:t>- Création d’un serveur (SVN) en ligne pour le partage et le stockage des parties de code et des documents</a:t>
+            </a:r>
+            <a:endParaRPr lang="fr-FR" dirty="0"/>
+          </a:p>
+        </p:txBody>
+      </p:sp>
     </p:spTree>
-    <p:extLst>
-      <p:ext uri="{BB962C8B-B14F-4D97-AF65-F5344CB8AC3E}">
-        <p14:creationId xmlns:p14="http://schemas.microsoft.com/office/powerpoint/2010/main" xmlns="" val="3672389709"/>
-      </p:ext>
-    </p:extLst>
   </p:cSld>
   <p:clrMapOvr>
     <a:masterClrMapping/>
@@ -5177,11 +5261,7 @@
           <a:p>
             <a:r>
               <a:rPr lang="fr-FR" dirty="0" smtClean="0"/>
-              <a:t>II. </a:t>
-            </a:r>
-            <a:r>
-              <a:rPr lang="fr-FR" dirty="0" smtClean="0"/>
-              <a:t>Avancement du projet</a:t>
+              <a:t>II. Avancement du projet</a:t>
             </a:r>
             <a:endParaRPr lang="fr-FR" dirty="0"/>
           </a:p>
@@ -5199,78 +5279,541 @@
         </p:nvSpPr>
         <p:spPr/>
         <p:txBody>
+          <a:bodyPr/>
+          <a:lstStyle/>
+          <a:p>
+            <a:endParaRPr lang="fr-FR"/>
+          </a:p>
+        </p:txBody>
+      </p:sp>
+      <p:pic>
+        <p:nvPicPr>
+          <p:cNvPr id="2050" name="Picture 2" descr="C:\Users\Arnaud\Documents\Projet de groupe\svn\Preparation rencontre respo gestion\Documents Utiles\Gantt Avancement au jour de la rencontre.png"/>
+          <p:cNvPicPr>
+            <a:picLocks noChangeAspect="1" noChangeArrowheads="1"/>
+          </p:cNvPicPr>
+          <p:nvPr/>
+        </p:nvPicPr>
+        <p:blipFill>
+          <a:blip r:embed="rId2" cstate="print">
+            <a:extLst>
+              <a:ext uri="{28A0092B-C50C-407E-A947-70E740481C1C}">
+                <a14:useLocalDpi xmlns="" xmlns:a14="http://schemas.microsoft.com/office/drawing/2010/main" val="0"/>
+              </a:ext>
+            </a:extLst>
+          </a:blip>
+          <a:srcRect/>
+          <a:stretch>
+            <a:fillRect/>
+          </a:stretch>
+        </p:blipFill>
+        <p:spPr bwMode="auto">
+          <a:xfrm>
+            <a:off x="73617" y="1340768"/>
+            <a:ext cx="9199155" cy="5517232"/>
+          </a:xfrm>
+          <a:prstGeom prst="rect">
+            <a:avLst/>
+          </a:prstGeom>
+          <a:noFill/>
+          <a:extLst>
+            <a:ext uri="{909E8E84-426E-40DD-AFC4-6F175D3DCCD1}">
+              <a14:hiddenFill xmlns="" xmlns:a14="http://schemas.microsoft.com/office/drawing/2010/main">
+                <a:solidFill>
+                  <a:srgbClr val="FFFFFF"/>
+                </a:solidFill>
+              </a14:hiddenFill>
+            </a:ext>
+          </a:extLst>
+        </p:spPr>
+      </p:pic>
+    </p:spTree>
+    <p:extLst>
+      <p:ext uri="{BB962C8B-B14F-4D97-AF65-F5344CB8AC3E}">
+        <p14:creationId xmlns="" xmlns:p14="http://schemas.microsoft.com/office/powerpoint/2010/main" val="533561883"/>
+      </p:ext>
+    </p:extLst>
+  </p:cSld>
+  <p:clrMapOvr>
+    <a:masterClrMapping/>
+  </p:clrMapOvr>
+  <p:timing>
+    <p:tnLst>
+      <p:par>
+        <p:cTn id="1" dur="indefinite" restart="never" nodeType="tmRoot"/>
+      </p:par>
+    </p:tnLst>
+  </p:timing>
+</p:sld>
+</file>
+
+<file path=ppt/slides/slide13.xml><?xml version="1.0" encoding="utf-8"?>
+<p:sld xmlns:a="http://schemas.openxmlformats.org/drawingml/2006/main" xmlns:r="http://schemas.openxmlformats.org/officeDocument/2006/relationships" xmlns:p="http://schemas.openxmlformats.org/presentationml/2006/main">
+  <p:cSld>
+    <p:spTree>
+      <p:nvGrpSpPr>
+        <p:cNvPr id="1" name=""/>
+        <p:cNvGrpSpPr/>
+        <p:nvPr/>
+      </p:nvGrpSpPr>
+      <p:grpSpPr>
+        <a:xfrm>
+          <a:off x="0" y="0"/>
+          <a:ext cx="0" cy="0"/>
+          <a:chOff x="0" y="0"/>
+          <a:chExt cx="0" cy="0"/>
+        </a:xfrm>
+      </p:grpSpPr>
+      <p:pic>
+        <p:nvPicPr>
+          <p:cNvPr id="4" name="Picture 2" descr="C:\Users\Arnaud\Documents\Projet de groupe\svn\Preparation rencontre respo gestion\Documents Utiles\WBS Avancement au jour de la rencontre.png"/>
+          <p:cNvPicPr>
+            <a:picLocks noChangeAspect="1" noChangeArrowheads="1"/>
+          </p:cNvPicPr>
+          <p:nvPr/>
+        </p:nvPicPr>
+        <p:blipFill>
+          <a:blip r:embed="rId2" cstate="print">
+            <a:extLst>
+              <a:ext uri="{28A0092B-C50C-407E-A947-70E740481C1C}">
+                <a14:useLocalDpi xmlns:a14="http://schemas.microsoft.com/office/drawing/2010/main" xmlns="" val="0"/>
+              </a:ext>
+            </a:extLst>
+          </a:blip>
+          <a:srcRect/>
+          <a:stretch>
+            <a:fillRect/>
+          </a:stretch>
+        </p:blipFill>
+        <p:spPr bwMode="auto">
+          <a:xfrm>
+            <a:off x="0" y="1988840"/>
+            <a:ext cx="9144000" cy="3861048"/>
+          </a:xfrm>
+          <a:prstGeom prst="rect">
+            <a:avLst/>
+          </a:prstGeom>
+          <a:noFill/>
+          <a:extLst>
+            <a:ext uri="{909E8E84-426E-40DD-AFC4-6F175D3DCCD1}">
+              <a14:hiddenFill xmlns:a14="http://schemas.microsoft.com/office/drawing/2010/main" xmlns="">
+                <a:solidFill>
+                  <a:srgbClr val="FFFFFF"/>
+                </a:solidFill>
+              </a14:hiddenFill>
+            </a:ext>
+          </a:extLst>
+        </p:spPr>
+      </p:pic>
+      <p:sp>
+        <p:nvSpPr>
+          <p:cNvPr id="7" name="Titre 1"/>
+          <p:cNvSpPr>
+            <a:spLocks noGrp="1"/>
+          </p:cNvSpPr>
+          <p:nvPr>
+            <p:ph type="title"/>
+          </p:nvPr>
+        </p:nvSpPr>
+        <p:spPr>
+          <a:xfrm>
+            <a:off x="457200" y="274638"/>
+            <a:ext cx="8229600" cy="1143000"/>
+          </a:xfrm>
+        </p:spPr>
+        <p:txBody>
+          <a:bodyPr/>
+          <a:lstStyle/>
+          <a:p>
+            <a:r>
+              <a:rPr lang="fr-FR" dirty="0" smtClean="0"/>
+              <a:t>II. Avancement du projet</a:t>
+            </a:r>
+            <a:endParaRPr lang="fr-FR" dirty="0"/>
+          </a:p>
+        </p:txBody>
+      </p:sp>
+      <p:sp>
+        <p:nvSpPr>
+          <p:cNvPr id="8" name="ZoneTexte 7"/>
+          <p:cNvSpPr txBox="1"/>
+          <p:nvPr/>
+        </p:nvSpPr>
+        <p:spPr>
+          <a:xfrm>
+            <a:off x="827584" y="1484784"/>
+            <a:ext cx="2592288" cy="369332"/>
+          </a:xfrm>
+          <a:prstGeom prst="rect">
+            <a:avLst/>
+          </a:prstGeom>
+          <a:noFill/>
+        </p:spPr>
+        <p:txBody>
+          <a:bodyPr wrap="square" rtlCol="0">
+            <a:spAutoFit/>
+          </a:bodyPr>
+          <a:lstStyle/>
+          <a:p>
+            <a:r>
+              <a:rPr lang="fr-FR" dirty="0" smtClean="0"/>
+              <a:t>Diagramme WBS</a:t>
+            </a:r>
+            <a:endParaRPr lang="fr-FR" dirty="0"/>
+          </a:p>
+        </p:txBody>
+      </p:sp>
+    </p:spTree>
+  </p:cSld>
+  <p:clrMapOvr>
+    <a:masterClrMapping/>
+  </p:clrMapOvr>
+  <p:timing>
+    <p:tnLst>
+      <p:par>
+        <p:cTn id="1" dur="indefinite" restart="never" nodeType="tmRoot"/>
+      </p:par>
+    </p:tnLst>
+  </p:timing>
+</p:sld>
+</file>
+
+<file path=ppt/slides/slide14.xml><?xml version="1.0" encoding="utf-8"?>
+<p:sld xmlns:a="http://schemas.openxmlformats.org/drawingml/2006/main" xmlns:r="http://schemas.openxmlformats.org/officeDocument/2006/relationships" xmlns:p="http://schemas.openxmlformats.org/presentationml/2006/main">
+  <p:cSld>
+    <p:spTree>
+      <p:nvGrpSpPr>
+        <p:cNvPr id="1" name=""/>
+        <p:cNvGrpSpPr/>
+        <p:nvPr/>
+      </p:nvGrpSpPr>
+      <p:grpSpPr>
+        <a:xfrm>
+          <a:off x="0" y="0"/>
+          <a:ext cx="0" cy="0"/>
+          <a:chOff x="0" y="0"/>
+          <a:chExt cx="0" cy="0"/>
+        </a:xfrm>
+      </p:grpSpPr>
+      <p:sp>
+        <p:nvSpPr>
+          <p:cNvPr id="2" name="Titre 1"/>
+          <p:cNvSpPr>
+            <a:spLocks noGrp="1"/>
+          </p:cNvSpPr>
+          <p:nvPr>
+            <p:ph type="title"/>
+          </p:nvPr>
+        </p:nvSpPr>
+        <p:spPr/>
+        <p:txBody>
           <a:bodyPr>
             <a:normAutofit/>
           </a:bodyPr>
           <a:lstStyle/>
           <a:p>
             <a:r>
-              <a:rPr lang="fr-FR" dirty="0" smtClean="0"/>
-              <a:t>Difficultés rencontrées :</a:t>
-            </a:r>
-          </a:p>
-          <a:p>
-            <a:pPr lvl="1"/>
-            <a:r>
-              <a:rPr lang="fr-FR" dirty="0" smtClean="0"/>
-              <a:t>Sujet très complexe et très nouveau</a:t>
-            </a:r>
-          </a:p>
-          <a:p>
-            <a:pPr lvl="1"/>
-            <a:r>
-              <a:rPr lang="fr-FR" dirty="0" smtClean="0"/>
-              <a:t>Faibles connaissances en informatique</a:t>
-            </a:r>
-          </a:p>
-          <a:p>
-            <a:pPr lvl="1"/>
-            <a:endParaRPr lang="fr-FR" dirty="0"/>
-          </a:p>
-          <a:p>
-            <a:r>
-              <a:rPr lang="fr-FR" dirty="0" smtClean="0"/>
-              <a:t>Ce qui nécessite :</a:t>
-            </a:r>
-          </a:p>
-          <a:p>
-            <a:pPr lvl="1"/>
-            <a:r>
-              <a:rPr lang="fr-FR" dirty="0" smtClean="0"/>
-              <a:t>Une bonne organisation</a:t>
-            </a:r>
-          </a:p>
-          <a:p>
-            <a:pPr lvl="1"/>
-            <a:r>
-              <a:rPr lang="fr-FR" dirty="0" smtClean="0"/>
-              <a:t>Lecture de cours sur internet</a:t>
-            </a:r>
-          </a:p>
-          <a:p>
-            <a:pPr lvl="1"/>
-            <a:r>
-              <a:rPr lang="fr-FR" dirty="0" smtClean="0"/>
-              <a:t>Anthony apporte ses connaissances au reste du groupe</a:t>
-            </a:r>
-            <a:endParaRPr lang="fr-FR" dirty="0"/>
-          </a:p>
-          <a:p>
-            <a:pPr lvl="1"/>
-            <a:endParaRPr lang="fr-FR" dirty="0"/>
-          </a:p>
-          <a:p>
-            <a:pPr lvl="1"/>
-            <a:endParaRPr lang="fr-FR" dirty="0" smtClean="0"/>
-          </a:p>
-        </p:txBody>
-      </p:sp>
+              <a:rPr lang="fr-FR" sz="2400" b="0" dirty="0" smtClean="0">
+                <a:solidFill>
+                  <a:schemeClr val="tx1">
+                    <a:lumMod val="95000"/>
+                    <a:lumOff val="5000"/>
+                  </a:schemeClr>
+                </a:solidFill>
+                <a:effectLst/>
+              </a:rPr>
+              <a:t>Etat actuel de l’interface logicielle</a:t>
+            </a:r>
+            <a:endParaRPr lang="fr-FR" sz="2400" b="0" dirty="0">
+              <a:solidFill>
+                <a:schemeClr val="tx1">
+                  <a:lumMod val="95000"/>
+                  <a:lumOff val="5000"/>
+                </a:schemeClr>
+              </a:solidFill>
+              <a:effectLst/>
+            </a:endParaRPr>
+          </a:p>
+        </p:txBody>
+      </p:sp>
+      <p:pic>
+        <p:nvPicPr>
+          <p:cNvPr id="1026" name="Picture 2" descr="C:\Users\Biboutcho\SVN\Preparation rencontre respo gestion\Documents Utiles\etat_fenetre.bmp"/>
+          <p:cNvPicPr>
+            <a:picLocks noChangeAspect="1" noChangeArrowheads="1"/>
+          </p:cNvPicPr>
+          <p:nvPr/>
+        </p:nvPicPr>
+        <p:blipFill>
+          <a:blip r:embed="rId2" cstate="print"/>
+          <a:srcRect/>
+          <a:stretch>
+            <a:fillRect/>
+          </a:stretch>
+        </p:blipFill>
+        <p:spPr bwMode="auto">
+          <a:xfrm>
+            <a:off x="0" y="988919"/>
+            <a:ext cx="9127653" cy="5869081"/>
+          </a:xfrm>
+          <a:prstGeom prst="rect">
+            <a:avLst/>
+          </a:prstGeom>
+          <a:noFill/>
+        </p:spPr>
+      </p:pic>
     </p:spTree>
     <p:extLst>
       <p:ext uri="{BB962C8B-B14F-4D97-AF65-F5344CB8AC3E}">
-        <p14:creationId xmlns:p14="http://schemas.microsoft.com/office/powerpoint/2010/main" xmlns="" val="1899753069"/>
+        <p14:creationId xmlns="" xmlns:p14="http://schemas.microsoft.com/office/powerpoint/2010/main" val="3672389709"/>
       </p:ext>
     </p:extLst>
+  </p:cSld>
+  <p:clrMapOvr>
+    <a:masterClrMapping/>
+  </p:clrMapOvr>
+  <p:timing>
+    <p:tnLst>
+      <p:par>
+        <p:cTn id="1" dur="indefinite" restart="never" nodeType="tmRoot"/>
+      </p:par>
+    </p:tnLst>
+  </p:timing>
+</p:sld>
+</file>
+
+<file path=ppt/slides/slide15.xml><?xml version="1.0" encoding="utf-8"?>
+<p:sld xmlns:a="http://schemas.openxmlformats.org/drawingml/2006/main" xmlns:r="http://schemas.openxmlformats.org/officeDocument/2006/relationships" xmlns:p="http://schemas.openxmlformats.org/presentationml/2006/main">
+  <p:cSld>
+    <p:spTree>
+      <p:nvGrpSpPr>
+        <p:cNvPr id="1" name=""/>
+        <p:cNvGrpSpPr/>
+        <p:nvPr/>
+      </p:nvGrpSpPr>
+      <p:grpSpPr>
+        <a:xfrm>
+          <a:off x="0" y="0"/>
+          <a:ext cx="0" cy="0"/>
+          <a:chOff x="0" y="0"/>
+          <a:chExt cx="0" cy="0"/>
+        </a:xfrm>
+      </p:grpSpPr>
+      <p:sp>
+        <p:nvSpPr>
+          <p:cNvPr id="2" name="Titre 1"/>
+          <p:cNvSpPr>
+            <a:spLocks noGrp="1"/>
+          </p:cNvSpPr>
+          <p:nvPr>
+            <p:ph type="title"/>
+          </p:nvPr>
+        </p:nvSpPr>
+        <p:spPr/>
+        <p:txBody>
+          <a:bodyPr/>
+          <a:lstStyle/>
+          <a:p>
+            <a:r>
+              <a:rPr lang="fr-FR" dirty="0" smtClean="0"/>
+              <a:t>II. Avancement du projet</a:t>
+            </a:r>
+            <a:endParaRPr lang="fr-FR" dirty="0"/>
+          </a:p>
+        </p:txBody>
+      </p:sp>
+      <p:sp>
+        <p:nvSpPr>
+          <p:cNvPr id="3" name="Espace réservé du contenu 2"/>
+          <p:cNvSpPr>
+            <a:spLocks noGrp="1"/>
+          </p:cNvSpPr>
+          <p:nvPr>
+            <p:ph idx="1"/>
+          </p:nvPr>
+        </p:nvSpPr>
+        <p:spPr/>
+        <p:txBody>
+          <a:bodyPr>
+            <a:normAutofit/>
+          </a:bodyPr>
+          <a:lstStyle/>
+          <a:p>
+            <a:r>
+              <a:rPr lang="fr-FR" dirty="0" smtClean="0"/>
+              <a:t>Difficultés rencontrées :</a:t>
+            </a:r>
+          </a:p>
+          <a:p>
+            <a:pPr lvl="1"/>
+            <a:r>
+              <a:rPr lang="fr-FR" dirty="0" smtClean="0"/>
+              <a:t>Sujet très complexe et très nouveau</a:t>
+            </a:r>
+          </a:p>
+          <a:p>
+            <a:pPr lvl="1"/>
+            <a:r>
+              <a:rPr lang="fr-FR" dirty="0" smtClean="0"/>
+              <a:t>Faibles connaissances en informatique</a:t>
+            </a:r>
+          </a:p>
+          <a:p>
+            <a:pPr lvl="1"/>
+            <a:endParaRPr lang="fr-FR" dirty="0"/>
+          </a:p>
+          <a:p>
+            <a:r>
+              <a:rPr lang="fr-FR" dirty="0" smtClean="0"/>
+              <a:t>Ce qui nécessite :</a:t>
+            </a:r>
+          </a:p>
+          <a:p>
+            <a:pPr lvl="1"/>
+            <a:r>
+              <a:rPr lang="fr-FR" dirty="0" smtClean="0"/>
+              <a:t>Une bonne organisation</a:t>
+            </a:r>
+          </a:p>
+          <a:p>
+            <a:pPr lvl="1"/>
+            <a:r>
+              <a:rPr lang="fr-FR" dirty="0" smtClean="0"/>
+              <a:t>Lecture de cours sur internet</a:t>
+            </a:r>
+          </a:p>
+          <a:p>
+            <a:pPr lvl="1"/>
+            <a:r>
+              <a:rPr lang="fr-FR" dirty="0" smtClean="0"/>
+              <a:t>Anthony apporte ses connaissances au reste du groupe</a:t>
+            </a:r>
+            <a:endParaRPr lang="fr-FR" dirty="0"/>
+          </a:p>
+          <a:p>
+            <a:pPr lvl="1"/>
+            <a:endParaRPr lang="fr-FR" dirty="0"/>
+          </a:p>
+          <a:p>
+            <a:pPr lvl="1"/>
+            <a:endParaRPr lang="fr-FR" dirty="0" smtClean="0"/>
+          </a:p>
+        </p:txBody>
+      </p:sp>
+    </p:spTree>
+    <p:extLst>
+      <p:ext uri="{BB962C8B-B14F-4D97-AF65-F5344CB8AC3E}">
+        <p14:creationId xmlns="" xmlns:p14="http://schemas.microsoft.com/office/powerpoint/2010/main" val="1899753069"/>
+      </p:ext>
+    </p:extLst>
+  </p:cSld>
+  <p:clrMapOvr>
+    <a:masterClrMapping/>
+  </p:clrMapOvr>
+  <p:timing>
+    <p:tnLst>
+      <p:par>
+        <p:cTn id="1" dur="indefinite" restart="never" nodeType="tmRoot"/>
+      </p:par>
+    </p:tnLst>
+  </p:timing>
+</p:sld>
+</file>
+
+<file path=ppt/slides/slide16.xml><?xml version="1.0" encoding="utf-8"?>
+<p:sld xmlns:a="http://schemas.openxmlformats.org/drawingml/2006/main" xmlns:r="http://schemas.openxmlformats.org/officeDocument/2006/relationships" xmlns:p="http://schemas.openxmlformats.org/presentationml/2006/main">
+  <p:cSld>
+    <p:spTree>
+      <p:nvGrpSpPr>
+        <p:cNvPr id="1" name=""/>
+        <p:cNvGrpSpPr/>
+        <p:nvPr/>
+      </p:nvGrpSpPr>
+      <p:grpSpPr>
+        <a:xfrm>
+          <a:off x="0" y="0"/>
+          <a:ext cx="0" cy="0"/>
+          <a:chOff x="0" y="0"/>
+          <a:chExt cx="0" cy="0"/>
+        </a:xfrm>
+      </p:grpSpPr>
+      <p:sp>
+        <p:nvSpPr>
+          <p:cNvPr id="2" name="Espace réservé du contenu 1"/>
+          <p:cNvSpPr>
+            <a:spLocks noGrp="1"/>
+          </p:cNvSpPr>
+          <p:nvPr>
+            <p:ph idx="1"/>
+          </p:nvPr>
+        </p:nvSpPr>
+        <p:spPr>
+          <a:xfrm>
+            <a:off x="457200" y="2708920"/>
+            <a:ext cx="8229600" cy="3298371"/>
+          </a:xfrm>
+        </p:spPr>
+        <p:txBody>
+          <a:bodyPr>
+            <a:normAutofit/>
+          </a:bodyPr>
+          <a:lstStyle/>
+          <a:p>
+            <a:pPr algn="ctr">
+              <a:buNone/>
+            </a:pPr>
+            <a:endParaRPr lang="fr-FR" sz="3600" b="1" i="1" dirty="0" smtClean="0"/>
+          </a:p>
+          <a:p>
+            <a:pPr algn="ctr">
+              <a:buNone/>
+            </a:pPr>
+            <a:endParaRPr lang="fr-FR" sz="3600" b="1" i="1" dirty="0" smtClean="0"/>
+          </a:p>
+          <a:p>
+            <a:pPr algn="ctr">
+              <a:buNone/>
+            </a:pPr>
+            <a:r>
+              <a:rPr lang="fr-FR" sz="3600" b="1" i="1" dirty="0" smtClean="0"/>
+              <a:t>Merci de votre attention !</a:t>
+            </a:r>
+            <a:endParaRPr lang="fr-FR" sz="3600" b="1" i="1" dirty="0"/>
+          </a:p>
+        </p:txBody>
+      </p:sp>
+      <p:sp>
+        <p:nvSpPr>
+          <p:cNvPr id="3" name="Titre 2"/>
+          <p:cNvSpPr>
+            <a:spLocks noGrp="1"/>
+          </p:cNvSpPr>
+          <p:nvPr>
+            <p:ph type="title"/>
+          </p:nvPr>
+        </p:nvSpPr>
+        <p:spPr>
+          <a:xfrm>
+            <a:off x="457200" y="274638"/>
+            <a:ext cx="8229600" cy="1498178"/>
+          </a:xfrm>
+        </p:spPr>
+        <p:txBody>
+          <a:bodyPr>
+            <a:normAutofit/>
+          </a:bodyPr>
+          <a:lstStyle/>
+          <a:p>
+            <a:pPr algn="ctr"/>
+            <a:r>
+              <a:rPr lang="fr-FR" sz="6600" dirty="0" smtClean="0"/>
+              <a:t>Conclusion</a:t>
+            </a:r>
+            <a:endParaRPr lang="fr-FR" sz="6600" dirty="0"/>
+          </a:p>
+        </p:txBody>
+      </p:sp>
+    </p:spTree>
   </p:cSld>
   <p:clrMapOvr>
     <a:masterClrMapping/>
@@ -6096,118 +6639,104 @@
       </p:grpSpPr>
       <p:sp>
         <p:nvSpPr>
-          <p:cNvPr id="4" name="Rectangle 3"/>
-          <p:cNvSpPr/>
+          <p:cNvPr id="6" name="Sous-titre 2"/>
+          <p:cNvSpPr txBox="1">
+            <a:spLocks/>
+          </p:cNvSpPr>
           <p:nvPr/>
         </p:nvSpPr>
         <p:spPr>
           <a:xfrm>
-            <a:off x="827584" y="1582341"/>
-            <a:ext cx="8064896" cy="2862322"/>
+            <a:off x="539552" y="260648"/>
+            <a:ext cx="9071640" cy="4899240"/>
           </a:xfrm>
           <a:prstGeom prst="rect">
             <a:avLst/>
           </a:prstGeom>
         </p:spPr>
         <p:txBody>
-          <a:bodyPr wrap="square">
-            <a:spAutoFit/>
+          <a:bodyPr vert="horz" anchor="ctr">
+            <a:normAutofit/>
           </a:bodyPr>
-          <a:lstStyle/>
-          <a:p>
-            <a:pPr>
-              <a:buFontTx/>
-              <a:buChar char="-"/>
+          <a:lstStyle>
+            <a:defPPr lvl="0">
+              <a:buSzPct val="45000"/>
+              <a:buFont typeface="StarSymbol"/>
+              <a:buNone/>
+            </a:defPPr>
+            <a:lvl1pPr lvl="0">
+              <a:buSzPct val="45000"/>
+              <a:buFont typeface="StarSymbol"/>
+              <a:buChar char="●"/>
+            </a:lvl1pPr>
+            <a:lvl2pPr lvl="1">
+              <a:buSzPct val="45000"/>
+              <a:buFont typeface="StarSymbol"/>
+              <a:buChar char="●"/>
+            </a:lvl2pPr>
+            <a:lvl3pPr lvl="2">
+              <a:buSzPct val="45000"/>
+              <a:buFont typeface="StarSymbol"/>
+              <a:buChar char="●"/>
+            </a:lvl3pPr>
+            <a:lvl4pPr lvl="3">
+              <a:buSzPct val="45000"/>
+              <a:buFont typeface="StarSymbol"/>
+              <a:buChar char="●"/>
+            </a:lvl4pPr>
+            <a:lvl5pPr lvl="4">
+              <a:buSzPct val="45000"/>
+              <a:buFont typeface="StarSymbol"/>
+              <a:buChar char="●"/>
+            </a:lvl5pPr>
+            <a:lvl6pPr lvl="5">
+              <a:buSzPct val="45000"/>
+              <a:buFont typeface="StarSymbol"/>
+              <a:buChar char="●"/>
+            </a:lvl6pPr>
+            <a:lvl7pPr lvl="6">
+              <a:buSzPct val="45000"/>
+              <a:buFont typeface="StarSymbol"/>
+              <a:buChar char="●"/>
+            </a:lvl7pPr>
+            <a:lvl8pPr lvl="7">
+              <a:buSzPct val="45000"/>
+              <a:buFont typeface="StarSymbol"/>
+              <a:buChar char="●"/>
+            </a:lvl8pPr>
+            <a:lvl9pPr lvl="8">
+              <a:buSzPct val="45000"/>
+              <a:buFont typeface="StarSymbol"/>
+              <a:buChar char="●"/>
+            </a:lvl9pPr>
+          </a:lstStyle>
+          <a:p>
+            <a:pPr marL="0" marR="0" lvl="0" indent="0" algn="l" defTabSz="914400" rtl="0" eaLnBrk="1" fontAlgn="auto" latinLnBrk="0" hangingPunct="1">
+              <a:lnSpc>
+                <a:spcPct val="100000"/>
+              </a:lnSpc>
+              <a:spcBef>
+                <a:spcPts val="400"/>
+              </a:spcBef>
+              <a:spcAft>
+                <a:spcPts val="0"/>
+              </a:spcAft>
+              <a:buClr>
+                <a:schemeClr val="accent1"/>
+              </a:buClr>
+              <a:buSzPct val="45000"/>
+              <a:buFont typeface="StarSymbol"/>
+              <a:buNone/>
+              <a:tabLst/>
+              <a:defRPr/>
             </a:pPr>
             <a:r>
-              <a:rPr lang="fr-FR" dirty="0" smtClean="0"/>
-              <a:t> Rencontre avec le tuteur (M. Thierry </a:t>
-            </a:r>
-            <a:r>
-              <a:rPr lang="fr-FR" dirty="0" err="1" smtClean="0"/>
-              <a:t>Duffar</a:t>
-            </a:r>
-            <a:r>
-              <a:rPr lang="fr-FR" dirty="0" smtClean="0"/>
-              <a:t>) pour l'élaboration du cahier des charges</a:t>
-            </a:r>
-          </a:p>
-          <a:p>
-            <a:pPr>
-              <a:buFontTx/>
-              <a:buChar char="-"/>
-            </a:pPr>
-            <a:endParaRPr lang="fr-FR" dirty="0" smtClean="0"/>
-          </a:p>
-          <a:p>
-            <a:pPr>
-              <a:buFontTx/>
-              <a:buChar char="-"/>
-            </a:pPr>
-            <a:endParaRPr lang="fr-FR" dirty="0" smtClean="0"/>
-          </a:p>
-          <a:p>
-            <a:r>
-              <a:rPr lang="fr-FR" dirty="0"/>
-              <a:t>-</a:t>
-            </a:r>
-            <a:r>
-              <a:rPr lang="fr-FR" dirty="0" smtClean="0"/>
-              <a:t> Plusieurs contraintes sont apparues : temps, budget, réalisation ; </a:t>
-            </a:r>
-          </a:p>
-          <a:p>
-            <a:r>
-              <a:rPr lang="fr-FR" dirty="0"/>
-              <a:t>	</a:t>
-            </a:r>
-            <a:r>
-              <a:rPr lang="fr-FR" dirty="0" smtClean="0"/>
-              <a:t>Choix d'une méthode peu abrasive, peu coûteuse et facile à       	réaliser</a:t>
-            </a:r>
-          </a:p>
-          <a:p>
-            <a:endParaRPr lang="fr-FR" dirty="0" smtClean="0"/>
-          </a:p>
-          <a:p>
-            <a:endParaRPr lang="fr-FR" dirty="0" smtClean="0"/>
-          </a:p>
-          <a:p>
-            <a:r>
-              <a:rPr lang="fr-FR" dirty="0" smtClean="0"/>
-              <a:t>- Listing et organisation des tâches à réaliser pour le projet:</a:t>
-            </a:r>
-          </a:p>
-        </p:txBody>
-      </p:sp>
-      <p:sp>
-        <p:nvSpPr>
-          <p:cNvPr id="5" name="ZoneTexte 4"/>
-          <p:cNvSpPr txBox="1"/>
-          <p:nvPr/>
-        </p:nvSpPr>
-        <p:spPr>
-          <a:xfrm>
-            <a:off x="1763688" y="332656"/>
-            <a:ext cx="5904656" cy="584775"/>
-          </a:xfrm>
-          <a:prstGeom prst="rect">
-            <a:avLst/>
-          </a:prstGeom>
-          <a:noFill/>
-        </p:spPr>
-        <p:txBody>
-          <a:bodyPr wrap="square" rtlCol="0">
-            <a:spAutoFit/>
-          </a:bodyPr>
-          <a:lstStyle/>
-          <a:p>
-            <a:r>
-              <a:rPr lang="fr-FR" sz="3200" dirty="0" smtClean="0">
+              <a:rPr kumimoji="0" lang="fr-FR" sz="2700" b="1" i="0" strike="noStrike" kern="1200" cap="none" spc="0" normalizeH="0" baseline="0" noProof="0" dirty="0" smtClean="0">
+                <a:ln>
+                  <a:noFill/>
+                </a:ln>
                 <a:solidFill>
-                  <a:schemeClr val="bg2">
-                    <a:lumMod val="25000"/>
-                  </a:schemeClr>
+                  <a:schemeClr val="tx1"/>
                 </a:solidFill>
                 <a:effectLst>
                   <a:outerShdw blurRad="38100" dist="38100" dir="2700000" algn="tl">
@@ -6216,26 +6745,293 @@
                     </a:srgbClr>
                   </a:outerShdw>
                 </a:effectLst>
+                <a:uLnTx/>
+                <a:uFillTx/>
+                <a:latin typeface="+mn-lt"/>
+                <a:ea typeface="+mn-ea"/>
+                <a:cs typeface="+mn-cs"/>
               </a:rPr>
-              <a:t>I. Mise en place du projet</a:t>
-            </a:r>
-            <a:endParaRPr lang="fr-FR" sz="3200" dirty="0">
+              <a:t>Motivations :</a:t>
+            </a:r>
+            <a:r>
+              <a:rPr kumimoji="0" lang="fr-FR" sz="2700" b="1" i="0" u="sng" strike="noStrike" kern="1200" cap="none" spc="0" normalizeH="0" baseline="0" noProof="0" dirty="0" smtClean="0">
+                <a:ln>
+                  <a:noFill/>
+                </a:ln>
+                <a:solidFill>
+                  <a:schemeClr val="tx1"/>
+                </a:solidFill>
+                <a:effectLst/>
+                <a:uLnTx/>
+                <a:uFillTx/>
+                <a:latin typeface="+mn-lt"/>
+                <a:ea typeface="+mn-ea"/>
+                <a:cs typeface="+mn-cs"/>
+              </a:rPr>
+              <a:t/>
+            </a:r>
+            <a:br>
+              <a:rPr kumimoji="0" lang="fr-FR" sz="2700" b="1" i="0" u="sng" strike="noStrike" kern="1200" cap="none" spc="0" normalizeH="0" baseline="0" noProof="0" dirty="0" smtClean="0">
+                <a:ln>
+                  <a:noFill/>
+                </a:ln>
+                <a:solidFill>
+                  <a:schemeClr val="tx1"/>
+                </a:solidFill>
+                <a:effectLst/>
+                <a:uLnTx/>
+                <a:uFillTx/>
+                <a:latin typeface="+mn-lt"/>
+                <a:ea typeface="+mn-ea"/>
+                <a:cs typeface="+mn-cs"/>
+              </a:rPr>
+            </a:br>
+            <a:r>
+              <a:rPr kumimoji="0" lang="fr-FR" sz="2700" b="1" i="0" u="sng" strike="noStrike" kern="1200" cap="none" spc="0" normalizeH="0" baseline="0" noProof="0" dirty="0" smtClean="0">
+                <a:ln>
+                  <a:noFill/>
+                </a:ln>
+                <a:solidFill>
+                  <a:schemeClr val="tx1"/>
+                </a:solidFill>
+                <a:effectLst/>
+                <a:uLnTx/>
+                <a:uFillTx/>
+                <a:latin typeface="+mn-lt"/>
+                <a:ea typeface="+mn-ea"/>
+                <a:cs typeface="+mn-cs"/>
+              </a:rPr>
+              <a:t/>
+            </a:r>
+            <a:br>
+              <a:rPr kumimoji="0" lang="fr-FR" sz="2700" b="1" i="0" u="sng" strike="noStrike" kern="1200" cap="none" spc="0" normalizeH="0" baseline="0" noProof="0" dirty="0" smtClean="0">
+                <a:ln>
+                  <a:noFill/>
+                </a:ln>
+                <a:solidFill>
+                  <a:schemeClr val="tx1"/>
+                </a:solidFill>
+                <a:effectLst/>
+                <a:uLnTx/>
+                <a:uFillTx/>
+                <a:latin typeface="+mn-lt"/>
+                <a:ea typeface="+mn-ea"/>
+                <a:cs typeface="+mn-cs"/>
+              </a:rPr>
+            </a:br>
+            <a:r>
+              <a:rPr kumimoji="0" lang="fr-FR" sz="2700" b="0" i="0" u="none" strike="noStrike" kern="1200" cap="none" spc="0" normalizeH="0" baseline="0" noProof="0" dirty="0" smtClean="0">
+                <a:ln>
+                  <a:noFill/>
+                </a:ln>
+                <a:solidFill>
+                  <a:schemeClr val="tx1"/>
+                </a:solidFill>
+                <a:effectLst/>
+                <a:uLnTx/>
+                <a:uFillTx/>
+                <a:latin typeface="+mn-lt"/>
+                <a:ea typeface="+mn-ea"/>
+                <a:cs typeface="+mn-cs"/>
+              </a:rPr>
+              <a:t>- Difficultés à visualiser certains cristaux</a:t>
+            </a:r>
+            <a:br>
+              <a:rPr kumimoji="0" lang="fr-FR" sz="2700" b="0" i="0" u="none" strike="noStrike" kern="1200" cap="none" spc="0" normalizeH="0" baseline="0" noProof="0" dirty="0" smtClean="0">
+                <a:ln>
+                  <a:noFill/>
+                </a:ln>
+                <a:solidFill>
+                  <a:schemeClr val="tx1"/>
+                </a:solidFill>
+                <a:effectLst/>
+                <a:uLnTx/>
+                <a:uFillTx/>
+                <a:latin typeface="+mn-lt"/>
+                <a:ea typeface="+mn-ea"/>
+                <a:cs typeface="+mn-cs"/>
+              </a:rPr>
+            </a:br>
+            <a:r>
+              <a:rPr kumimoji="0" lang="fr-FR" sz="2700" b="1" i="0" u="sng" strike="noStrike" kern="1200" cap="none" spc="0" normalizeH="0" baseline="0" noProof="0" dirty="0" smtClean="0">
+                <a:ln>
+                  <a:noFill/>
+                </a:ln>
+                <a:solidFill>
+                  <a:schemeClr val="tx1"/>
+                </a:solidFill>
+                <a:effectLst/>
+                <a:uLnTx/>
+                <a:uFillTx/>
+                <a:latin typeface="+mn-lt"/>
+                <a:ea typeface="+mn-ea"/>
+                <a:cs typeface="+mn-cs"/>
+              </a:rPr>
+              <a:t/>
+            </a:r>
+            <a:br>
+              <a:rPr kumimoji="0" lang="fr-FR" sz="2700" b="1" i="0" u="sng" strike="noStrike" kern="1200" cap="none" spc="0" normalizeH="0" baseline="0" noProof="0" dirty="0" smtClean="0">
+                <a:ln>
+                  <a:noFill/>
+                </a:ln>
+                <a:solidFill>
+                  <a:schemeClr val="tx1"/>
+                </a:solidFill>
+                <a:effectLst/>
+                <a:uLnTx/>
+                <a:uFillTx/>
+                <a:latin typeface="+mn-lt"/>
+                <a:ea typeface="+mn-ea"/>
+                <a:cs typeface="+mn-cs"/>
+              </a:rPr>
+            </a:br>
+            <a:r>
+              <a:rPr kumimoji="0" lang="fr-FR" sz="2700" b="0" i="0" u="none" strike="noStrike" kern="1200" cap="none" spc="0" normalizeH="0" baseline="0" noProof="0" dirty="0" smtClean="0">
+                <a:ln>
+                  <a:noFill/>
+                </a:ln>
+                <a:solidFill>
+                  <a:schemeClr val="tx1"/>
+                </a:solidFill>
+                <a:effectLst/>
+                <a:uLnTx/>
+                <a:uFillTx/>
+                <a:latin typeface="+mn-lt"/>
+                <a:ea typeface="+mn-ea"/>
+                <a:cs typeface="+mn-cs"/>
+              </a:rPr>
+              <a:t>- Technique 3D en plein essor</a:t>
+            </a:r>
+            <a:br>
+              <a:rPr kumimoji="0" lang="fr-FR" sz="2700" b="0" i="0" u="none" strike="noStrike" kern="1200" cap="none" spc="0" normalizeH="0" baseline="0" noProof="0" dirty="0" smtClean="0">
+                <a:ln>
+                  <a:noFill/>
+                </a:ln>
+                <a:solidFill>
+                  <a:schemeClr val="tx1"/>
+                </a:solidFill>
+                <a:effectLst/>
+                <a:uLnTx/>
+                <a:uFillTx/>
+                <a:latin typeface="+mn-lt"/>
+                <a:ea typeface="+mn-ea"/>
+                <a:cs typeface="+mn-cs"/>
+              </a:rPr>
+            </a:br>
+            <a:r>
+              <a:rPr kumimoji="0" lang="fr-FR" sz="2700" b="0" i="0" u="none" strike="noStrike" kern="1200" cap="none" spc="0" normalizeH="0" baseline="0" noProof="0" dirty="0" smtClean="0">
+                <a:ln>
+                  <a:noFill/>
+                </a:ln>
+                <a:solidFill>
+                  <a:schemeClr val="tx1"/>
+                </a:solidFill>
+                <a:effectLst/>
+                <a:uLnTx/>
+                <a:uFillTx/>
+                <a:latin typeface="+mn-lt"/>
+                <a:ea typeface="+mn-ea"/>
+                <a:cs typeface="+mn-cs"/>
+              </a:rPr>
+              <a:t/>
+            </a:r>
+            <a:br>
+              <a:rPr kumimoji="0" lang="fr-FR" sz="2700" b="0" i="0" u="none" strike="noStrike" kern="1200" cap="none" spc="0" normalizeH="0" baseline="0" noProof="0" dirty="0" smtClean="0">
+                <a:ln>
+                  <a:noFill/>
+                </a:ln>
+                <a:solidFill>
+                  <a:schemeClr val="tx1"/>
+                </a:solidFill>
+                <a:effectLst/>
+                <a:uLnTx/>
+                <a:uFillTx/>
+                <a:latin typeface="+mn-lt"/>
+                <a:ea typeface="+mn-ea"/>
+                <a:cs typeface="+mn-cs"/>
+              </a:rPr>
+            </a:br>
+            <a:endParaRPr kumimoji="0" lang="fr-FR" sz="2700" b="0" i="0" u="none" strike="noStrike" kern="1200" cap="none" spc="0" normalizeH="0" baseline="0" noProof="0" dirty="0">
+              <a:ln>
+                <a:noFill/>
+              </a:ln>
               <a:solidFill>
-                <a:schemeClr val="bg2">
-                  <a:lumMod val="25000"/>
-                </a:schemeClr>
+                <a:schemeClr val="tx1"/>
               </a:solidFill>
-              <a:effectLst>
-                <a:outerShdw blurRad="38100" dist="38100" dir="2700000" algn="tl">
-                  <a:srgbClr val="000000">
-                    <a:alpha val="43137"/>
-                  </a:srgbClr>
-                </a:outerShdw>
-              </a:effectLst>
+              <a:effectLst/>
+              <a:uLnTx/>
+              <a:uFillTx/>
+              <a:latin typeface="+mn-lt"/>
+              <a:ea typeface="+mn-ea"/>
+              <a:cs typeface="+mn-cs"/>
             </a:endParaRPr>
           </a:p>
         </p:txBody>
       </p:sp>
+      <p:pic>
+        <p:nvPicPr>
+          <p:cNvPr id="7" name="Image 6"/>
+          <p:cNvPicPr>
+            <a:picLocks noChangeAspect="1"/>
+          </p:cNvPicPr>
+          <p:nvPr/>
+        </p:nvPicPr>
+        <p:blipFill>
+          <a:blip r:embed="rId2" cstate="print">
+            <a:alphaModFix/>
+            <a:lum/>
+          </a:blip>
+          <a:srcRect/>
+          <a:stretch>
+            <a:fillRect/>
+          </a:stretch>
+        </p:blipFill>
+        <p:spPr>
+          <a:xfrm>
+            <a:off x="5364088" y="3284984"/>
+            <a:ext cx="3552120" cy="3327839"/>
+          </a:xfrm>
+          <a:prstGeom prst="rect">
+            <a:avLst/>
+          </a:prstGeom>
+          <a:noFill/>
+          <a:ln>
+            <a:noFill/>
+          </a:ln>
+        </p:spPr>
+      </p:pic>
+      <p:pic>
+        <p:nvPicPr>
+          <p:cNvPr id="8" name="Image 7"/>
+          <p:cNvPicPr>
+            <a:picLocks noChangeAspect="1"/>
+          </p:cNvPicPr>
+          <p:nvPr/>
+        </p:nvPicPr>
+        <p:blipFill>
+          <a:blip r:embed="rId3" cstate="print">
+            <a:alphaModFix/>
+            <a:lum/>
+          </a:blip>
+          <a:srcRect/>
+          <a:stretch>
+            <a:fillRect/>
+          </a:stretch>
+        </p:blipFill>
+        <p:spPr>
+          <a:xfrm>
+            <a:off x="611560" y="5013176"/>
+            <a:ext cx="3420000" cy="903599"/>
+          </a:xfrm>
+          <a:prstGeom prst="rect">
+            <a:avLst/>
+          </a:prstGeom>
+          <a:noFill/>
+          <a:ln>
+            <a:noFill/>
+          </a:ln>
+        </p:spPr>
+      </p:pic>
     </p:spTree>
   </p:cSld>
   <p:clrMapOvr>
@@ -6252,6 +7048,285 @@
 </file>
 
 <file path=ppt/slides/slide5.xml><?xml version="1.0" encoding="utf-8"?>
+<p:sld xmlns:a="http://schemas.openxmlformats.org/drawingml/2006/main" xmlns:r="http://schemas.openxmlformats.org/officeDocument/2006/relationships" xmlns:p="http://schemas.openxmlformats.org/presentationml/2006/main">
+  <p:cSld>
+    <p:spTree>
+      <p:nvGrpSpPr>
+        <p:cNvPr id="1" name=""/>
+        <p:cNvGrpSpPr/>
+        <p:nvPr/>
+      </p:nvGrpSpPr>
+      <p:grpSpPr>
+        <a:xfrm>
+          <a:off x="0" y="0"/>
+          <a:ext cx="0" cy="0"/>
+          <a:chOff x="0" y="0"/>
+          <a:chExt cx="0" cy="0"/>
+        </a:xfrm>
+      </p:grpSpPr>
+      <p:sp>
+        <p:nvSpPr>
+          <p:cNvPr id="3" name="Titre 2"/>
+          <p:cNvSpPr>
+            <a:spLocks noGrp="1"/>
+          </p:cNvSpPr>
+          <p:nvPr>
+            <p:ph type="title"/>
+          </p:nvPr>
+        </p:nvSpPr>
+        <p:spPr/>
+        <p:txBody>
+          <a:bodyPr/>
+          <a:lstStyle/>
+          <a:p>
+            <a:pPr algn="ctr"/>
+            <a:r>
+              <a:rPr lang="fr-FR" dirty="0" smtClean="0"/>
+              <a:t>Plan général</a:t>
+            </a:r>
+            <a:endParaRPr lang="fr-FR" dirty="0"/>
+          </a:p>
+        </p:txBody>
+      </p:sp>
+      <p:sp>
+        <p:nvSpPr>
+          <p:cNvPr id="4" name="ZoneTexte 3"/>
+          <p:cNvSpPr txBox="1"/>
+          <p:nvPr/>
+        </p:nvSpPr>
+        <p:spPr>
+          <a:xfrm>
+            <a:off x="1187624" y="2204864"/>
+            <a:ext cx="7416824" cy="1754326"/>
+          </a:xfrm>
+          <a:prstGeom prst="rect">
+            <a:avLst/>
+          </a:prstGeom>
+          <a:noFill/>
+        </p:spPr>
+        <p:txBody>
+          <a:bodyPr wrap="square" rtlCol="0">
+            <a:spAutoFit/>
+          </a:bodyPr>
+          <a:lstStyle/>
+          <a:p>
+            <a:pPr marL="400050" indent="-400050">
+              <a:buAutoNum type="romanUcPeriod"/>
+            </a:pPr>
+            <a:r>
+              <a:rPr lang="fr-FR" sz="3600" dirty="0" smtClean="0"/>
+              <a:t>Mise en place du projet</a:t>
+            </a:r>
+          </a:p>
+          <a:p>
+            <a:pPr marL="400050" indent="-400050">
+              <a:buAutoNum type="romanUcPeriod"/>
+            </a:pPr>
+            <a:endParaRPr lang="fr-FR" sz="3600" dirty="0" smtClean="0"/>
+          </a:p>
+          <a:p>
+            <a:pPr marL="400050" indent="-400050">
+              <a:buAutoNum type="romanUcPeriod"/>
+            </a:pPr>
+            <a:r>
+              <a:rPr lang="fr-FR" sz="3600" dirty="0" smtClean="0"/>
+              <a:t>Etat d’avancement du projet</a:t>
+            </a:r>
+            <a:endParaRPr lang="fr-FR" sz="3600" dirty="0"/>
+          </a:p>
+        </p:txBody>
+      </p:sp>
+    </p:spTree>
+  </p:cSld>
+  <p:clrMapOvr>
+    <a:masterClrMapping/>
+  </p:clrMapOvr>
+  <p:timing>
+    <p:tnLst>
+      <p:par>
+        <p:cTn id="1" dur="indefinite" restart="never" nodeType="tmRoot"/>
+      </p:par>
+    </p:tnLst>
+  </p:timing>
+</p:sld>
+</file>
+
+<file path=ppt/slides/slide6.xml><?xml version="1.0" encoding="utf-8"?>
+<p:sld xmlns:a="http://schemas.openxmlformats.org/drawingml/2006/main" xmlns:r="http://schemas.openxmlformats.org/officeDocument/2006/relationships" xmlns:p="http://schemas.openxmlformats.org/presentationml/2006/main">
+  <p:cSld>
+    <p:spTree>
+      <p:nvGrpSpPr>
+        <p:cNvPr id="1" name=""/>
+        <p:cNvGrpSpPr/>
+        <p:nvPr/>
+      </p:nvGrpSpPr>
+      <p:grpSpPr>
+        <a:xfrm>
+          <a:off x="0" y="0"/>
+          <a:ext cx="0" cy="0"/>
+          <a:chOff x="0" y="0"/>
+          <a:chExt cx="0" cy="0"/>
+        </a:xfrm>
+      </p:grpSpPr>
+      <p:sp>
+        <p:nvSpPr>
+          <p:cNvPr id="4" name="Rectangle 3"/>
+          <p:cNvSpPr/>
+          <p:nvPr/>
+        </p:nvSpPr>
+        <p:spPr>
+          <a:xfrm>
+            <a:off x="827584" y="1582341"/>
+            <a:ext cx="8064896" cy="2862322"/>
+          </a:xfrm>
+          <a:prstGeom prst="rect">
+            <a:avLst/>
+          </a:prstGeom>
+        </p:spPr>
+        <p:txBody>
+          <a:bodyPr wrap="square">
+            <a:spAutoFit/>
+          </a:bodyPr>
+          <a:lstStyle/>
+          <a:p>
+            <a:pPr>
+              <a:buFontTx/>
+              <a:buChar char="-"/>
+            </a:pPr>
+            <a:r>
+              <a:rPr lang="fr-FR" dirty="0" smtClean="0"/>
+              <a:t> Rencontre avec le tuteur (M. Thierry </a:t>
+            </a:r>
+            <a:r>
+              <a:rPr lang="fr-FR" dirty="0" err="1" smtClean="0"/>
+              <a:t>Duffar</a:t>
+            </a:r>
+            <a:r>
+              <a:rPr lang="fr-FR" dirty="0" smtClean="0"/>
+              <a:t>) pour l'élaboration du cahier des charges</a:t>
+            </a:r>
+          </a:p>
+          <a:p>
+            <a:pPr>
+              <a:buFontTx/>
+              <a:buChar char="-"/>
+            </a:pPr>
+            <a:endParaRPr lang="fr-FR" dirty="0" smtClean="0"/>
+          </a:p>
+          <a:p>
+            <a:pPr>
+              <a:buFontTx/>
+              <a:buChar char="-"/>
+            </a:pPr>
+            <a:endParaRPr lang="fr-FR" dirty="0" smtClean="0"/>
+          </a:p>
+          <a:p>
+            <a:r>
+              <a:rPr lang="fr-FR" dirty="0"/>
+              <a:t>-</a:t>
+            </a:r>
+            <a:r>
+              <a:rPr lang="fr-FR" dirty="0" smtClean="0"/>
+              <a:t> Plusieurs contraintes sont apparues : temps, budget, réalisation ; </a:t>
+            </a:r>
+          </a:p>
+          <a:p>
+            <a:r>
+              <a:rPr lang="fr-FR" dirty="0"/>
+              <a:t>	</a:t>
+            </a:r>
+            <a:r>
+              <a:rPr lang="fr-FR" dirty="0" smtClean="0"/>
+              <a:t>Choix d'une méthode peu abrasive, peu coûteuse et facile à       	réaliser</a:t>
+            </a:r>
+          </a:p>
+          <a:p>
+            <a:endParaRPr lang="fr-FR" dirty="0" smtClean="0"/>
+          </a:p>
+          <a:p>
+            <a:endParaRPr lang="fr-FR" dirty="0" smtClean="0"/>
+          </a:p>
+          <a:p>
+            <a:r>
+              <a:rPr lang="fr-FR" dirty="0" smtClean="0"/>
+              <a:t>- Listing et organisation des tâches à réaliser pour le projet:</a:t>
+            </a:r>
+          </a:p>
+        </p:txBody>
+      </p:sp>
+      <p:sp>
+        <p:nvSpPr>
+          <p:cNvPr id="5" name="ZoneTexte 4"/>
+          <p:cNvSpPr txBox="1"/>
+          <p:nvPr/>
+        </p:nvSpPr>
+        <p:spPr>
+          <a:xfrm>
+            <a:off x="1259632" y="332656"/>
+            <a:ext cx="6840760" cy="707886"/>
+          </a:xfrm>
+          <a:prstGeom prst="rect">
+            <a:avLst/>
+          </a:prstGeom>
+          <a:noFill/>
+        </p:spPr>
+        <p:txBody>
+          <a:bodyPr wrap="square" rtlCol="0">
+            <a:spAutoFit/>
+          </a:bodyPr>
+          <a:lstStyle/>
+          <a:p>
+            <a:pPr algn="ctr"/>
+            <a:r>
+              <a:rPr lang="fr-FR" sz="4000" dirty="0" smtClean="0">
+                <a:solidFill>
+                  <a:schemeClr val="bg2">
+                    <a:lumMod val="25000"/>
+                  </a:schemeClr>
+                </a:solidFill>
+                <a:effectLst>
+                  <a:outerShdw blurRad="38100" dist="38100" dir="2700000" algn="tl">
+                    <a:srgbClr val="000000">
+                      <a:alpha val="43137"/>
+                    </a:srgbClr>
+                  </a:outerShdw>
+                </a:effectLst>
+              </a:rPr>
+              <a:t>I. Mise en place du projet</a:t>
+            </a:r>
+            <a:endParaRPr lang="fr-FR" sz="4000" dirty="0">
+              <a:solidFill>
+                <a:schemeClr val="bg2">
+                  <a:lumMod val="25000"/>
+                </a:schemeClr>
+              </a:solidFill>
+              <a:effectLst>
+                <a:outerShdw blurRad="38100" dist="38100" dir="2700000" algn="tl">
+                  <a:srgbClr val="000000">
+                    <a:alpha val="43137"/>
+                  </a:srgbClr>
+                </a:outerShdw>
+              </a:effectLst>
+            </a:endParaRPr>
+          </a:p>
+        </p:txBody>
+      </p:sp>
+    </p:spTree>
+  </p:cSld>
+  <p:clrMapOvr>
+    <a:masterClrMapping/>
+  </p:clrMapOvr>
+  <p:timing>
+    <p:tnLst>
+      <p:par>
+        <p:cTn id="1" dur="indefinite" restart="never" nodeType="tmRoot"/>
+      </p:par>
+    </p:tnLst>
+  </p:timing>
+</p:sld>
+</file>
+
+<file path=ppt/slides/slide7.xml><?xml version="1.0" encoding="utf-8"?>
 <p:sld xmlns:a="http://schemas.openxmlformats.org/drawingml/2006/main" xmlns:r="http://schemas.openxmlformats.org/officeDocument/2006/relationships" xmlns:p="http://schemas.openxmlformats.org/presentationml/2006/main">
   <p:cSld>
     <p:spTree>
@@ -6337,574 +7412,6 @@
 </p:sld>
 </file>
 
-<file path=ppt/slides/slide6.xml><?xml version="1.0" encoding="utf-8"?>
-<p:sld xmlns:a="http://schemas.openxmlformats.org/drawingml/2006/main" xmlns:r="http://schemas.openxmlformats.org/officeDocument/2006/relationships" xmlns:p="http://schemas.openxmlformats.org/presentationml/2006/main">
-  <p:cSld>
-    <p:spTree>
-      <p:nvGrpSpPr>
-        <p:cNvPr id="1" name=""/>
-        <p:cNvGrpSpPr/>
-        <p:nvPr/>
-      </p:nvGrpSpPr>
-      <p:grpSpPr>
-        <a:xfrm>
-          <a:off x="0" y="0"/>
-          <a:ext cx="0" cy="0"/>
-          <a:chOff x="0" y="0"/>
-          <a:chExt cx="0" cy="0"/>
-        </a:xfrm>
-      </p:grpSpPr>
-      <p:sp>
-        <p:nvSpPr>
-          <p:cNvPr id="4" name="ZoneTexte 3"/>
-          <p:cNvSpPr txBox="1"/>
-          <p:nvPr/>
-        </p:nvSpPr>
-        <p:spPr>
-          <a:xfrm>
-            <a:off x="2483768" y="332656"/>
-            <a:ext cx="4032448" cy="461665"/>
-          </a:xfrm>
-          <a:prstGeom prst="rect">
-            <a:avLst/>
-          </a:prstGeom>
-          <a:noFill/>
-        </p:spPr>
-        <p:txBody>
-          <a:bodyPr wrap="square" rtlCol="0">
-            <a:spAutoFit/>
-          </a:bodyPr>
-          <a:lstStyle/>
-          <a:p>
-            <a:r>
-              <a:rPr lang="fr-FR" sz="2400" dirty="0" smtClean="0">
-                <a:solidFill>
-                  <a:schemeClr val="tx1">
-                    <a:lumMod val="65000"/>
-                    <a:lumOff val="35000"/>
-                  </a:schemeClr>
-                </a:solidFill>
-                <a:effectLst>
-                  <a:outerShdw blurRad="38100" dist="38100" dir="2700000" algn="tl">
-                    <a:srgbClr val="000000">
-                      <a:alpha val="43137"/>
-                    </a:srgbClr>
-                  </a:outerShdw>
-                </a:effectLst>
-              </a:rPr>
-              <a:t>DÉSIGNATION DES RÔLES</a:t>
-            </a:r>
-            <a:endParaRPr lang="fr-FR" sz="2400" dirty="0">
-              <a:solidFill>
-                <a:schemeClr val="tx1">
-                  <a:lumMod val="65000"/>
-                  <a:lumOff val="35000"/>
-                </a:schemeClr>
-              </a:solidFill>
-              <a:effectLst>
-                <a:outerShdw blurRad="38100" dist="38100" dir="2700000" algn="tl">
-                  <a:srgbClr val="000000">
-                    <a:alpha val="43137"/>
-                  </a:srgbClr>
-                </a:outerShdw>
-              </a:effectLst>
-            </a:endParaRPr>
-          </a:p>
-        </p:txBody>
-      </p:sp>
-      <p:sp>
-        <p:nvSpPr>
-          <p:cNvPr id="5" name="ZoneTexte 4"/>
-          <p:cNvSpPr txBox="1"/>
-          <p:nvPr/>
-        </p:nvSpPr>
-        <p:spPr>
-          <a:xfrm>
-            <a:off x="539552" y="908720"/>
-            <a:ext cx="6264696" cy="369332"/>
-          </a:xfrm>
-          <a:prstGeom prst="rect">
-            <a:avLst/>
-          </a:prstGeom>
-          <a:noFill/>
-        </p:spPr>
-        <p:txBody>
-          <a:bodyPr wrap="square" rtlCol="0">
-            <a:spAutoFit/>
-          </a:bodyPr>
-          <a:lstStyle/>
-          <a:p>
-            <a:r>
-              <a:rPr lang="fr-FR" dirty="0" smtClean="0"/>
-              <a:t>- en fonction des facilités et affinités de chacun</a:t>
-            </a:r>
-            <a:endParaRPr lang="fr-FR" dirty="0"/>
-          </a:p>
-        </p:txBody>
-      </p:sp>
-      <p:sp>
-        <p:nvSpPr>
-          <p:cNvPr id="6" name="ZoneTexte 5"/>
-          <p:cNvSpPr txBox="1"/>
-          <p:nvPr/>
-        </p:nvSpPr>
-        <p:spPr>
-          <a:xfrm>
-            <a:off x="467544" y="1916832"/>
-            <a:ext cx="8424936" cy="1200329"/>
-          </a:xfrm>
-          <a:prstGeom prst="rect">
-            <a:avLst/>
-          </a:prstGeom>
-          <a:noFill/>
-        </p:spPr>
-        <p:txBody>
-          <a:bodyPr wrap="square" rtlCol="0">
-            <a:spAutoFit/>
-          </a:bodyPr>
-          <a:lstStyle/>
-          <a:p>
-            <a:r>
-              <a:rPr lang="fr-FR" b="1" dirty="0" smtClean="0">
-                <a:effectLst>
-                  <a:outerShdw blurRad="38100" dist="38100" dir="2700000" algn="tl">
-                    <a:srgbClr val="000000">
-                      <a:alpha val="43137"/>
-                    </a:srgbClr>
-                  </a:outerShdw>
-                </a:effectLst>
-              </a:rPr>
-              <a:t>Anthony </a:t>
-            </a:r>
-            <a:r>
-              <a:rPr lang="fr-FR" b="1" dirty="0" err="1" smtClean="0">
-                <a:effectLst>
-                  <a:outerShdw blurRad="38100" dist="38100" dir="2700000" algn="tl">
-                    <a:srgbClr val="000000">
-                      <a:alpha val="43137"/>
-                    </a:srgbClr>
-                  </a:outerShdw>
-                </a:effectLst>
-              </a:rPr>
-              <a:t>Bucquet</a:t>
-            </a:r>
-            <a:r>
-              <a:rPr lang="fr-FR" b="1" dirty="0" smtClean="0">
-                <a:effectLst>
-                  <a:outerShdw blurRad="38100" dist="38100" dir="2700000" algn="tl">
-                    <a:srgbClr val="000000">
-                      <a:alpha val="43137"/>
-                    </a:srgbClr>
-                  </a:outerShdw>
-                </a:effectLst>
-              </a:rPr>
-              <a:t>: </a:t>
-            </a:r>
-          </a:p>
-          <a:p>
-            <a:r>
-              <a:rPr lang="fr-FR" dirty="0"/>
-              <a:t>C</a:t>
-            </a:r>
-            <a:r>
-              <a:rPr lang="fr-FR" dirty="0" smtClean="0"/>
-              <a:t>hef du projet, connaissance préalable de la bibliothèque </a:t>
-            </a:r>
-            <a:r>
-              <a:rPr lang="fr-FR" dirty="0" err="1" smtClean="0"/>
-              <a:t>OpenGL</a:t>
-            </a:r>
-            <a:r>
-              <a:rPr lang="fr-FR" dirty="0" smtClean="0"/>
-              <a:t>, expérience de programmation en environnement 3D, correction/amélioration des codes de chacun, interface globale</a:t>
-            </a:r>
-            <a:endParaRPr lang="fr-FR" dirty="0"/>
-          </a:p>
-        </p:txBody>
-      </p:sp>
-      <p:sp>
-        <p:nvSpPr>
-          <p:cNvPr id="7" name="ZoneTexte 6"/>
-          <p:cNvSpPr txBox="1"/>
-          <p:nvPr/>
-        </p:nvSpPr>
-        <p:spPr>
-          <a:xfrm>
-            <a:off x="467544" y="3717032"/>
-            <a:ext cx="7992888" cy="1200329"/>
-          </a:xfrm>
-          <a:prstGeom prst="rect">
-            <a:avLst/>
-          </a:prstGeom>
-          <a:noFill/>
-        </p:spPr>
-        <p:txBody>
-          <a:bodyPr wrap="square" rtlCol="0">
-            <a:spAutoFit/>
-          </a:bodyPr>
-          <a:lstStyle/>
-          <a:p>
-            <a:r>
-              <a:rPr lang="fr-FR" b="1" dirty="0" smtClean="0">
-                <a:effectLst>
-                  <a:outerShdw blurRad="38100" dist="38100" dir="2700000" algn="tl">
-                    <a:srgbClr val="000000">
-                      <a:alpha val="43137"/>
-                    </a:srgbClr>
-                  </a:outerShdw>
-                </a:effectLst>
-              </a:rPr>
-              <a:t>Gwénaëlle Hamon:</a:t>
-            </a:r>
-          </a:p>
-          <a:p>
-            <a:r>
-              <a:rPr lang="fr-FR" dirty="0" smtClean="0"/>
-              <a:t>Responsable partie cristallographie, meilleures notions de chimie que les autres membres du groupe (Prépa PC), création de la structure maille</a:t>
-            </a:r>
-            <a:endParaRPr lang="fr-FR" dirty="0"/>
-          </a:p>
-        </p:txBody>
-      </p:sp>
-    </p:spTree>
-  </p:cSld>
-  <p:clrMapOvr>
-    <a:masterClrMapping/>
-  </p:clrMapOvr>
-  <p:timing>
-    <p:tnLst>
-      <p:par>
-        <p:cTn id="1" dur="indefinite" restart="never" nodeType="tmRoot"/>
-      </p:par>
-    </p:tnLst>
-  </p:timing>
-</p:sld>
-</file>
-
-<file path=ppt/slides/slide7.xml><?xml version="1.0" encoding="utf-8"?>
-<p:sld xmlns:a="http://schemas.openxmlformats.org/drawingml/2006/main" xmlns:r="http://schemas.openxmlformats.org/officeDocument/2006/relationships" xmlns:p="http://schemas.openxmlformats.org/presentationml/2006/main">
-  <p:cSld>
-    <p:spTree>
-      <p:nvGrpSpPr>
-        <p:cNvPr id="1" name=""/>
-        <p:cNvGrpSpPr/>
-        <p:nvPr/>
-      </p:nvGrpSpPr>
-      <p:grpSpPr>
-        <a:xfrm>
-          <a:off x="0" y="0"/>
-          <a:ext cx="0" cy="0"/>
-          <a:chOff x="0" y="0"/>
-          <a:chExt cx="0" cy="0"/>
-        </a:xfrm>
-      </p:grpSpPr>
-      <p:sp>
-        <p:nvSpPr>
-          <p:cNvPr id="4" name="ZoneTexte 3"/>
-          <p:cNvSpPr txBox="1"/>
-          <p:nvPr/>
-        </p:nvSpPr>
-        <p:spPr>
-          <a:xfrm>
-            <a:off x="2483768" y="332656"/>
-            <a:ext cx="4032448" cy="461665"/>
-          </a:xfrm>
-          <a:prstGeom prst="rect">
-            <a:avLst/>
-          </a:prstGeom>
-          <a:noFill/>
-        </p:spPr>
-        <p:txBody>
-          <a:bodyPr wrap="square" rtlCol="0">
-            <a:spAutoFit/>
-          </a:bodyPr>
-          <a:lstStyle/>
-          <a:p>
-            <a:r>
-              <a:rPr lang="fr-FR" sz="2400" dirty="0" smtClean="0">
-                <a:solidFill>
-                  <a:schemeClr val="tx1">
-                    <a:lumMod val="65000"/>
-                    <a:lumOff val="35000"/>
-                  </a:schemeClr>
-                </a:solidFill>
-                <a:effectLst>
-                  <a:outerShdw blurRad="38100" dist="38100" dir="2700000" algn="tl">
-                    <a:srgbClr val="000000">
-                      <a:alpha val="43137"/>
-                    </a:srgbClr>
-                  </a:outerShdw>
-                </a:effectLst>
-              </a:rPr>
-              <a:t>DÉSIGNATION DES RÔLES</a:t>
-            </a:r>
-            <a:endParaRPr lang="fr-FR" sz="2400" dirty="0">
-              <a:solidFill>
-                <a:schemeClr val="tx1">
-                  <a:lumMod val="65000"/>
-                  <a:lumOff val="35000"/>
-                </a:schemeClr>
-              </a:solidFill>
-              <a:effectLst>
-                <a:outerShdw blurRad="38100" dist="38100" dir="2700000" algn="tl">
-                  <a:srgbClr val="000000">
-                    <a:alpha val="43137"/>
-                  </a:srgbClr>
-                </a:outerShdw>
-              </a:effectLst>
-            </a:endParaRPr>
-          </a:p>
-        </p:txBody>
-      </p:sp>
-      <p:sp>
-        <p:nvSpPr>
-          <p:cNvPr id="5" name="ZoneTexte 4"/>
-          <p:cNvSpPr txBox="1"/>
-          <p:nvPr/>
-        </p:nvSpPr>
-        <p:spPr>
-          <a:xfrm>
-            <a:off x="539552" y="908720"/>
-            <a:ext cx="6264696" cy="369332"/>
-          </a:xfrm>
-          <a:prstGeom prst="rect">
-            <a:avLst/>
-          </a:prstGeom>
-          <a:noFill/>
-        </p:spPr>
-        <p:txBody>
-          <a:bodyPr wrap="square" rtlCol="0">
-            <a:spAutoFit/>
-          </a:bodyPr>
-          <a:lstStyle/>
-          <a:p>
-            <a:r>
-              <a:rPr lang="fr-FR" dirty="0" smtClean="0"/>
-              <a:t>- en fonction des facilités et affinités de chacun</a:t>
-            </a:r>
-            <a:endParaRPr lang="fr-FR" dirty="0"/>
-          </a:p>
-        </p:txBody>
-      </p:sp>
-      <p:sp>
-        <p:nvSpPr>
-          <p:cNvPr id="9" name="ZoneTexte 8"/>
-          <p:cNvSpPr txBox="1"/>
-          <p:nvPr/>
-        </p:nvSpPr>
-        <p:spPr>
-          <a:xfrm>
-            <a:off x="539552" y="3068960"/>
-            <a:ext cx="8352928" cy="1200329"/>
-          </a:xfrm>
-          <a:prstGeom prst="rect">
-            <a:avLst/>
-          </a:prstGeom>
-          <a:noFill/>
-        </p:spPr>
-        <p:txBody>
-          <a:bodyPr wrap="square" rtlCol="0">
-            <a:spAutoFit/>
-          </a:bodyPr>
-          <a:lstStyle/>
-          <a:p>
-            <a:r>
-              <a:rPr lang="fr-FR" b="1" dirty="0" smtClean="0">
-                <a:effectLst>
-                  <a:outerShdw blurRad="38100" dist="38100" dir="2700000" algn="tl">
-                    <a:srgbClr val="000000">
-                      <a:alpha val="43137"/>
-                    </a:srgbClr>
-                  </a:outerShdw>
-                </a:effectLst>
-              </a:rPr>
-              <a:t>Quentin </a:t>
-            </a:r>
-            <a:r>
-              <a:rPr lang="fr-FR" b="1" dirty="0" err="1" smtClean="0">
-                <a:effectLst>
-                  <a:outerShdw blurRad="38100" dist="38100" dir="2700000" algn="tl">
-                    <a:srgbClr val="000000">
-                      <a:alpha val="43137"/>
-                    </a:srgbClr>
-                  </a:outerShdw>
-                </a:effectLst>
-              </a:rPr>
-              <a:t>Lataud</a:t>
-            </a:r>
-            <a:r>
-              <a:rPr lang="fr-FR" b="1" dirty="0" smtClean="0">
-                <a:effectLst>
-                  <a:outerShdw blurRad="38100" dist="38100" dir="2700000" algn="tl">
-                    <a:srgbClr val="000000">
-                      <a:alpha val="43137"/>
-                    </a:srgbClr>
-                  </a:outerShdw>
-                </a:effectLst>
-              </a:rPr>
-              <a:t>:</a:t>
-            </a:r>
-          </a:p>
-          <a:p>
-            <a:r>
-              <a:rPr lang="fr-FR" dirty="0" smtClean="0"/>
-              <a:t>Responsable communication (film de présentation du logiciel finalisé)</a:t>
-            </a:r>
-          </a:p>
-          <a:p>
-            <a:r>
-              <a:rPr lang="fr-FR" dirty="0" smtClean="0"/>
-              <a:t>+ écriture de l’algorithme de lecture des fichiers .</a:t>
-            </a:r>
-            <a:r>
-              <a:rPr lang="fr-FR" dirty="0" err="1" smtClean="0"/>
-              <a:t>cif</a:t>
-            </a:r>
-            <a:r>
-              <a:rPr lang="fr-FR" dirty="0" smtClean="0"/>
-              <a:t> (</a:t>
-            </a:r>
-            <a:r>
-              <a:rPr lang="fr-FR" dirty="0" err="1" smtClean="0"/>
-              <a:t>crystallography</a:t>
-            </a:r>
-            <a:r>
-              <a:rPr lang="fr-FR" dirty="0" smtClean="0"/>
-              <a:t> international file)</a:t>
-            </a:r>
-            <a:endParaRPr lang="fr-FR" dirty="0"/>
-          </a:p>
-        </p:txBody>
-      </p:sp>
-      <p:sp>
-        <p:nvSpPr>
-          <p:cNvPr id="10" name="ZoneTexte 9"/>
-          <p:cNvSpPr txBox="1"/>
-          <p:nvPr/>
-        </p:nvSpPr>
-        <p:spPr>
-          <a:xfrm>
-            <a:off x="539552" y="4725144"/>
-            <a:ext cx="7056784" cy="923330"/>
-          </a:xfrm>
-          <a:prstGeom prst="rect">
-            <a:avLst/>
-          </a:prstGeom>
-          <a:noFill/>
-        </p:spPr>
-        <p:txBody>
-          <a:bodyPr wrap="square" rtlCol="0">
-            <a:spAutoFit/>
-          </a:bodyPr>
-          <a:lstStyle/>
-          <a:p>
-            <a:r>
-              <a:rPr lang="fr-FR" b="1" dirty="0" smtClean="0">
-                <a:effectLst>
-                  <a:outerShdw blurRad="38100" dist="38100" dir="2700000" algn="tl">
-                    <a:srgbClr val="000000">
-                      <a:alpha val="43137"/>
-                    </a:srgbClr>
-                  </a:outerShdw>
-                </a:effectLst>
-              </a:rPr>
-              <a:t>Arnaud Turin:</a:t>
-            </a:r>
-          </a:p>
-          <a:p>
-            <a:r>
-              <a:rPr lang="fr-FR" dirty="0" smtClean="0"/>
-              <a:t>Responsable gestion caméra logicielle + élaboration budget</a:t>
-            </a:r>
-          </a:p>
-          <a:p>
-            <a:endParaRPr lang="fr-FR" dirty="0"/>
-          </a:p>
-        </p:txBody>
-      </p:sp>
-      <p:sp>
-        <p:nvSpPr>
-          <p:cNvPr id="11" name="ZoneTexte 10"/>
-          <p:cNvSpPr txBox="1"/>
-          <p:nvPr/>
-        </p:nvSpPr>
-        <p:spPr>
-          <a:xfrm>
-            <a:off x="539552" y="1700808"/>
-            <a:ext cx="7704856" cy="923330"/>
-          </a:xfrm>
-          <a:prstGeom prst="rect">
-            <a:avLst/>
-          </a:prstGeom>
-          <a:noFill/>
-        </p:spPr>
-        <p:txBody>
-          <a:bodyPr wrap="square" rtlCol="0">
-            <a:spAutoFit/>
-          </a:bodyPr>
-          <a:lstStyle/>
-          <a:p>
-            <a:r>
-              <a:rPr lang="fr-FR" b="1" dirty="0" smtClean="0">
-                <a:effectLst>
-                  <a:outerShdw blurRad="38100" dist="38100" dir="2700000" algn="tl">
-                    <a:srgbClr val="000000">
-                      <a:alpha val="43137"/>
-                    </a:srgbClr>
-                  </a:outerShdw>
-                </a:effectLst>
-              </a:rPr>
-              <a:t>Guillaume </a:t>
-            </a:r>
-            <a:r>
-              <a:rPr lang="fr-FR" b="1" dirty="0" err="1" smtClean="0">
-                <a:effectLst>
-                  <a:outerShdw blurRad="38100" dist="38100" dir="2700000" algn="tl">
-                    <a:srgbClr val="000000">
-                      <a:alpha val="43137"/>
-                    </a:srgbClr>
-                  </a:outerShdw>
-                </a:effectLst>
-              </a:rPr>
-              <a:t>Grippari</a:t>
-            </a:r>
-            <a:r>
-              <a:rPr lang="fr-FR" b="1" dirty="0" smtClean="0">
-                <a:effectLst>
-                  <a:outerShdw blurRad="38100" dist="38100" dir="2700000" algn="tl">
-                    <a:srgbClr val="000000">
-                      <a:alpha val="43137"/>
-                    </a:srgbClr>
-                  </a:outerShdw>
-                </a:effectLst>
-              </a:rPr>
-              <a:t>:</a:t>
-            </a:r>
-          </a:p>
-          <a:p>
-            <a:r>
-              <a:rPr lang="fr-FR" dirty="0" smtClean="0"/>
-              <a:t>Responsable environnement 3D désir de poursuivre dans ce domaine</a:t>
-            </a:r>
-            <a:endParaRPr lang="fr-FR" dirty="0"/>
-          </a:p>
-        </p:txBody>
-      </p:sp>
-    </p:spTree>
-  </p:cSld>
-  <p:clrMapOvr>
-    <a:masterClrMapping/>
-  </p:clrMapOvr>
-  <p:timing>
-    <p:tnLst>
-      <p:par>
-        <p:cTn id="1" dur="indefinite" restart="never" nodeType="tmRoot"/>
-      </p:par>
-    </p:tnLst>
-  </p:timing>
-</p:sld>
-</file>
-
 <file path=ppt/slides/slide8.xml><?xml version="1.0" encoding="utf-8"?>
 <p:sld xmlns:a="http://schemas.openxmlformats.org/drawingml/2006/main" xmlns:r="http://schemas.openxmlformats.org/officeDocument/2006/relationships" xmlns:p="http://schemas.openxmlformats.org/presentationml/2006/main">
   <p:cSld>
@@ -6924,35 +7431,7 @@
       </p:grpSpPr>
       <p:sp>
         <p:nvSpPr>
-          <p:cNvPr id="2" name="Rectangle 1"/>
-          <p:cNvSpPr/>
-          <p:nvPr/>
-        </p:nvSpPr>
-        <p:spPr>
-          <a:xfrm>
-            <a:off x="323528" y="1028343"/>
-            <a:ext cx="8640960" cy="369332"/>
-          </a:xfrm>
-          <a:prstGeom prst="rect">
-            <a:avLst/>
-          </a:prstGeom>
-        </p:spPr>
-        <p:txBody>
-          <a:bodyPr wrap="square">
-            <a:spAutoFit/>
-          </a:bodyPr>
-          <a:lstStyle/>
-          <a:p>
-            <a:r>
-              <a:rPr lang="fr-FR" dirty="0" smtClean="0"/>
-              <a:t>- Un diagramme de GANTT nous aidant à respecter les délais de réalisation </a:t>
-            </a:r>
-          </a:p>
-        </p:txBody>
-      </p:sp>
-      <p:sp>
-        <p:nvSpPr>
-          <p:cNvPr id="3" name="ZoneTexte 2"/>
+          <p:cNvPr id="4" name="ZoneTexte 3"/>
           <p:cNvSpPr txBox="1"/>
           <p:nvPr/>
         </p:nvSpPr>
@@ -6988,7 +7467,7 @@
                   </a:outerShdw>
                 </a:effectLst>
               </a:rPr>
-              <a:t>OUTILS MIS EN PLACE</a:t>
+              <a:t>DÉSIGNATION DES RÔLES</a:t>
             </a:r>
             <a:endParaRPr lang="fr-FR" sz="2400" dirty="0">
               <a:solidFill>
@@ -7008,30 +7487,160 @@
           </a:p>
         </p:txBody>
       </p:sp>
-      <p:pic>
-        <p:nvPicPr>
-          <p:cNvPr id="4" name="Image 3" descr="Gantt.png"/>
-          <p:cNvPicPr>
-            <a:picLocks noChangeAspect="1"/>
-          </p:cNvPicPr>
+      <p:sp>
+        <p:nvSpPr>
+          <p:cNvPr id="5" name="ZoneTexte 4"/>
+          <p:cNvSpPr txBox="1"/>
           <p:nvPr/>
-        </p:nvPicPr>
-        <p:blipFill>
-          <a:blip r:embed="rId2" cstate="print"/>
-          <a:stretch>
-            <a:fillRect/>
-          </a:stretch>
-        </p:blipFill>
+        </p:nvSpPr>
         <p:spPr>
           <a:xfrm>
-            <a:off x="0" y="1768466"/>
-            <a:ext cx="9144000" cy="3532741"/>
+            <a:off x="539552" y="908720"/>
+            <a:ext cx="6264696" cy="369332"/>
           </a:xfrm>
           <a:prstGeom prst="rect">
             <a:avLst/>
           </a:prstGeom>
+          <a:noFill/>
         </p:spPr>
-      </p:pic>
+        <p:txBody>
+          <a:bodyPr wrap="square" rtlCol="0">
+            <a:spAutoFit/>
+          </a:bodyPr>
+          <a:lstStyle/>
+          <a:p>
+            <a:r>
+              <a:rPr lang="fr-FR" dirty="0" smtClean="0"/>
+              <a:t>- en fonction des facilités et affinités de chacun</a:t>
+            </a:r>
+            <a:endParaRPr lang="fr-FR" dirty="0"/>
+          </a:p>
+        </p:txBody>
+      </p:sp>
+      <p:sp>
+        <p:nvSpPr>
+          <p:cNvPr id="6" name="ZoneTexte 5"/>
+          <p:cNvSpPr txBox="1"/>
+          <p:nvPr/>
+        </p:nvSpPr>
+        <p:spPr>
+          <a:xfrm>
+            <a:off x="467544" y="1916832"/>
+            <a:ext cx="8424936" cy="1200329"/>
+          </a:xfrm>
+          <a:prstGeom prst="rect">
+            <a:avLst/>
+          </a:prstGeom>
+          <a:noFill/>
+        </p:spPr>
+        <p:txBody>
+          <a:bodyPr wrap="square" rtlCol="0">
+            <a:spAutoFit/>
+          </a:bodyPr>
+          <a:lstStyle/>
+          <a:p>
+            <a:r>
+              <a:rPr lang="fr-FR" b="1" dirty="0" smtClean="0">
+                <a:effectLst>
+                  <a:outerShdw blurRad="38100" dist="38100" dir="2700000" algn="tl">
+                    <a:srgbClr val="000000">
+                      <a:alpha val="43137"/>
+                    </a:srgbClr>
+                  </a:outerShdw>
+                </a:effectLst>
+              </a:rPr>
+              <a:t>Anthony </a:t>
+            </a:r>
+            <a:r>
+              <a:rPr lang="fr-FR" b="1" dirty="0" err="1" smtClean="0">
+                <a:effectLst>
+                  <a:outerShdw blurRad="38100" dist="38100" dir="2700000" algn="tl">
+                    <a:srgbClr val="000000">
+                      <a:alpha val="43137"/>
+                    </a:srgbClr>
+                  </a:outerShdw>
+                </a:effectLst>
+              </a:rPr>
+              <a:t>Bucquet</a:t>
+            </a:r>
+            <a:r>
+              <a:rPr lang="fr-FR" b="1" dirty="0" smtClean="0">
+                <a:effectLst>
+                  <a:outerShdw blurRad="38100" dist="38100" dir="2700000" algn="tl">
+                    <a:srgbClr val="000000">
+                      <a:alpha val="43137"/>
+                    </a:srgbClr>
+                  </a:outerShdw>
+                </a:effectLst>
+              </a:rPr>
+              <a:t>: </a:t>
+            </a:r>
+          </a:p>
+          <a:p>
+            <a:r>
+              <a:rPr lang="fr-FR" dirty="0"/>
+              <a:t>C</a:t>
+            </a:r>
+            <a:r>
+              <a:rPr lang="fr-FR" dirty="0" smtClean="0"/>
+              <a:t>hef du projet, connaissance préalable de la bibliothèque </a:t>
+            </a:r>
+            <a:r>
+              <a:rPr lang="fr-FR" dirty="0" err="1" smtClean="0"/>
+              <a:t>OpenGL</a:t>
+            </a:r>
+            <a:r>
+              <a:rPr lang="fr-FR" dirty="0" smtClean="0"/>
+              <a:t>, expérience de programmation en environnement 3D, correction/amélioration des codes de chacun, interface globale</a:t>
+            </a:r>
+            <a:endParaRPr lang="fr-FR" dirty="0"/>
+          </a:p>
+        </p:txBody>
+      </p:sp>
+      <p:sp>
+        <p:nvSpPr>
+          <p:cNvPr id="7" name="ZoneTexte 6"/>
+          <p:cNvSpPr txBox="1"/>
+          <p:nvPr/>
+        </p:nvSpPr>
+        <p:spPr>
+          <a:xfrm>
+            <a:off x="467544" y="3717032"/>
+            <a:ext cx="7992888" cy="1200329"/>
+          </a:xfrm>
+          <a:prstGeom prst="rect">
+            <a:avLst/>
+          </a:prstGeom>
+          <a:noFill/>
+        </p:spPr>
+        <p:txBody>
+          <a:bodyPr wrap="square" rtlCol="0">
+            <a:spAutoFit/>
+          </a:bodyPr>
+          <a:lstStyle/>
+          <a:p>
+            <a:r>
+              <a:rPr lang="fr-FR" b="1" dirty="0" smtClean="0">
+                <a:effectLst>
+                  <a:outerShdw blurRad="38100" dist="38100" dir="2700000" algn="tl">
+                    <a:srgbClr val="000000">
+                      <a:alpha val="43137"/>
+                    </a:srgbClr>
+                  </a:outerShdw>
+                </a:effectLst>
+              </a:rPr>
+              <a:t>Gwénaëlle Hamon:</a:t>
+            </a:r>
+          </a:p>
+          <a:p>
+            <a:r>
+              <a:rPr lang="fr-FR" dirty="0" smtClean="0"/>
+              <a:t>Responsable partie cristallographie, meilleures notions de chimie que les autres membres du groupe (Prépa PC), création de la structure maille</a:t>
+            </a:r>
+            <a:endParaRPr lang="fr-FR" dirty="0"/>
+          </a:p>
+        </p:txBody>
+      </p:sp>
     </p:spTree>
   </p:cSld>
   <p:clrMapOvr>
@@ -7066,7 +7675,7 @@
       </p:grpSpPr>
       <p:sp>
         <p:nvSpPr>
-          <p:cNvPr id="2" name="ZoneTexte 1"/>
+          <p:cNvPr id="4" name="ZoneTexte 3"/>
           <p:cNvSpPr txBox="1"/>
           <p:nvPr/>
         </p:nvSpPr>
@@ -7102,7 +7711,7 @@
                   </a:outerShdw>
                 </a:effectLst>
               </a:rPr>
-              <a:t>OUTILS MIS EN PLACE</a:t>
+              <a:t>DÉSIGNATION DES RÔLES</a:t>
             </a:r>
             <a:endParaRPr lang="fr-FR" sz="2400" dirty="0">
               <a:solidFill>
@@ -7124,75 +7733,233 @@
       </p:sp>
       <p:sp>
         <p:nvSpPr>
-          <p:cNvPr id="4" name="Rectangle 3"/>
-          <p:cNvSpPr/>
+          <p:cNvPr id="5" name="ZoneTexte 4"/>
+          <p:cNvSpPr txBox="1"/>
           <p:nvPr/>
         </p:nvSpPr>
         <p:spPr>
           <a:xfrm>
-            <a:off x="395536" y="1844824"/>
-            <a:ext cx="8352928" cy="2862322"/>
+            <a:off x="539552" y="908720"/>
+            <a:ext cx="6264696" cy="369332"/>
           </a:xfrm>
           <a:prstGeom prst="rect">
             <a:avLst/>
           </a:prstGeom>
+          <a:noFill/>
         </p:spPr>
         <p:txBody>
-          <a:bodyPr wrap="square">
+          <a:bodyPr wrap="square" rtlCol="0">
             <a:spAutoFit/>
           </a:bodyPr>
           <a:lstStyle/>
           <a:p>
             <a:r>
               <a:rPr lang="fr-FR" dirty="0" smtClean="0"/>
-              <a:t>- Ouverture d’un forum (http://cristallo3d.forumsactifs.com/)</a:t>
+              <a:t>- en fonction des facilités et affinités de chacun</a:t>
+            </a:r>
+            <a:endParaRPr lang="fr-FR" dirty="0"/>
+          </a:p>
+        </p:txBody>
+      </p:sp>
+      <p:sp>
+        <p:nvSpPr>
+          <p:cNvPr id="9" name="ZoneTexte 8"/>
+          <p:cNvSpPr txBox="1"/>
+          <p:nvPr/>
+        </p:nvSpPr>
+        <p:spPr>
+          <a:xfrm>
+            <a:off x="539552" y="3068960"/>
+            <a:ext cx="8352928" cy="1200329"/>
+          </a:xfrm>
+          <a:prstGeom prst="rect">
+            <a:avLst/>
+          </a:prstGeom>
+          <a:noFill/>
+        </p:spPr>
+        <p:txBody>
+          <a:bodyPr wrap="square" rtlCol="0">
+            <a:spAutoFit/>
+          </a:bodyPr>
+          <a:lstStyle/>
+          <a:p>
+            <a:r>
+              <a:rPr lang="fr-FR" b="1" dirty="0" smtClean="0">
+                <a:effectLst>
+                  <a:outerShdw blurRad="38100" dist="38100" dir="2700000" algn="tl">
+                    <a:srgbClr val="000000">
+                      <a:alpha val="43137"/>
+                    </a:srgbClr>
+                  </a:outerShdw>
+                </a:effectLst>
+              </a:rPr>
+              <a:t>Quentin </a:t>
+            </a:r>
+            <a:r>
+              <a:rPr lang="fr-FR" b="1" dirty="0" err="1" smtClean="0">
+                <a:effectLst>
+                  <a:outerShdw blurRad="38100" dist="38100" dir="2700000" algn="tl">
+                    <a:srgbClr val="000000">
+                      <a:alpha val="43137"/>
+                    </a:srgbClr>
+                  </a:outerShdw>
+                </a:effectLst>
+              </a:rPr>
+              <a:t>Lataud</a:t>
+            </a:r>
+            <a:r>
+              <a:rPr lang="fr-FR" b="1" dirty="0" smtClean="0">
+                <a:effectLst>
+                  <a:outerShdw blurRad="38100" dist="38100" dir="2700000" algn="tl">
+                    <a:srgbClr val="000000">
+                      <a:alpha val="43137"/>
+                    </a:srgbClr>
+                  </a:outerShdw>
+                </a:effectLst>
+              </a:rPr>
+              <a:t>:</a:t>
             </a:r>
           </a:p>
           <a:p>
             <a:r>
               <a:rPr lang="fr-FR" dirty="0" smtClean="0"/>
-              <a:t> contenant :  - ce qu'il y a à faire pour la prochain séance</a:t>
+              <a:t>Responsable communication (film de présentation du logiciel finalisé)</a:t>
             </a:r>
           </a:p>
           <a:p>
             <a:r>
               <a:rPr lang="fr-FR" dirty="0" smtClean="0"/>
-              <a:t>	       - ce </a:t>
+              <a:t>+ écriture de l’algorithme de lecture des fichiers .</a:t>
+            </a:r>
+            <a:r>
+              <a:rPr lang="fr-FR" dirty="0" err="1" smtClean="0"/>
+              <a:t>cif</a:t>
             </a:r>
             <a:r>
               <a:rPr lang="fr-FR" dirty="0" smtClean="0"/>
-              <a:t>qui </a:t>
+              <a:t> (</a:t>
+            </a:r>
+            <a:r>
+              <a:rPr lang="fr-FR" dirty="0" err="1" smtClean="0"/>
+              <a:t>crystallography</a:t>
             </a:r>
             <a:r>
               <a:rPr lang="fr-FR" dirty="0" smtClean="0"/>
-              <a:t>a été fait au cours de chacune des séances</a:t>
+              <a:t> international file)</a:t>
+            </a:r>
+            <a:endParaRPr lang="fr-FR" dirty="0"/>
+          </a:p>
+        </p:txBody>
+      </p:sp>
+      <p:sp>
+        <p:nvSpPr>
+          <p:cNvPr id="10" name="ZoneTexte 9"/>
+          <p:cNvSpPr txBox="1"/>
+          <p:nvPr/>
+        </p:nvSpPr>
+        <p:spPr>
+          <a:xfrm>
+            <a:off x="539552" y="4725144"/>
+            <a:ext cx="7056784" cy="923330"/>
+          </a:xfrm>
+          <a:prstGeom prst="rect">
+            <a:avLst/>
+          </a:prstGeom>
+          <a:noFill/>
+        </p:spPr>
+        <p:txBody>
+          <a:bodyPr wrap="square" rtlCol="0">
+            <a:spAutoFit/>
+          </a:bodyPr>
+          <a:lstStyle/>
+          <a:p>
+            <a:r>
+              <a:rPr lang="fr-FR" b="1" dirty="0" smtClean="0">
+                <a:effectLst>
+                  <a:outerShdw blurRad="38100" dist="38100" dir="2700000" algn="tl">
+                    <a:srgbClr val="000000">
+                      <a:alpha val="43137"/>
+                    </a:srgbClr>
+                  </a:outerShdw>
+                </a:effectLst>
+              </a:rPr>
+              <a:t>Arnaud Turin:</a:t>
             </a:r>
           </a:p>
           <a:p>
             <a:r>
               <a:rPr lang="fr-FR" dirty="0" smtClean="0"/>
-              <a:t>	       - des listes de recherches déjà effectuées</a:t>
+              <a:t>Responsable gestion caméra logicielle + élaboration budget</a:t>
+            </a:r>
+          </a:p>
+          <a:p>
+            <a:endParaRPr lang="fr-FR" dirty="0"/>
+          </a:p>
+        </p:txBody>
+      </p:sp>
+      <p:sp>
+        <p:nvSpPr>
+          <p:cNvPr id="11" name="ZoneTexte 10"/>
+          <p:cNvSpPr txBox="1"/>
+          <p:nvPr/>
+        </p:nvSpPr>
+        <p:spPr>
+          <a:xfrm>
+            <a:off x="539552" y="1700808"/>
+            <a:ext cx="7704856" cy="923330"/>
+          </a:xfrm>
+          <a:prstGeom prst="rect">
+            <a:avLst/>
+          </a:prstGeom>
+          <a:noFill/>
+        </p:spPr>
+        <p:txBody>
+          <a:bodyPr wrap="square" rtlCol="0">
+            <a:spAutoFit/>
+          </a:bodyPr>
+          <a:lstStyle/>
+          <a:p>
+            <a:r>
+              <a:rPr lang="fr-FR" b="1" dirty="0" smtClean="0">
+                <a:effectLst>
+                  <a:outerShdw blurRad="38100" dist="38100" dir="2700000" algn="tl">
+                    <a:srgbClr val="000000">
+                      <a:alpha val="43137"/>
+                    </a:srgbClr>
+                  </a:outerShdw>
+                </a:effectLst>
+              </a:rPr>
+              <a:t>Guillaume </a:t>
+            </a:r>
+            <a:r>
+              <a:rPr lang="fr-FR" b="1" dirty="0" err="1" smtClean="0">
+                <a:effectLst>
+                  <a:outerShdw blurRad="38100" dist="38100" dir="2700000" algn="tl">
+                    <a:srgbClr val="000000">
+                      <a:alpha val="43137"/>
+                    </a:srgbClr>
+                  </a:outerShdw>
+                </a:effectLst>
+              </a:rPr>
+              <a:t>Grippari</a:t>
+            </a:r>
+            <a:r>
+              <a:rPr lang="fr-FR" b="1" dirty="0" smtClean="0">
+                <a:effectLst>
+                  <a:outerShdw blurRad="38100" dist="38100" dir="2700000" algn="tl">
+                    <a:srgbClr val="000000">
+                      <a:alpha val="43137"/>
+                    </a:srgbClr>
+                  </a:outerShdw>
+                </a:effectLst>
+              </a:rPr>
+              <a:t>:</a:t>
             </a:r>
           </a:p>
           <a:p>
             <a:r>
               <a:rPr lang="fr-FR" dirty="0" smtClean="0"/>
-              <a:t>	       - des aides pour la programmation</a:t>
-            </a:r>
-          </a:p>
-          <a:p>
-            <a:endParaRPr lang="fr-FR" dirty="0" smtClean="0"/>
-          </a:p>
-          <a:p>
-            <a:endParaRPr lang="fr-FR" dirty="0" smtClean="0"/>
-          </a:p>
-          <a:p>
-            <a:endParaRPr lang="fr-FR" dirty="0" smtClean="0"/>
-          </a:p>
-          <a:p>
-            <a:r>
-              <a:rPr lang="fr-FR" dirty="0" smtClean="0"/>
-              <a:t>- Création d’un serveur (SVN) en ligne pour le partage et le stockage des parties de code et des documents</a:t>
+              <a:t>Responsable environnement 3D désir de poursuivre dans ce domaine</a:t>
             </a:r>
             <a:endParaRPr lang="fr-FR" dirty="0"/>
           </a:p>
